--- a/PPTs/LX Intro to ML.pptx
+++ b/PPTs/LX Intro to ML.pptx
@@ -5,37 +5,36 @@
     <p:sldMasterId id="2147483648" r:id="rId1"/>
   </p:sldMasterIdLst>
   <p:notesMasterIdLst>
-    <p:notesMasterId r:id="rId30"/>
+    <p:notesMasterId r:id="rId29"/>
   </p:notesMasterIdLst>
   <p:sldIdLst>
     <p:sldId id="376" r:id="rId2"/>
-    <p:sldId id="627" r:id="rId3"/>
-    <p:sldId id="890" r:id="rId4"/>
-    <p:sldId id="897" r:id="rId5"/>
-    <p:sldId id="628" r:id="rId6"/>
-    <p:sldId id="380" r:id="rId7"/>
-    <p:sldId id="381" r:id="rId8"/>
-    <p:sldId id="382" r:id="rId9"/>
-    <p:sldId id="386" r:id="rId10"/>
-    <p:sldId id="383" r:id="rId11"/>
-    <p:sldId id="384" r:id="rId12"/>
-    <p:sldId id="387" r:id="rId13"/>
-    <p:sldId id="388" r:id="rId14"/>
-    <p:sldId id="390" r:id="rId15"/>
-    <p:sldId id="389" r:id="rId16"/>
-    <p:sldId id="385" r:id="rId17"/>
-    <p:sldId id="391" r:id="rId18"/>
-    <p:sldId id="392" r:id="rId19"/>
-    <p:sldId id="393" r:id="rId20"/>
-    <p:sldId id="395" r:id="rId21"/>
-    <p:sldId id="394" r:id="rId22"/>
-    <p:sldId id="396" r:id="rId23"/>
-    <p:sldId id="397" r:id="rId24"/>
-    <p:sldId id="398" r:id="rId25"/>
-    <p:sldId id="399" r:id="rId26"/>
-    <p:sldId id="400" r:id="rId27"/>
+    <p:sldId id="890" r:id="rId3"/>
+    <p:sldId id="897" r:id="rId4"/>
+    <p:sldId id="628" r:id="rId5"/>
+    <p:sldId id="380" r:id="rId6"/>
+    <p:sldId id="381" r:id="rId7"/>
+    <p:sldId id="382" r:id="rId8"/>
+    <p:sldId id="386" r:id="rId9"/>
+    <p:sldId id="383" r:id="rId10"/>
+    <p:sldId id="384" r:id="rId11"/>
+    <p:sldId id="387" r:id="rId12"/>
+    <p:sldId id="388" r:id="rId13"/>
+    <p:sldId id="390" r:id="rId14"/>
+    <p:sldId id="389" r:id="rId15"/>
+    <p:sldId id="385" r:id="rId16"/>
+    <p:sldId id="391" r:id="rId17"/>
+    <p:sldId id="392" r:id="rId18"/>
+    <p:sldId id="393" r:id="rId19"/>
+    <p:sldId id="395" r:id="rId20"/>
+    <p:sldId id="394" r:id="rId21"/>
+    <p:sldId id="396" r:id="rId22"/>
+    <p:sldId id="397" r:id="rId23"/>
+    <p:sldId id="899" r:id="rId24"/>
+    <p:sldId id="399" r:id="rId25"/>
+    <p:sldId id="400" r:id="rId26"/>
+    <p:sldId id="900" r:id="rId27"/>
     <p:sldId id="401" r:id="rId28"/>
-    <p:sldId id="898" r:id="rId29"/>
   </p:sldIdLst>
   <p:sldSz cx="9144000" cy="6858000" type="screen4x3"/>
   <p:notesSz cx="6858000" cy="9144000"/>
@@ -170,7 +169,6 @@
         <p14:section name="Default Section" id="{77942E4D-44FA-4853-8CF7-938F2AED9C5E}">
           <p14:sldIdLst>
             <p14:sldId id="376"/>
-            <p14:sldId id="627"/>
             <p14:sldId id="890"/>
             <p14:sldId id="897"/>
             <p14:sldId id="628"/>
@@ -192,11 +190,11 @@
             <p14:sldId id="394"/>
             <p14:sldId id="396"/>
             <p14:sldId id="397"/>
-            <p14:sldId id="398"/>
+            <p14:sldId id="899"/>
             <p14:sldId id="399"/>
             <p14:sldId id="400"/>
+            <p14:sldId id="900"/>
             <p14:sldId id="401"/>
-            <p14:sldId id="898"/>
           </p14:sldIdLst>
         </p14:section>
       </p14:sectionLst>
@@ -892,7 +890,7 @@
               <a:pPr>
                 <a:defRPr/>
               </a:pPr>
-              <a:t>3</a:t>
+              <a:t>2</a:t>
             </a:fld>
             <a:endParaRPr lang="en-US" altLang="zh-CN"/>
           </a:p>
@@ -1017,7 +1015,7 @@
               <a:pPr>
                 <a:defRPr/>
               </a:pPr>
-              <a:t>8</a:t>
+              <a:t>7</a:t>
             </a:fld>
             <a:endParaRPr lang="en-US" altLang="zh-CN"/>
           </a:p>
@@ -3487,7 +3485,12 @@
             <p:ph type="ctrTitle"/>
           </p:nvPr>
         </p:nvSpPr>
-        <p:spPr/>
+        <p:spPr>
+          <a:xfrm>
+            <a:off x="685800" y="1814959"/>
+            <a:ext cx="7772400" cy="1470025"/>
+          </a:xfrm>
+        </p:spPr>
         <p:txBody>
           <a:bodyPr/>
           <a:lstStyle/>
@@ -3516,7 +3519,12 @@
             <p:ph type="subTitle" idx="1"/>
           </p:nvPr>
         </p:nvSpPr>
-        <p:spPr/>
+        <p:spPr>
+          <a:xfrm>
+            <a:off x="1371600" y="3456583"/>
+            <a:ext cx="6400800" cy="1752600"/>
+          </a:xfrm>
+        </p:spPr>
         <p:txBody>
           <a:bodyPr/>
           <a:lstStyle/>
@@ -3564,6 +3572,53 @@
           </a:p>
         </p:txBody>
       </p:sp>
+      <p:pic>
+        <p:nvPicPr>
+          <p:cNvPr id="2050" name="Picture 2" descr="Reading, learning, scientific, book, experiment, ai, robot icon - Download on Iconfinder">
+            <a:extLst>
+              <a:ext uri="{FF2B5EF4-FFF2-40B4-BE49-F238E27FC236}">
+                <a16:creationId xmlns:a16="http://schemas.microsoft.com/office/drawing/2014/main" id="{B4516E33-3B5B-46A6-AEA4-8DE0B274B881}"/>
+              </a:ext>
+            </a:extLst>
+          </p:cNvPr>
+          <p:cNvPicPr>
+            <a:picLocks noChangeAspect="1" noChangeArrowheads="1"/>
+          </p:cNvPicPr>
+          <p:nvPr/>
+        </p:nvPicPr>
+        <p:blipFill>
+          <a:blip r:embed="rId3">
+            <a:extLst>
+              <a:ext uri="{28A0092B-C50C-407E-A947-70E740481C1C}">
+                <a14:useLocalDpi xmlns:a14="http://schemas.microsoft.com/office/drawing/2010/main" val="0"/>
+              </a:ext>
+            </a:extLst>
+          </a:blip>
+          <a:srcRect/>
+          <a:stretch>
+            <a:fillRect/>
+          </a:stretch>
+        </p:blipFill>
+        <p:spPr bwMode="auto">
+          <a:xfrm>
+            <a:off x="2807804" y="3645024"/>
+            <a:ext cx="3528392" cy="3528392"/>
+          </a:xfrm>
+          <a:prstGeom prst="rect">
+            <a:avLst/>
+          </a:prstGeom>
+          <a:noFill/>
+          <a:extLst>
+            <a:ext uri="{909E8E84-426E-40DD-AFC4-6F175D3DCCD1}">
+              <a14:hiddenFill xmlns:a14="http://schemas.microsoft.com/office/drawing/2010/main">
+                <a:solidFill>
+                  <a:srgbClr val="FFFFFF"/>
+                </a:solidFill>
+              </a14:hiddenFill>
+            </a:ext>
+          </a:extLst>
+        </p:spPr>
+      </p:pic>
     </p:spTree>
     <p:extLst>
       <p:ext uri="{BB962C8B-B14F-4D97-AF65-F5344CB8AC3E}">
@@ -3578,960 +3633,6 @@
 </file>
 
 <file path=ppt/slides/slide10.xml><?xml version="1.0" encoding="utf-8"?>
-<p:sld xmlns:a="http://schemas.openxmlformats.org/drawingml/2006/main" xmlns:r="http://schemas.openxmlformats.org/officeDocument/2006/relationships" xmlns:p="http://schemas.openxmlformats.org/presentationml/2006/main">
-  <p:cSld>
-    <p:spTree>
-      <p:nvGrpSpPr>
-        <p:cNvPr id="1" name=""/>
-        <p:cNvGrpSpPr/>
-        <p:nvPr/>
-      </p:nvGrpSpPr>
-      <p:grpSpPr>
-        <a:xfrm>
-          <a:off x="0" y="0"/>
-          <a:ext cx="0" cy="0"/>
-          <a:chOff x="0" y="0"/>
-          <a:chExt cx="0" cy="0"/>
-        </a:xfrm>
-      </p:grpSpPr>
-      <p:sp>
-        <p:nvSpPr>
-          <p:cNvPr id="2" name="Title 1">
-            <a:extLst>
-              <a:ext uri="{FF2B5EF4-FFF2-40B4-BE49-F238E27FC236}">
-                <a16:creationId xmlns:a16="http://schemas.microsoft.com/office/drawing/2014/main" id="{A227B4A1-0352-457E-96E8-FDD7450E314E}"/>
-              </a:ext>
-            </a:extLst>
-          </p:cNvPr>
-          <p:cNvSpPr>
-            <a:spLocks noGrp="1"/>
-          </p:cNvSpPr>
-          <p:nvPr>
-            <p:ph type="title"/>
-          </p:nvPr>
-        </p:nvSpPr>
-        <p:spPr/>
-        <p:txBody>
-          <a:bodyPr/>
-          <a:lstStyle/>
-          <a:p>
-            <a:r>
-              <a:rPr lang="en-US" dirty="0"/>
-              <a:t>Linear Regression</a:t>
-            </a:r>
-            <a:endParaRPr lang="en-SE" dirty="0"/>
-          </a:p>
-        </p:txBody>
-      </p:sp>
-      <mc:AlternateContent xmlns:mc="http://schemas.openxmlformats.org/markup-compatibility/2006" xmlns:a14="http://schemas.microsoft.com/office/drawing/2010/main">
-        <mc:Choice Requires="a14">
-          <p:sp>
-            <p:nvSpPr>
-              <p:cNvPr id="3" name="Content Placeholder 2">
-                <a:extLst>
-                  <a:ext uri="{FF2B5EF4-FFF2-40B4-BE49-F238E27FC236}">
-                    <a16:creationId xmlns:a16="http://schemas.microsoft.com/office/drawing/2014/main" id="{4385CA2A-6358-4443-94D0-7995CC70F0F2}"/>
-                  </a:ext>
-                </a:extLst>
-              </p:cNvPr>
-              <p:cNvSpPr>
-                <a:spLocks noGrp="1"/>
-              </p:cNvSpPr>
-              <p:nvPr>
-                <p:ph idx="1"/>
-              </p:nvPr>
-            </p:nvSpPr>
-            <p:spPr>
-              <a:xfrm>
-                <a:off x="457200" y="1295400"/>
-                <a:ext cx="8229600" cy="4941912"/>
-              </a:xfrm>
-            </p:spPr>
-            <p:txBody>
-              <a:bodyPr>
-                <a:normAutofit/>
-              </a:bodyPr>
-              <a:lstStyle/>
-              <a:p>
-                <a:r>
-                  <a:rPr lang="en-US" dirty="0"/>
-                  <a:t>Function approximation </a:t>
-                </a:r>
-                <a14:m>
-                  <m:oMath xmlns:m="http://schemas.openxmlformats.org/officeDocument/2006/math">
-                    <m:r>
-                      <a:rPr lang="en-US" i="1" dirty="0" smtClean="0">
-                        <a:latin typeface="Cambria Math" panose="02040503050406030204" pitchFamily="18" charset="0"/>
-                      </a:rPr>
-                      <m:t>𝑦</m:t>
-                    </m:r>
-                    <m:r>
-                      <a:rPr lang="en-US" i="1" dirty="0" smtClean="0">
-                        <a:latin typeface="Cambria Math" panose="02040503050406030204" pitchFamily="18" charset="0"/>
-                      </a:rPr>
-                      <m:t>=</m:t>
-                    </m:r>
-                    <m:r>
-                      <a:rPr lang="en-US" b="1" i="0" dirty="0" smtClean="0">
-                        <a:latin typeface="Cambria Math" panose="02040503050406030204" pitchFamily="18" charset="0"/>
-                      </a:rPr>
-                      <m:t>𝐰</m:t>
-                    </m:r>
-                    <m:r>
-                      <a:rPr lang="en-US" b="1" i="1" dirty="0" smtClean="0">
-                        <a:latin typeface="Cambria Math" panose="02040503050406030204" pitchFamily="18" charset="0"/>
-                      </a:rPr>
-                      <m:t>⋅</m:t>
-                    </m:r>
-                    <m:r>
-                      <a:rPr lang="en-US" b="1" i="0" dirty="0" smtClean="0">
-                        <a:latin typeface="Cambria Math" panose="02040503050406030204" pitchFamily="18" charset="0"/>
-                      </a:rPr>
-                      <m:t>𝐱</m:t>
-                    </m:r>
-                    <m:r>
-                      <a:rPr lang="en-US" b="0" i="1" dirty="0" smtClean="0">
-                        <a:latin typeface="Cambria Math" panose="02040503050406030204" pitchFamily="18" charset="0"/>
-                      </a:rPr>
-                      <m:t>+</m:t>
-                    </m:r>
-                    <m:r>
-                      <a:rPr lang="en-US" b="0" i="1" dirty="0" smtClean="0">
-                        <a:latin typeface="Cambria Math" panose="02040503050406030204" pitchFamily="18" charset="0"/>
-                      </a:rPr>
-                      <m:t>𝑏</m:t>
-                    </m:r>
-                  </m:oMath>
-                </a14:m>
-                <a:r>
-                  <a:rPr lang="en-US" dirty="0"/>
-                  <a:t>, with learnable parameters </a:t>
-                </a:r>
-                <a14:m>
-                  <m:oMath xmlns:m="http://schemas.openxmlformats.org/officeDocument/2006/math">
-                    <m:r>
-                      <a:rPr lang="en-US" b="1" i="0" dirty="0" smtClean="0">
-                        <a:latin typeface="Cambria Math" panose="02040503050406030204" pitchFamily="18" charset="0"/>
-                      </a:rPr>
-                      <m:t>𝛉</m:t>
-                    </m:r>
-                    <m:r>
-                      <a:rPr lang="en-US" i="1" dirty="0" smtClean="0">
-                        <a:latin typeface="Cambria Math" panose="02040503050406030204" pitchFamily="18" charset="0"/>
-                      </a:rPr>
-                      <m:t>={</m:t>
-                    </m:r>
-                    <m:r>
-                      <a:rPr lang="en-US" b="1" i="0" dirty="0" smtClean="0">
-                        <a:latin typeface="Cambria Math" panose="02040503050406030204" pitchFamily="18" charset="0"/>
-                      </a:rPr>
-                      <m:t>𝐰</m:t>
-                    </m:r>
-                    <m:r>
-                      <a:rPr lang="en-US" i="1" dirty="0" smtClean="0">
-                        <a:latin typeface="Cambria Math" panose="02040503050406030204" pitchFamily="18" charset="0"/>
-                      </a:rPr>
-                      <m:t>,</m:t>
-                    </m:r>
-                    <m:r>
-                      <a:rPr lang="en-US" b="0" i="1" dirty="0" smtClean="0">
-                        <a:latin typeface="Cambria Math" panose="02040503050406030204" pitchFamily="18" charset="0"/>
-                      </a:rPr>
-                      <m:t>𝑏</m:t>
-                    </m:r>
-                    <m:r>
-                      <a:rPr lang="en-US" i="1" dirty="0" smtClean="0">
-                        <a:latin typeface="Cambria Math" panose="02040503050406030204" pitchFamily="18" charset="0"/>
-                      </a:rPr>
-                      <m:t>}</m:t>
-                    </m:r>
-                  </m:oMath>
-                </a14:m>
-                <a:r>
-                  <a:rPr lang="en-US" dirty="0"/>
-                  <a:t>, where </a:t>
-                </a:r>
-                <a14:m>
-                  <m:oMath xmlns:m="http://schemas.openxmlformats.org/officeDocument/2006/math">
-                    <m:r>
-                      <a:rPr lang="en-US" b="1" i="0" dirty="0" smtClean="0">
-                        <a:latin typeface="Cambria Math" panose="02040503050406030204" pitchFamily="18" charset="0"/>
-                      </a:rPr>
-                      <m:t>𝐰</m:t>
-                    </m:r>
-                    <m:r>
-                      <a:rPr lang="en-US" b="1" i="1" dirty="0" smtClean="0">
-                        <a:latin typeface="Cambria Math" panose="02040503050406030204" pitchFamily="18" charset="0"/>
-                      </a:rPr>
-                      <m:t>,</m:t>
-                    </m:r>
-                    <m:r>
-                      <a:rPr lang="en-US" b="1" dirty="0">
-                        <a:latin typeface="Cambria Math" panose="02040503050406030204" pitchFamily="18" charset="0"/>
-                      </a:rPr>
-                      <m:t>𝐱</m:t>
-                    </m:r>
-                  </m:oMath>
-                </a14:m>
-                <a:r>
-                  <a:rPr lang="en-US" dirty="0"/>
-                  <a:t> may be vectors, and </a:t>
-                </a:r>
-                <a14:m>
-                  <m:oMath xmlns:m="http://schemas.openxmlformats.org/officeDocument/2006/math">
-                    <m:r>
-                      <a:rPr lang="en-US" b="1" dirty="0">
-                        <a:latin typeface="Cambria Math" panose="02040503050406030204" pitchFamily="18" charset="0"/>
-                      </a:rPr>
-                      <m:t>𝐰</m:t>
-                    </m:r>
-                    <m:r>
-                      <a:rPr lang="en-US" b="1" i="1" dirty="0">
-                        <a:latin typeface="Cambria Math" panose="02040503050406030204" pitchFamily="18" charset="0"/>
-                      </a:rPr>
-                      <m:t>⋅</m:t>
-                    </m:r>
-                    <m:r>
-                      <a:rPr lang="en-US" b="1" dirty="0">
-                        <a:latin typeface="Cambria Math" panose="02040503050406030204" pitchFamily="18" charset="0"/>
-                      </a:rPr>
-                      <m:t>𝐱</m:t>
-                    </m:r>
-                  </m:oMath>
-                </a14:m>
-                <a:r>
-                  <a:rPr lang="en-US" dirty="0"/>
-                  <a:t> denotes vector dot product (same as </a:t>
-                </a:r>
-                <a14:m>
-                  <m:oMath xmlns:m="http://schemas.openxmlformats.org/officeDocument/2006/math">
-                    <m:sSup>
-                      <m:sSupPr>
-                        <m:ctrlPr>
-                          <a:rPr lang="en-US" b="1" i="1" dirty="0" smtClean="0">
-                            <a:latin typeface="Cambria Math" panose="02040503050406030204" pitchFamily="18" charset="0"/>
-                          </a:rPr>
-                        </m:ctrlPr>
-                      </m:sSupPr>
-                      <m:e>
-                        <m:r>
-                          <a:rPr lang="en-US" b="1" i="0" dirty="0" smtClean="0">
-                            <a:latin typeface="Cambria Math" panose="02040503050406030204" pitchFamily="18" charset="0"/>
-                          </a:rPr>
-                          <m:t>𝐰</m:t>
-                        </m:r>
-                      </m:e>
-                      <m:sup>
-                        <m:r>
-                          <a:rPr lang="en-US" b="1" i="1" dirty="0" smtClean="0">
-                            <a:latin typeface="Cambria Math" panose="02040503050406030204" pitchFamily="18" charset="0"/>
-                          </a:rPr>
-                          <m:t>𝑻</m:t>
-                        </m:r>
-                      </m:sup>
-                    </m:sSup>
-                    <m:r>
-                      <a:rPr lang="en-US" b="1" dirty="0">
-                        <a:latin typeface="Cambria Math" panose="02040503050406030204" pitchFamily="18" charset="0"/>
-                      </a:rPr>
-                      <m:t>𝐱</m:t>
-                    </m:r>
-                  </m:oMath>
-                </a14:m>
-                <a:r>
-                  <a:rPr lang="en-US" dirty="0"/>
-                  <a:t>)</a:t>
-                </a:r>
-              </a:p>
-              <a:p>
-                <a:pPr marL="459740" lvl="1">
-                  <a:spcBef>
-                    <a:spcPts val="535"/>
-                  </a:spcBef>
-                </a:pPr>
-                <a:r>
-                  <a:rPr lang="en-US" dirty="0"/>
-                  <a:t>e.g., </a:t>
-                </a:r>
-                <a:r>
-                  <a:rPr lang="en-US" spc="-5" dirty="0">
-                    <a:latin typeface="Arial"/>
-                    <a:cs typeface="Arial"/>
-                  </a:rPr>
-                  <a:t>we want to predict price of a house based</a:t>
-                </a:r>
-                <a:r>
-                  <a:rPr lang="en-US" spc="90" dirty="0">
-                    <a:latin typeface="Arial"/>
-                    <a:cs typeface="Arial"/>
-                  </a:rPr>
-                  <a:t> </a:t>
-                </a:r>
-                <a:r>
-                  <a:rPr lang="en-US" spc="-5" dirty="0">
-                    <a:latin typeface="Arial"/>
-                    <a:cs typeface="Arial"/>
-                  </a:rPr>
-                  <a:t>on its feature vector </a:t>
-                </a:r>
-                <a14:m>
-                  <m:oMath xmlns:m="http://schemas.openxmlformats.org/officeDocument/2006/math">
-                    <m:r>
-                      <a:rPr lang="en-US" b="1" i="0" dirty="0" smtClean="0">
-                        <a:latin typeface="Cambria Math" panose="02040503050406030204" pitchFamily="18" charset="0"/>
-                      </a:rPr>
-                      <m:t>𝐱</m:t>
-                    </m:r>
-                    <m:r>
-                      <a:rPr lang="en-US" b="1" i="0" dirty="0" smtClean="0">
-                        <a:latin typeface="Cambria Math" panose="02040503050406030204" pitchFamily="18" charset="0"/>
-                      </a:rPr>
-                      <m:t>=</m:t>
-                    </m:r>
-                    <m:sSup>
-                      <m:sSupPr>
-                        <m:ctrlPr>
-                          <a:rPr lang="en-US" b="1" i="1" dirty="0" smtClean="0">
-                            <a:latin typeface="Cambria Math" panose="02040503050406030204" pitchFamily="18" charset="0"/>
-                          </a:rPr>
-                        </m:ctrlPr>
-                      </m:sSupPr>
-                      <m:e>
-                        <m:d>
-                          <m:dPr>
-                            <m:begChr m:val="["/>
-                            <m:endChr m:val="]"/>
-                            <m:ctrlPr>
-                              <a:rPr lang="en-US" b="1" i="1" dirty="0" smtClean="0">
-                                <a:latin typeface="Cambria Math" panose="02040503050406030204" pitchFamily="18" charset="0"/>
-                              </a:rPr>
-                            </m:ctrlPr>
-                          </m:dPr>
-                          <m:e>
-                            <m:sSub>
-                              <m:sSubPr>
-                                <m:ctrlPr>
-                                  <a:rPr lang="en-US" i="1" dirty="0" smtClean="0">
-                                    <a:latin typeface="Cambria Math" panose="02040503050406030204" pitchFamily="18" charset="0"/>
-                                  </a:rPr>
-                                </m:ctrlPr>
-                              </m:sSubPr>
-                              <m:e>
-                                <m:r>
-                                  <a:rPr lang="en-US" b="0" i="1" dirty="0" smtClean="0">
-                                    <a:latin typeface="Cambria Math" panose="02040503050406030204" pitchFamily="18" charset="0"/>
-                                  </a:rPr>
-                                  <m:t>𝑥</m:t>
-                                </m:r>
-                              </m:e>
-                              <m:sub>
-                                <m:r>
-                                  <a:rPr lang="en-US" b="0" i="1" dirty="0" smtClean="0">
-                                    <a:latin typeface="Cambria Math" panose="02040503050406030204" pitchFamily="18" charset="0"/>
-                                  </a:rPr>
-                                  <m:t>1</m:t>
-                                </m:r>
-                              </m:sub>
-                            </m:sSub>
-                            <m:r>
-                              <a:rPr lang="en-US" b="0" i="1" dirty="0" smtClean="0">
-                                <a:latin typeface="Cambria Math" panose="02040503050406030204" pitchFamily="18" charset="0"/>
-                              </a:rPr>
-                              <m:t> </m:t>
-                            </m:r>
-                            <m:sSub>
-                              <m:sSubPr>
-                                <m:ctrlPr>
-                                  <a:rPr lang="en-US" i="1" dirty="0" smtClean="0">
-                                    <a:latin typeface="Cambria Math" panose="02040503050406030204" pitchFamily="18" charset="0"/>
-                                  </a:rPr>
-                                </m:ctrlPr>
-                              </m:sSubPr>
-                              <m:e>
-                                <m:r>
-                                  <a:rPr lang="en-US" b="0" i="1" dirty="0" smtClean="0">
-                                    <a:latin typeface="Cambria Math" panose="02040503050406030204" pitchFamily="18" charset="0"/>
-                                  </a:rPr>
-                                  <m:t>𝑥</m:t>
-                                </m:r>
-                              </m:e>
-                              <m:sub>
-                                <m:r>
-                                  <a:rPr lang="en-US" b="0" i="1" dirty="0" smtClean="0">
-                                    <a:latin typeface="Cambria Math" panose="02040503050406030204" pitchFamily="18" charset="0"/>
-                                  </a:rPr>
-                                  <m:t>2</m:t>
-                                </m:r>
-                              </m:sub>
-                            </m:sSub>
-                            <m:r>
-                              <a:rPr lang="en-US" b="0" i="1" dirty="0" smtClean="0">
-                                <a:latin typeface="Cambria Math" panose="02040503050406030204" pitchFamily="18" charset="0"/>
-                              </a:rPr>
-                              <m:t> </m:t>
-                            </m:r>
-                            <m:sSub>
-                              <m:sSubPr>
-                                <m:ctrlPr>
-                                  <a:rPr lang="en-US" i="1" dirty="0" smtClean="0">
-                                    <a:latin typeface="Cambria Math" panose="02040503050406030204" pitchFamily="18" charset="0"/>
-                                  </a:rPr>
-                                </m:ctrlPr>
-                              </m:sSubPr>
-                              <m:e>
-                                <m:r>
-                                  <a:rPr lang="en-US" b="0" i="1" dirty="0" smtClean="0">
-                                    <a:latin typeface="Cambria Math" panose="02040503050406030204" pitchFamily="18" charset="0"/>
-                                  </a:rPr>
-                                  <m:t>𝑥</m:t>
-                                </m:r>
-                              </m:e>
-                              <m:sub>
-                                <m:r>
-                                  <a:rPr lang="en-US" b="0" i="1" dirty="0" smtClean="0">
-                                    <a:latin typeface="Cambria Math" panose="02040503050406030204" pitchFamily="18" charset="0"/>
-                                  </a:rPr>
-                                  <m:t>3</m:t>
-                                </m:r>
-                              </m:sub>
-                            </m:sSub>
-                          </m:e>
-                        </m:d>
-                      </m:e>
-                      <m:sup>
-                        <m:r>
-                          <a:rPr lang="en-US" b="1" i="0" dirty="0" smtClean="0">
-                            <a:latin typeface="Cambria Math" panose="02040503050406030204" pitchFamily="18" charset="0"/>
-                          </a:rPr>
-                          <m:t>𝐓</m:t>
-                        </m:r>
-                      </m:sup>
-                    </m:sSup>
-                  </m:oMath>
-                </a14:m>
-                <a:r>
-                  <a:rPr lang="en-US" dirty="0">
-                    <a:latin typeface="Arial"/>
-                    <a:cs typeface="Arial"/>
-                  </a:rPr>
-                  <a:t>, where </a:t>
-                </a:r>
-                <a14:m>
-                  <m:oMath xmlns:m="http://schemas.openxmlformats.org/officeDocument/2006/math">
-                    <m:sSub>
-                      <m:sSubPr>
-                        <m:ctrlPr>
-                          <a:rPr lang="en-US" b="0" i="1" spc="-5" dirty="0" smtClean="0">
-                            <a:latin typeface="Cambria Math" panose="02040503050406030204" pitchFamily="18" charset="0"/>
-                            <a:cs typeface="Arial"/>
-                          </a:rPr>
-                        </m:ctrlPr>
-                      </m:sSubPr>
-                      <m:e>
-                        <m:r>
-                          <a:rPr lang="en-US" i="1" spc="-5" dirty="0" smtClean="0">
-                            <a:latin typeface="Cambria Math" panose="02040503050406030204" pitchFamily="18" charset="0"/>
-                            <a:cs typeface="Arial"/>
-                          </a:rPr>
-                          <m:t>𝑥</m:t>
-                        </m:r>
-                      </m:e>
-                      <m:sub>
-                        <m:r>
-                          <a:rPr lang="en-US" i="1" spc="-5" dirty="0" smtClean="0">
-                            <a:latin typeface="Cambria Math" panose="02040503050406030204" pitchFamily="18" charset="0"/>
-                            <a:cs typeface="Arial"/>
-                          </a:rPr>
-                          <m:t>1</m:t>
-                        </m:r>
-                      </m:sub>
-                    </m:sSub>
-                  </m:oMath>
-                </a14:m>
-                <a:r>
-                  <a:rPr lang="en-US" spc="-5" dirty="0">
-                    <a:latin typeface="Arial"/>
-                    <a:cs typeface="Arial"/>
-                  </a:rPr>
-                  <a:t>is area in square meters </a:t>
-                </a:r>
-                <a:r>
-                  <a:rPr lang="en-US" dirty="0">
-                    <a:latin typeface="Arial"/>
-                    <a:cs typeface="Arial"/>
-                  </a:rPr>
-                  <a:t>(sqm), </a:t>
-                </a:r>
-                <a14:m>
-                  <m:oMath xmlns:m="http://schemas.openxmlformats.org/officeDocument/2006/math">
-                    <m:sSub>
-                      <m:sSubPr>
-                        <m:ctrlPr>
-                          <a:rPr lang="en-US" b="0" i="1" spc="-5" dirty="0" smtClean="0">
-                            <a:latin typeface="Cambria Math" panose="02040503050406030204" pitchFamily="18" charset="0"/>
-                            <a:cs typeface="Arial"/>
-                          </a:rPr>
-                        </m:ctrlPr>
-                      </m:sSubPr>
-                      <m:e>
-                        <m:r>
-                          <a:rPr lang="en-US" i="1" spc="-5" dirty="0" smtClean="0">
-                            <a:latin typeface="Cambria Math" panose="02040503050406030204" pitchFamily="18" charset="0"/>
-                            <a:cs typeface="Arial"/>
-                          </a:rPr>
-                          <m:t>𝑥</m:t>
-                        </m:r>
-                      </m:e>
-                      <m:sub>
-                        <m:r>
-                          <a:rPr lang="en-US" i="1" spc="-5" dirty="0" smtClean="0">
-                            <a:latin typeface="Cambria Math" panose="02040503050406030204" pitchFamily="18" charset="0"/>
-                            <a:cs typeface="Arial"/>
-                          </a:rPr>
-                          <m:t>2</m:t>
-                        </m:r>
-                      </m:sub>
-                    </m:sSub>
-                  </m:oMath>
-                </a14:m>
-                <a:r>
-                  <a:rPr lang="en-US" spc="-5" dirty="0">
-                    <a:latin typeface="Arial"/>
-                    <a:cs typeface="Arial"/>
-                  </a:rPr>
-                  <a:t> is location ranking (loc), </a:t>
-                </a:r>
-                <a14:m>
-                  <m:oMath xmlns:m="http://schemas.openxmlformats.org/officeDocument/2006/math">
-                    <m:sSub>
-                      <m:sSubPr>
-                        <m:ctrlPr>
-                          <a:rPr lang="en-US" b="0" i="1" spc="-5" dirty="0" smtClean="0">
-                            <a:latin typeface="Cambria Math" panose="02040503050406030204" pitchFamily="18" charset="0"/>
-                            <a:cs typeface="Arial"/>
-                          </a:rPr>
-                        </m:ctrlPr>
-                      </m:sSubPr>
-                      <m:e>
-                        <m:r>
-                          <a:rPr lang="en-US" i="1" spc="-5" dirty="0" smtClean="0">
-                            <a:latin typeface="Cambria Math" panose="02040503050406030204" pitchFamily="18" charset="0"/>
-                            <a:cs typeface="Arial"/>
-                          </a:rPr>
-                          <m:t>𝑥</m:t>
-                        </m:r>
-                      </m:e>
-                      <m:sub>
-                        <m:r>
-                          <a:rPr lang="en-US" b="0" i="1" spc="-5" dirty="0" smtClean="0">
-                            <a:latin typeface="Cambria Math" panose="02040503050406030204" pitchFamily="18" charset="0"/>
-                            <a:cs typeface="Arial"/>
-                          </a:rPr>
-                          <m:t>3</m:t>
-                        </m:r>
-                      </m:sub>
-                    </m:sSub>
-                  </m:oMath>
-                </a14:m>
-                <a:r>
-                  <a:rPr lang="en-US" spc="-5" dirty="0">
-                    <a:latin typeface="Arial"/>
-                    <a:cs typeface="Arial"/>
-                  </a:rPr>
-                  <a:t> is year of construction</a:t>
-                </a:r>
-                <a:r>
-                  <a:rPr lang="en-US" spc="-10" dirty="0">
-                    <a:latin typeface="Arial"/>
-                    <a:cs typeface="Arial"/>
-                  </a:rPr>
-                  <a:t> </a:t>
-                </a:r>
-                <a:r>
-                  <a:rPr lang="en-US" dirty="0">
-                    <a:latin typeface="Arial"/>
-                    <a:cs typeface="Arial"/>
-                  </a:rPr>
-                  <a:t>(</a:t>
-                </a:r>
-                <a:r>
-                  <a:rPr lang="en-US" dirty="0" err="1">
-                    <a:latin typeface="Arial"/>
-                    <a:cs typeface="Arial"/>
-                  </a:rPr>
-                  <a:t>yoc</a:t>
-                </a:r>
-                <a:r>
-                  <a:rPr lang="en-US" dirty="0">
-                    <a:latin typeface="Arial"/>
-                    <a:cs typeface="Arial"/>
-                  </a:rPr>
-                  <a:t>)</a:t>
-                </a:r>
-              </a:p>
-              <a:p>
-                <a:pPr marL="459740" lvl="1">
-                  <a:spcBef>
-                    <a:spcPts val="535"/>
-                  </a:spcBef>
-                </a:pPr>
-                <a:r>
-                  <a:rPr lang="en-US" spc="-5" dirty="0">
-                    <a:latin typeface="Arial"/>
-                    <a:cs typeface="Arial"/>
-                  </a:rPr>
-                  <a:t>Predicted price</a:t>
-                </a:r>
-                <a:r>
-                  <a:rPr lang="en-US" sz="3200" spc="-5" dirty="0">
-                    <a:latin typeface="Arial"/>
-                    <a:cs typeface="Arial"/>
-                  </a:rPr>
-                  <a:t> </a:t>
-                </a:r>
-                <a14:m>
-                  <m:oMath xmlns:m="http://schemas.openxmlformats.org/officeDocument/2006/math">
-                    <m:r>
-                      <a:rPr lang="en-US" i="1" dirty="0">
-                        <a:latin typeface="Cambria Math" panose="02040503050406030204" pitchFamily="18" charset="0"/>
-                      </a:rPr>
-                      <m:t>𝑦</m:t>
-                    </m:r>
-                    <m:r>
-                      <a:rPr lang="en-US" i="1" dirty="0">
-                        <a:latin typeface="Cambria Math" panose="02040503050406030204" pitchFamily="18" charset="0"/>
-                      </a:rPr>
-                      <m:t>=</m:t>
-                    </m:r>
-                    <m:r>
-                      <a:rPr lang="en-US" b="1" i="0" dirty="0" smtClean="0">
-                        <a:latin typeface="Cambria Math" panose="02040503050406030204" pitchFamily="18" charset="0"/>
-                      </a:rPr>
-                      <m:t>𝐰</m:t>
-                    </m:r>
-                    <m:r>
-                      <a:rPr lang="en-US" b="1" i="1" dirty="0">
-                        <a:latin typeface="Cambria Math" panose="02040503050406030204" pitchFamily="18" charset="0"/>
-                      </a:rPr>
-                      <m:t>⋅</m:t>
-                    </m:r>
-                    <m:r>
-                      <a:rPr lang="en-US" b="1" dirty="0">
-                        <a:latin typeface="Cambria Math" panose="02040503050406030204" pitchFamily="18" charset="0"/>
-                      </a:rPr>
-                      <m:t>𝐱</m:t>
-                    </m:r>
-                    <m:r>
-                      <a:rPr lang="en-US" i="1" dirty="0">
-                        <a:latin typeface="Cambria Math" panose="02040503050406030204" pitchFamily="18" charset="0"/>
-                      </a:rPr>
-                      <m:t>+</m:t>
-                    </m:r>
-                    <m:r>
-                      <a:rPr lang="en-US" b="0" i="1" dirty="0">
-                        <a:latin typeface="Cambria Math" panose="02040503050406030204" pitchFamily="18" charset="0"/>
-                      </a:rPr>
-                      <m:t>𝛽</m:t>
-                    </m:r>
-                    <m:r>
-                      <a:rPr lang="en-US" b="1" i="1" dirty="0" smtClean="0">
-                        <a:latin typeface="Cambria Math" panose="02040503050406030204" pitchFamily="18" charset="0"/>
-                      </a:rPr>
-                      <m:t>=</m:t>
-                    </m:r>
-                    <m:sSub>
-                      <m:sSubPr>
-                        <m:ctrlPr>
-                          <a:rPr lang="en-US" sz="3200" b="0" i="1" spc="-5" dirty="0" smtClean="0">
-                            <a:latin typeface="Cambria Math" panose="02040503050406030204" pitchFamily="18" charset="0"/>
-                          </a:rPr>
-                        </m:ctrlPr>
-                      </m:sSubPr>
-                      <m:e>
-                        <m:r>
-                          <a:rPr lang="en-US" sz="3200" b="0" i="1" spc="-5" dirty="0" smtClean="0">
-                            <a:latin typeface="Cambria Math" panose="02040503050406030204" pitchFamily="18" charset="0"/>
-                            <a:cs typeface="Arial"/>
-                          </a:rPr>
-                          <m:t>𝑤</m:t>
-                        </m:r>
-                      </m:e>
-                      <m:sub>
-                        <m:r>
-                          <a:rPr lang="en-US" sz="3200" b="0" i="1" spc="-5" dirty="0" smtClean="0">
-                            <a:latin typeface="Cambria Math" panose="02040503050406030204" pitchFamily="18" charset="0"/>
-                            <a:cs typeface="Arial"/>
-                          </a:rPr>
-                          <m:t>1</m:t>
-                        </m:r>
-                      </m:sub>
-                    </m:sSub>
-                    <m:sSub>
-                      <m:sSubPr>
-                        <m:ctrlPr>
-                          <a:rPr lang="en-US" sz="3200" b="0" i="1" spc="-5" dirty="0" smtClean="0">
-                            <a:latin typeface="Cambria Math" panose="02040503050406030204" pitchFamily="18" charset="0"/>
-                            <a:cs typeface="Arial"/>
-                          </a:rPr>
-                        </m:ctrlPr>
-                      </m:sSubPr>
-                      <m:e>
-                        <m:r>
-                          <a:rPr lang="en-US" sz="3200" b="0" i="1" spc="-5" dirty="0" smtClean="0">
-                            <a:latin typeface="Cambria Math" panose="02040503050406030204" pitchFamily="18" charset="0"/>
-                            <a:cs typeface="Arial"/>
-                          </a:rPr>
-                          <m:t>𝑥</m:t>
-                        </m:r>
-                      </m:e>
-                      <m:sub>
-                        <m:r>
-                          <a:rPr lang="en-US" sz="3200" b="0" i="1" spc="-5" dirty="0" smtClean="0">
-                            <a:latin typeface="Cambria Math" panose="02040503050406030204" pitchFamily="18" charset="0"/>
-                            <a:cs typeface="Arial"/>
-                          </a:rPr>
-                          <m:t>1</m:t>
-                        </m:r>
-                      </m:sub>
-                    </m:sSub>
-                    <m:r>
-                      <a:rPr lang="en-US" sz="3200" b="0" i="1" spc="-5" dirty="0" smtClean="0">
-                        <a:latin typeface="Cambria Math" panose="02040503050406030204" pitchFamily="18" charset="0"/>
-                        <a:cs typeface="Arial"/>
-                      </a:rPr>
-                      <m:t>+</m:t>
-                    </m:r>
-                    <m:sSub>
-                      <m:sSubPr>
-                        <m:ctrlPr>
-                          <a:rPr lang="en-US" i="1" spc="-5" dirty="0">
-                            <a:latin typeface="Cambria Math" panose="02040503050406030204" pitchFamily="18" charset="0"/>
-                          </a:rPr>
-                        </m:ctrlPr>
-                      </m:sSubPr>
-                      <m:e>
-                        <m:r>
-                          <a:rPr lang="en-US" b="0" i="1" spc="-5" dirty="0" smtClean="0">
-                            <a:latin typeface="Cambria Math" panose="02040503050406030204" pitchFamily="18" charset="0"/>
-                            <a:cs typeface="Arial"/>
-                          </a:rPr>
-                          <m:t>𝑤</m:t>
-                        </m:r>
-                      </m:e>
-                      <m:sub>
-                        <m:r>
-                          <a:rPr lang="en-US" b="0" i="1" spc="-5" dirty="0" smtClean="0">
-                            <a:latin typeface="Cambria Math" panose="02040503050406030204" pitchFamily="18" charset="0"/>
-                            <a:cs typeface="Arial"/>
-                          </a:rPr>
-                          <m:t>2</m:t>
-                        </m:r>
-                      </m:sub>
-                    </m:sSub>
-                    <m:sSub>
-                      <m:sSubPr>
-                        <m:ctrlPr>
-                          <a:rPr lang="en-US" i="1" spc="-5" dirty="0">
-                            <a:latin typeface="Cambria Math" panose="02040503050406030204" pitchFamily="18" charset="0"/>
-                            <a:cs typeface="Arial"/>
-                          </a:rPr>
-                        </m:ctrlPr>
-                      </m:sSubPr>
-                      <m:e>
-                        <m:r>
-                          <a:rPr lang="en-US" i="1" spc="-5" dirty="0">
-                            <a:latin typeface="Cambria Math" panose="02040503050406030204" pitchFamily="18" charset="0"/>
-                            <a:cs typeface="Arial"/>
-                          </a:rPr>
-                          <m:t>𝑥</m:t>
-                        </m:r>
-                      </m:e>
-                      <m:sub>
-                        <m:r>
-                          <a:rPr lang="en-US" b="0" i="1" spc="-5" dirty="0" smtClean="0">
-                            <a:latin typeface="Cambria Math" panose="02040503050406030204" pitchFamily="18" charset="0"/>
-                            <a:cs typeface="Arial"/>
-                          </a:rPr>
-                          <m:t>2</m:t>
-                        </m:r>
-                      </m:sub>
-                    </m:sSub>
-                    <m:r>
-                      <a:rPr lang="en-US" i="1" spc="-5" dirty="0">
-                        <a:latin typeface="Cambria Math" panose="02040503050406030204" pitchFamily="18" charset="0"/>
-                        <a:cs typeface="Arial"/>
-                      </a:rPr>
-                      <m:t>+</m:t>
-                    </m:r>
-                    <m:sSub>
-                      <m:sSubPr>
-                        <m:ctrlPr>
-                          <a:rPr lang="en-US" i="1" spc="-5" dirty="0">
-                            <a:latin typeface="Cambria Math" panose="02040503050406030204" pitchFamily="18" charset="0"/>
-                          </a:rPr>
-                        </m:ctrlPr>
-                      </m:sSubPr>
-                      <m:e>
-                        <m:r>
-                          <a:rPr lang="en-US" b="0" i="1" spc="-5" dirty="0" smtClean="0">
-                            <a:latin typeface="Cambria Math" panose="02040503050406030204" pitchFamily="18" charset="0"/>
-                            <a:cs typeface="Arial"/>
-                          </a:rPr>
-                          <m:t>𝑤</m:t>
-                        </m:r>
-                      </m:e>
-                      <m:sub>
-                        <m:r>
-                          <a:rPr lang="en-US" b="0" i="1" spc="-5" dirty="0" smtClean="0">
-                            <a:latin typeface="Cambria Math" panose="02040503050406030204" pitchFamily="18" charset="0"/>
-                            <a:cs typeface="Arial"/>
-                          </a:rPr>
-                          <m:t>3</m:t>
-                        </m:r>
-                      </m:sub>
-                    </m:sSub>
-                    <m:sSub>
-                      <m:sSubPr>
-                        <m:ctrlPr>
-                          <a:rPr lang="en-US" i="1" spc="-5" dirty="0">
-                            <a:latin typeface="Cambria Math" panose="02040503050406030204" pitchFamily="18" charset="0"/>
-                            <a:cs typeface="Arial"/>
-                          </a:rPr>
-                        </m:ctrlPr>
-                      </m:sSubPr>
-                      <m:e>
-                        <m:r>
-                          <a:rPr lang="en-US" i="1" spc="-5" dirty="0">
-                            <a:latin typeface="Cambria Math" panose="02040503050406030204" pitchFamily="18" charset="0"/>
-                            <a:cs typeface="Arial"/>
-                          </a:rPr>
-                          <m:t>𝑥</m:t>
-                        </m:r>
-                      </m:e>
-                      <m:sub>
-                        <m:r>
-                          <a:rPr lang="en-US" b="0" i="1" spc="-5" dirty="0" smtClean="0">
-                            <a:latin typeface="Cambria Math" panose="02040503050406030204" pitchFamily="18" charset="0"/>
-                            <a:cs typeface="Arial"/>
-                          </a:rPr>
-                          <m:t>3</m:t>
-                        </m:r>
-                      </m:sub>
-                    </m:sSub>
-                    <m:r>
-                      <a:rPr lang="en-US" i="1" spc="-5" dirty="0">
-                        <a:latin typeface="Cambria Math" panose="02040503050406030204" pitchFamily="18" charset="0"/>
-                        <a:cs typeface="Arial"/>
-                      </a:rPr>
-                      <m:t>+</m:t>
-                    </m:r>
-                    <m:r>
-                      <a:rPr lang="en-US" b="0" i="1" spc="-5" dirty="0" smtClean="0">
-                        <a:latin typeface="Cambria Math" panose="02040503050406030204" pitchFamily="18" charset="0"/>
-                        <a:cs typeface="Arial"/>
-                      </a:rPr>
-                      <m:t>𝑏</m:t>
-                    </m:r>
-                  </m:oMath>
-                </a14:m>
-                <a:endParaRPr lang="en-SE" dirty="0"/>
-              </a:p>
-            </p:txBody>
-          </p:sp>
-        </mc:Choice>
-        <mc:Fallback xmlns="">
-          <p:sp>
-            <p:nvSpPr>
-              <p:cNvPr id="3" name="Content Placeholder 2">
-                <a:extLst>
-                  <a:ext uri="{FF2B5EF4-FFF2-40B4-BE49-F238E27FC236}">
-                    <a16:creationId xmlns:a16="http://schemas.microsoft.com/office/drawing/2014/main" id="{4385CA2A-6358-4443-94D0-7995CC70F0F2}"/>
-                  </a:ext>
-                </a:extLst>
-              </p:cNvPr>
-              <p:cNvSpPr>
-                <a:spLocks noGrp="1" noRot="1" noChangeAspect="1" noMove="1" noResize="1" noEditPoints="1" noAdjustHandles="1" noChangeArrowheads="1" noChangeShapeType="1" noTextEdit="1"/>
-              </p:cNvSpPr>
-              <p:nvPr>
-                <p:ph idx="1"/>
-              </p:nvPr>
-            </p:nvSpPr>
-            <p:spPr>
-              <a:xfrm>
-                <a:off x="457200" y="1295400"/>
-                <a:ext cx="8229600" cy="4941912"/>
-              </a:xfrm>
-              <a:blipFill>
-                <a:blip r:embed="rId2"/>
-                <a:stretch>
-                  <a:fillRect l="-1704" t="-1605" r="-1778"/>
-                </a:stretch>
-              </a:blipFill>
-            </p:spPr>
-            <p:txBody>
-              <a:bodyPr/>
-              <a:lstStyle/>
-              <a:p>
-                <a:r>
-                  <a:rPr lang="en-SE">
-                    <a:noFill/>
-                  </a:rPr>
-                  <a:t> </a:t>
-                </a:r>
-              </a:p>
-            </p:txBody>
-          </p:sp>
-        </mc:Fallback>
-      </mc:AlternateContent>
-      <p:sp>
-        <p:nvSpPr>
-          <p:cNvPr id="4" name="Slide Number Placeholder 3">
-            <a:extLst>
-              <a:ext uri="{FF2B5EF4-FFF2-40B4-BE49-F238E27FC236}">
-                <a16:creationId xmlns:a16="http://schemas.microsoft.com/office/drawing/2014/main" id="{B85D66B8-5E43-477C-AA1B-AD9C83A12516}"/>
-              </a:ext>
-            </a:extLst>
-          </p:cNvPr>
-          <p:cNvSpPr>
-            <a:spLocks noGrp="1"/>
-          </p:cNvSpPr>
-          <p:nvPr>
-            <p:ph type="sldNum" sz="quarter" idx="12"/>
-          </p:nvPr>
-        </p:nvSpPr>
-        <p:spPr/>
-        <p:txBody>
-          <a:bodyPr/>
-          <a:lstStyle/>
-          <a:p>
-            <a:pPr>
-              <a:defRPr/>
-            </a:pPr>
-            <a:fld id="{F57F456A-00AF-44E6-8D70-638C0D0130FF}" type="slidenum">
-              <a:rPr lang="en-US" altLang="zh-CN" smtClean="0"/>
-              <a:pPr>
-                <a:defRPr/>
-              </a:pPr>
-              <a:t>10</a:t>
-            </a:fld>
-            <a:endParaRPr lang="en-US" altLang="zh-CN"/>
-          </a:p>
-        </p:txBody>
-      </p:sp>
-    </p:spTree>
-    <p:extLst>
-      <p:ext uri="{BB962C8B-B14F-4D97-AF65-F5344CB8AC3E}">
-        <p14:creationId xmlns:p14="http://schemas.microsoft.com/office/powerpoint/2010/main" val="2096542635"/>
-      </p:ext>
-    </p:extLst>
-  </p:cSld>
-  <p:clrMapOvr>
-    <a:masterClrMapping/>
-  </p:clrMapOvr>
-</p:sld>
-</file>
-
-<file path=ppt/slides/slide11.xml><?xml version="1.0" encoding="utf-8"?>
 <p:sld xmlns:a="http://schemas.openxmlformats.org/drawingml/2006/main" xmlns:r="http://schemas.openxmlformats.org/officeDocument/2006/relationships" xmlns:p="http://schemas.openxmlformats.org/presentationml/2006/main">
   <p:cSld>
     <p:spTree>
@@ -5022,7 +4123,7 @@
               <a:pPr>
                 <a:defRPr/>
               </a:pPr>
-              <a:t>11</a:t>
+              <a:t>10</a:t>
             </a:fld>
             <a:endParaRPr lang="en-US" altLang="zh-CN"/>
           </a:p>
@@ -5076,7 +4177,7 @@
 </p:sld>
 </file>
 
-<file path=ppt/slides/slide12.xml><?xml version="1.0" encoding="utf-8"?>
+<file path=ppt/slides/slide11.xml><?xml version="1.0" encoding="utf-8"?>
 <p:sld xmlns:a="http://schemas.openxmlformats.org/drawingml/2006/main" xmlns:r="http://schemas.openxmlformats.org/officeDocument/2006/relationships" xmlns:p="http://schemas.openxmlformats.org/presentationml/2006/main">
   <p:cSld>
     <p:spTree>
@@ -5181,7 +4282,7 @@
               <a:pPr>
                 <a:defRPr/>
               </a:pPr>
-              <a:t>12</a:t>
+              <a:t>11</a:t>
             </a:fld>
             <a:endParaRPr lang="en-US" altLang="zh-CN"/>
           </a:p>
@@ -5477,7 +4578,7 @@
 </p:sld>
 </file>
 
-<file path=ppt/slides/slide13.xml><?xml version="1.0" encoding="utf-8"?>
+<file path=ppt/slides/slide12.xml><?xml version="1.0" encoding="utf-8"?>
 <p:sld xmlns:a="http://schemas.openxmlformats.org/drawingml/2006/main" xmlns:r="http://schemas.openxmlformats.org/officeDocument/2006/relationships" xmlns:p="http://schemas.openxmlformats.org/presentationml/2006/main">
   <p:cSld>
     <p:spTree>
@@ -5898,7 +4999,7 @@
               <a:pPr>
                 <a:defRPr/>
               </a:pPr>
-              <a:t>13</a:t>
+              <a:t>12</a:t>
             </a:fld>
             <a:endParaRPr lang="en-US" altLang="zh-CN"/>
           </a:p>
@@ -7466,7 +6567,7 @@
 </p:sld>
 </file>
 
-<file path=ppt/slides/slide14.xml><?xml version="1.0" encoding="utf-8"?>
+<file path=ppt/slides/slide13.xml><?xml version="1.0" encoding="utf-8"?>
 <p:sld xmlns:a="http://schemas.openxmlformats.org/drawingml/2006/main" xmlns:r="http://schemas.openxmlformats.org/officeDocument/2006/relationships" xmlns:p="http://schemas.openxmlformats.org/presentationml/2006/main">
   <p:cSld>
     <p:spTree>
@@ -8026,7 +7127,7 @@
               <a:pPr>
                 <a:defRPr/>
               </a:pPr>
-              <a:t>14</a:t>
+              <a:t>13</a:t>
             </a:fld>
             <a:endParaRPr lang="en-US" altLang="zh-CN"/>
           </a:p>
@@ -8080,7 +7181,7 @@
 </p:sld>
 </file>
 
-<file path=ppt/slides/slide15.xml><?xml version="1.0" encoding="utf-8"?>
+<file path=ppt/slides/slide14.xml><?xml version="1.0" encoding="utf-8"?>
 <p:sld xmlns:a="http://schemas.openxmlformats.org/drawingml/2006/main" xmlns:r="http://schemas.openxmlformats.org/officeDocument/2006/relationships" xmlns:p="http://schemas.openxmlformats.org/presentationml/2006/main">
   <p:cSld>
     <p:spTree>
@@ -8191,7 +7292,7 @@
               <a:pPr>
                 <a:defRPr/>
               </a:pPr>
-              <a:t>15</a:t>
+              <a:t>14</a:t>
             </a:fld>
             <a:endParaRPr lang="en-US" altLang="zh-CN"/>
           </a:p>
@@ -9322,7 +8423,7 @@
 </p:sld>
 </file>
 
-<file path=ppt/slides/slide16.xml><?xml version="1.0" encoding="utf-8"?>
+<file path=ppt/slides/slide15.xml><?xml version="1.0" encoding="utf-8"?>
 <p:sld xmlns:a="http://schemas.openxmlformats.org/drawingml/2006/main" xmlns:r="http://schemas.openxmlformats.org/officeDocument/2006/relationships" xmlns:p="http://schemas.openxmlformats.org/presentationml/2006/main">
   <p:cSld>
     <p:spTree>
@@ -9478,7 +8579,7 @@
               <a:pPr>
                 <a:defRPr/>
               </a:pPr>
-              <a:t>16</a:t>
+              <a:t>15</a:t>
             </a:fld>
             <a:endParaRPr lang="en-US" altLang="zh-CN"/>
           </a:p>
@@ -10954,7 +10055,7 @@
 </p:sld>
 </file>
 
-<file path=ppt/slides/slide17.xml><?xml version="1.0" encoding="utf-8"?>
+<file path=ppt/slides/slide16.xml><?xml version="1.0" encoding="utf-8"?>
 <p:sld xmlns:a="http://schemas.openxmlformats.org/drawingml/2006/main" xmlns:r="http://schemas.openxmlformats.org/officeDocument/2006/relationships" xmlns:p="http://schemas.openxmlformats.org/presentationml/2006/main">
   <p:cSld>
     <p:spTree>
@@ -11344,7 +10445,7 @@
               <a:pPr>
                 <a:defRPr/>
               </a:pPr>
-              <a:t>17</a:t>
+              <a:t>16</a:t>
             </a:fld>
             <a:endParaRPr lang="en-US" altLang="zh-CN"/>
           </a:p>
@@ -11398,7 +10499,7 @@
 </p:sld>
 </file>
 
-<file path=ppt/slides/slide18.xml><?xml version="1.0" encoding="utf-8"?>
+<file path=ppt/slides/slide17.xml><?xml version="1.0" encoding="utf-8"?>
 <p:sld xmlns:a="http://schemas.openxmlformats.org/drawingml/2006/main" xmlns:r="http://schemas.openxmlformats.org/officeDocument/2006/relationships" xmlns:p="http://schemas.openxmlformats.org/presentationml/2006/main">
   <p:cSld>
     <p:spTree>
@@ -11502,7 +10603,7 @@
               <a:pPr>
                 <a:defRPr/>
               </a:pPr>
-              <a:t>18</a:t>
+              <a:t>17</a:t>
             </a:fld>
             <a:endParaRPr lang="en-US" altLang="zh-CN"/>
           </a:p>
@@ -13933,6 +13034,180 @@
 </p:sld>
 </file>
 
+<file path=ppt/slides/slide18.xml><?xml version="1.0" encoding="utf-8"?>
+<p:sld xmlns:a="http://schemas.openxmlformats.org/drawingml/2006/main" xmlns:r="http://schemas.openxmlformats.org/officeDocument/2006/relationships" xmlns:p="http://schemas.openxmlformats.org/presentationml/2006/main">
+  <p:cSld>
+    <p:spTree>
+      <p:nvGrpSpPr>
+        <p:cNvPr id="1" name=""/>
+        <p:cNvGrpSpPr/>
+        <p:nvPr/>
+      </p:nvGrpSpPr>
+      <p:grpSpPr>
+        <a:xfrm>
+          <a:off x="0" y="0"/>
+          <a:ext cx="0" cy="0"/>
+          <a:chOff x="0" y="0"/>
+          <a:chExt cx="0" cy="0"/>
+        </a:xfrm>
+      </p:grpSpPr>
+      <p:sp>
+        <p:nvSpPr>
+          <p:cNvPr id="2" name="Title 1">
+            <a:extLst>
+              <a:ext uri="{FF2B5EF4-FFF2-40B4-BE49-F238E27FC236}">
+                <a16:creationId xmlns:a16="http://schemas.microsoft.com/office/drawing/2014/main" id="{0AC5BDD8-CE80-42B4-8FAD-E1295CA2B39A}"/>
+              </a:ext>
+            </a:extLst>
+          </p:cNvPr>
+          <p:cNvSpPr>
+            <a:spLocks noGrp="1"/>
+          </p:cNvSpPr>
+          <p:nvPr>
+            <p:ph type="title"/>
+          </p:nvPr>
+        </p:nvSpPr>
+        <p:spPr/>
+        <p:txBody>
+          <a:bodyPr/>
+          <a:lstStyle/>
+          <a:p>
+            <a:r>
+              <a:rPr lang="en-US" dirty="0"/>
+              <a:t>The Image Classification Problem</a:t>
+            </a:r>
+            <a:endParaRPr lang="en-SE" dirty="0"/>
+          </a:p>
+        </p:txBody>
+      </p:sp>
+      <p:sp>
+        <p:nvSpPr>
+          <p:cNvPr id="3" name="Content Placeholder 2">
+            <a:extLst>
+              <a:ext uri="{FF2B5EF4-FFF2-40B4-BE49-F238E27FC236}">
+                <a16:creationId xmlns:a16="http://schemas.microsoft.com/office/drawing/2014/main" id="{D2E06773-9EA6-4F94-B2B7-424A633393F2}"/>
+              </a:ext>
+            </a:extLst>
+          </p:cNvPr>
+          <p:cNvSpPr>
+            <a:spLocks noGrp="1"/>
+          </p:cNvSpPr>
+          <p:nvPr>
+            <p:ph idx="1"/>
+          </p:nvPr>
+        </p:nvSpPr>
+        <p:spPr>
+          <a:xfrm>
+            <a:off x="457200" y="1295400"/>
+            <a:ext cx="8229600" cy="1629544"/>
+          </a:xfrm>
+        </p:spPr>
+        <p:txBody>
+          <a:bodyPr>
+            <a:normAutofit fontScale="92500" lnSpcReduction="20000"/>
+          </a:bodyPr>
+          <a:lstStyle/>
+          <a:p>
+            <a:r>
+              <a:rPr lang="en-US" dirty="0"/>
+              <a:t>A color image is represented as 3D arrays of numbers, with integers between [0, 255] denoting pixel intensities.</a:t>
+            </a:r>
+          </a:p>
+          <a:p>
+            <a:pPr lvl="1"/>
+            <a:r>
+              <a:rPr lang="en-US" dirty="0"/>
+              <a:t>e.g. 300x100x3 (3 color channels, e.g., RGB)</a:t>
+            </a:r>
+          </a:p>
+          <a:p>
+            <a:endParaRPr lang="en-SE" dirty="0"/>
+          </a:p>
+        </p:txBody>
+      </p:sp>
+      <p:sp>
+        <p:nvSpPr>
+          <p:cNvPr id="4" name="Slide Number Placeholder 3">
+            <a:extLst>
+              <a:ext uri="{FF2B5EF4-FFF2-40B4-BE49-F238E27FC236}">
+                <a16:creationId xmlns:a16="http://schemas.microsoft.com/office/drawing/2014/main" id="{48449320-297C-4E17-A48E-257EA324A1C6}"/>
+              </a:ext>
+            </a:extLst>
+          </p:cNvPr>
+          <p:cNvSpPr>
+            <a:spLocks noGrp="1"/>
+          </p:cNvSpPr>
+          <p:nvPr>
+            <p:ph type="sldNum" sz="quarter" idx="12"/>
+          </p:nvPr>
+        </p:nvSpPr>
+        <p:spPr/>
+        <p:txBody>
+          <a:bodyPr/>
+          <a:lstStyle/>
+          <a:p>
+            <a:pPr>
+              <a:defRPr/>
+            </a:pPr>
+            <a:fld id="{F57F456A-00AF-44E6-8D70-638C0D0130FF}" type="slidenum">
+              <a:rPr lang="en-US" altLang="zh-CN" smtClean="0"/>
+              <a:pPr>
+                <a:defRPr/>
+              </a:pPr>
+              <a:t>18</a:t>
+            </a:fld>
+            <a:endParaRPr lang="en-US" altLang="zh-CN"/>
+          </a:p>
+        </p:txBody>
+      </p:sp>
+      <p:sp>
+        <p:nvSpPr>
+          <p:cNvPr id="5" name="object 5">
+            <a:extLst>
+              <a:ext uri="{FF2B5EF4-FFF2-40B4-BE49-F238E27FC236}">
+                <a16:creationId xmlns:a16="http://schemas.microsoft.com/office/drawing/2014/main" id="{24E01168-6FFF-4EE7-AC7D-7840D61B8B43}"/>
+              </a:ext>
+            </a:extLst>
+          </p:cNvPr>
+          <p:cNvSpPr/>
+          <p:nvPr/>
+        </p:nvSpPr>
+        <p:spPr>
+          <a:xfrm>
+            <a:off x="2051720" y="2924944"/>
+            <a:ext cx="5143489" cy="3590917"/>
+          </a:xfrm>
+          <a:prstGeom prst="rect">
+            <a:avLst/>
+          </a:prstGeom>
+          <a:blipFill>
+            <a:blip r:embed="rId2" cstate="print"/>
+            <a:stretch>
+              <a:fillRect/>
+            </a:stretch>
+          </a:blipFill>
+        </p:spPr>
+        <p:txBody>
+          <a:bodyPr wrap="square" lIns="0" tIns="0" rIns="0" bIns="0" rtlCol="0"/>
+          <a:lstStyle/>
+          <a:p>
+            <a:endParaRPr/>
+          </a:p>
+        </p:txBody>
+      </p:sp>
+    </p:spTree>
+    <p:extLst>
+      <p:ext uri="{BB962C8B-B14F-4D97-AF65-F5344CB8AC3E}">
+        <p14:creationId xmlns:p14="http://schemas.microsoft.com/office/powerpoint/2010/main" val="133743358"/>
+      </p:ext>
+    </p:extLst>
+  </p:cSld>
+  <p:clrMapOvr>
+    <a:masterClrMapping/>
+  </p:clrMapOvr>
+</p:sld>
+</file>
+
 <file path=ppt/slides/slide19.xml><?xml version="1.0" encoding="utf-8"?>
 <p:sld xmlns:a="http://schemas.openxmlformats.org/drawingml/2006/main" xmlns:r="http://schemas.openxmlformats.org/officeDocument/2006/relationships" xmlns:p="http://schemas.openxmlformats.org/presentationml/2006/main">
   <p:cSld>
@@ -13955,7 +13230,7 @@
           <p:cNvPr id="2" name="Title 1">
             <a:extLst>
               <a:ext uri="{FF2B5EF4-FFF2-40B4-BE49-F238E27FC236}">
-                <a16:creationId xmlns:a16="http://schemas.microsoft.com/office/drawing/2014/main" id="{0AC5BDD8-CE80-42B4-8FAD-E1295CA2B39A}"/>
+                <a16:creationId xmlns:a16="http://schemas.microsoft.com/office/drawing/2014/main" id="{DFF73D3A-C89B-4CBB-8CEF-3CA39954817A}"/>
               </a:ext>
             </a:extLst>
           </p:cNvPr>
@@ -13973,7 +13248,7 @@
           <a:p>
             <a:r>
               <a:rPr lang="en-US" dirty="0"/>
-              <a:t>The Image Classification Problem</a:t>
+              <a:t>The ML Approach</a:t>
             </a:r>
             <a:endParaRPr lang="en-SE" dirty="0"/>
           </a:p>
@@ -13984,7 +13259,7 @@
           <p:cNvPr id="3" name="Content Placeholder 2">
             <a:extLst>
               <a:ext uri="{FF2B5EF4-FFF2-40B4-BE49-F238E27FC236}">
-                <a16:creationId xmlns:a16="http://schemas.microsoft.com/office/drawing/2014/main" id="{D2E06773-9EA6-4F94-B2B7-424A633393F2}"/>
+                <a16:creationId xmlns:a16="http://schemas.microsoft.com/office/drawing/2014/main" id="{2F944102-7809-4FAD-8C9E-4A8D2E018FD9}"/>
               </a:ext>
             </a:extLst>
           </p:cNvPr>
@@ -13998,28 +13273,31 @@
         <p:spPr>
           <a:xfrm>
             <a:off x="457200" y="1295400"/>
-            <a:ext cx="8229600" cy="1629544"/>
+            <a:ext cx="8229600" cy="2061592"/>
           </a:xfrm>
         </p:spPr>
         <p:txBody>
-          <a:bodyPr>
-            <a:normAutofit fontScale="92500" lnSpcReduction="20000"/>
-          </a:bodyPr>
+          <a:bodyPr/>
           <a:lstStyle/>
           <a:p>
             <a:r>
               <a:rPr lang="en-US" dirty="0"/>
-              <a:t>A color image is represented as 3D arrays of numbers, with integers between [0, 255] denoting pixel intensities.</a:t>
+              <a:t>Collect a dataset of images and labels</a:t>
             </a:r>
           </a:p>
           <a:p>
-            <a:pPr lvl="1"/>
             <a:r>
               <a:rPr lang="en-US" dirty="0"/>
-              <a:t>e.g. 300x100x3 (3 color channels, e.g., RGB)</a:t>
+              <a:t>Use Machine Learning to train an image classifier</a:t>
             </a:r>
           </a:p>
           <a:p>
+            <a:r>
+              <a:rPr lang="en-US" dirty="0"/>
+              <a:t>Evaluate the classifier on test images</a:t>
+            </a:r>
+          </a:p>
+          <a:p>
             <a:endParaRPr lang="en-SE" dirty="0"/>
           </a:p>
         </p:txBody>
@@ -14029,7 +13307,7 @@
           <p:cNvPr id="4" name="Slide Number Placeholder 3">
             <a:extLst>
               <a:ext uri="{FF2B5EF4-FFF2-40B4-BE49-F238E27FC236}">
-                <a16:creationId xmlns:a16="http://schemas.microsoft.com/office/drawing/2014/main" id="{48449320-297C-4E17-A48E-257EA324A1C6}"/>
+                <a16:creationId xmlns:a16="http://schemas.microsoft.com/office/drawing/2014/main" id="{BE4C4F1D-2821-4BEF-9FFD-B20252033C31}"/>
               </a:ext>
             </a:extLst>
           </p:cNvPr>
@@ -14054,743 +13332,6 @@
                 <a:defRPr/>
               </a:pPr>
               <a:t>19</a:t>
-            </a:fld>
-            <a:endParaRPr lang="en-US" altLang="zh-CN"/>
-          </a:p>
-        </p:txBody>
-      </p:sp>
-      <p:sp>
-        <p:nvSpPr>
-          <p:cNvPr id="5" name="object 5">
-            <a:extLst>
-              <a:ext uri="{FF2B5EF4-FFF2-40B4-BE49-F238E27FC236}">
-                <a16:creationId xmlns:a16="http://schemas.microsoft.com/office/drawing/2014/main" id="{24E01168-6FFF-4EE7-AC7D-7840D61B8B43}"/>
-              </a:ext>
-            </a:extLst>
-          </p:cNvPr>
-          <p:cNvSpPr/>
-          <p:nvPr/>
-        </p:nvSpPr>
-        <p:spPr>
-          <a:xfrm>
-            <a:off x="2051720" y="2924944"/>
-            <a:ext cx="5143489" cy="3590917"/>
-          </a:xfrm>
-          <a:prstGeom prst="rect">
-            <a:avLst/>
-          </a:prstGeom>
-          <a:blipFill>
-            <a:blip r:embed="rId2" cstate="print"/>
-            <a:stretch>
-              <a:fillRect/>
-            </a:stretch>
-          </a:blipFill>
-        </p:spPr>
-        <p:txBody>
-          <a:bodyPr wrap="square" lIns="0" tIns="0" rIns="0" bIns="0" rtlCol="0"/>
-          <a:lstStyle/>
-          <a:p>
-            <a:endParaRPr/>
-          </a:p>
-        </p:txBody>
-      </p:sp>
-    </p:spTree>
-    <p:extLst>
-      <p:ext uri="{BB962C8B-B14F-4D97-AF65-F5344CB8AC3E}">
-        <p14:creationId xmlns:p14="http://schemas.microsoft.com/office/powerpoint/2010/main" val="133743358"/>
-      </p:ext>
-    </p:extLst>
-  </p:cSld>
-  <p:clrMapOvr>
-    <a:masterClrMapping/>
-  </p:clrMapOvr>
-</p:sld>
-</file>
-
-<file path=ppt/slides/slide2.xml><?xml version="1.0" encoding="utf-8"?>
-<p:sld xmlns:a="http://schemas.openxmlformats.org/drawingml/2006/main" xmlns:r="http://schemas.openxmlformats.org/officeDocument/2006/relationships" xmlns:p="http://schemas.openxmlformats.org/presentationml/2006/main">
-  <p:cSld>
-    <p:spTree>
-      <p:nvGrpSpPr>
-        <p:cNvPr id="1" name=""/>
-        <p:cNvGrpSpPr/>
-        <p:nvPr/>
-      </p:nvGrpSpPr>
-      <p:grpSpPr>
-        <a:xfrm>
-          <a:off x="0" y="0"/>
-          <a:ext cx="0" cy="0"/>
-          <a:chOff x="0" y="0"/>
-          <a:chExt cx="0" cy="0"/>
-        </a:xfrm>
-      </p:grpSpPr>
-      <p:sp>
-        <p:nvSpPr>
-          <p:cNvPr id="2" name="Title 1">
-            <a:extLst>
-              <a:ext uri="{FF2B5EF4-FFF2-40B4-BE49-F238E27FC236}">
-                <a16:creationId xmlns:a16="http://schemas.microsoft.com/office/drawing/2014/main" id="{841758E6-8382-4988-897B-BFB072CD3EB1}"/>
-              </a:ext>
-            </a:extLst>
-          </p:cNvPr>
-          <p:cNvSpPr>
-            <a:spLocks noGrp="1"/>
-          </p:cNvSpPr>
-          <p:nvPr>
-            <p:ph type="title"/>
-          </p:nvPr>
-        </p:nvSpPr>
-        <p:spPr/>
-        <p:txBody>
-          <a:bodyPr/>
-          <a:lstStyle/>
-          <a:p>
-            <a:r>
-              <a:rPr lang="en-US" altLang="zh-CN" dirty="0"/>
-              <a:t>Machine Learning</a:t>
-            </a:r>
-            <a:endParaRPr lang="en-SE" dirty="0"/>
-          </a:p>
-        </p:txBody>
-      </p:sp>
-      <p:sp>
-        <p:nvSpPr>
-          <p:cNvPr id="4" name="Slide Number Placeholder 3">
-            <a:extLst>
-              <a:ext uri="{FF2B5EF4-FFF2-40B4-BE49-F238E27FC236}">
-                <a16:creationId xmlns:a16="http://schemas.microsoft.com/office/drawing/2014/main" id="{AE250E2B-B662-4476-8040-391D92116D6D}"/>
-              </a:ext>
-            </a:extLst>
-          </p:cNvPr>
-          <p:cNvSpPr>
-            <a:spLocks noGrp="1"/>
-          </p:cNvSpPr>
-          <p:nvPr>
-            <p:ph type="sldNum" sz="quarter" idx="12"/>
-          </p:nvPr>
-        </p:nvSpPr>
-        <p:spPr/>
-        <p:txBody>
-          <a:bodyPr/>
-          <a:lstStyle/>
-          <a:p>
-            <a:pPr>
-              <a:defRPr/>
-            </a:pPr>
-            <a:fld id="{F57F456A-00AF-44E6-8D70-638C0D0130FF}" type="slidenum">
-              <a:rPr lang="en-US" altLang="zh-CN" smtClean="0"/>
-              <a:pPr>
-                <a:defRPr/>
-              </a:pPr>
-              <a:t>2</a:t>
-            </a:fld>
-            <a:endParaRPr lang="en-US" altLang="zh-CN"/>
-          </a:p>
-        </p:txBody>
-      </p:sp>
-      <p:sp>
-        <p:nvSpPr>
-          <p:cNvPr id="5" name="内容占位符 2">
-            <a:extLst>
-              <a:ext uri="{FF2B5EF4-FFF2-40B4-BE49-F238E27FC236}">
-                <a16:creationId xmlns:a16="http://schemas.microsoft.com/office/drawing/2014/main" id="{245171B7-6BF5-4973-BCD4-B4EA17B3EB12}"/>
-              </a:ext>
-            </a:extLst>
-          </p:cNvPr>
-          <p:cNvSpPr txBox="1">
-            <a:spLocks/>
-          </p:cNvSpPr>
-          <p:nvPr/>
-        </p:nvSpPr>
-        <p:spPr bwMode="auto">
-          <a:xfrm>
-            <a:off x="250825" y="1343025"/>
-            <a:ext cx="8642350" cy="2374007"/>
-          </a:xfrm>
-          <a:prstGeom prst="rect">
-            <a:avLst/>
-          </a:prstGeom>
-          <a:noFill/>
-          <a:ln w="9525">
-            <a:noFill/>
-            <a:miter lim="800000"/>
-            <a:headEnd/>
-            <a:tailEnd/>
-          </a:ln>
-        </p:spPr>
-        <p:txBody>
-          <a:bodyPr vert="horz" wrap="square" lIns="91440" tIns="45720" rIns="91440" bIns="45720" numCol="1" anchor="t" anchorCtr="0" compatLnSpc="1">
-            <a:prstTxWarp prst="textNoShape">
-              <a:avLst/>
-            </a:prstTxWarp>
-            <a:normAutofit/>
-          </a:bodyPr>
-          <a:lstStyle>
-            <a:lvl1pPr marL="342900" indent="-342900" algn="l" rtl="0" eaLnBrk="1" fontAlgn="base" hangingPunct="1">
-              <a:spcBef>
-                <a:spcPct val="20000"/>
-              </a:spcBef>
-              <a:spcAft>
-                <a:spcPct val="0"/>
-              </a:spcAft>
-              <a:buChar char="•"/>
-              <a:defRPr sz="3200">
-                <a:solidFill>
-                  <a:schemeClr val="tx1"/>
-                </a:solidFill>
-                <a:latin typeface="+mn-lt"/>
-                <a:ea typeface="+mn-ea"/>
-                <a:cs typeface="+mn-cs"/>
-              </a:defRPr>
-            </a:lvl1pPr>
-            <a:lvl2pPr marL="742950" indent="-285750" algn="l" rtl="0" eaLnBrk="1" fontAlgn="base" hangingPunct="1">
-              <a:spcBef>
-                <a:spcPct val="20000"/>
-              </a:spcBef>
-              <a:spcAft>
-                <a:spcPct val="0"/>
-              </a:spcAft>
-              <a:buChar char="–"/>
-              <a:defRPr sz="2800">
-                <a:solidFill>
-                  <a:schemeClr val="tx1"/>
-                </a:solidFill>
-                <a:latin typeface="+mn-lt"/>
-              </a:defRPr>
-            </a:lvl2pPr>
-            <a:lvl3pPr marL="1143000" indent="-228600" algn="l" rtl="0" eaLnBrk="1" fontAlgn="base" hangingPunct="1">
-              <a:spcBef>
-                <a:spcPct val="20000"/>
-              </a:spcBef>
-              <a:spcAft>
-                <a:spcPct val="0"/>
-              </a:spcAft>
-              <a:buChar char="•"/>
-              <a:defRPr sz="2400">
-                <a:solidFill>
-                  <a:schemeClr val="tx1"/>
-                </a:solidFill>
-                <a:latin typeface="+mn-lt"/>
-              </a:defRPr>
-            </a:lvl3pPr>
-            <a:lvl4pPr marL="1600200" indent="-228600" algn="l" rtl="0" eaLnBrk="1" fontAlgn="base" hangingPunct="1">
-              <a:spcBef>
-                <a:spcPct val="20000"/>
-              </a:spcBef>
-              <a:spcAft>
-                <a:spcPct val="0"/>
-              </a:spcAft>
-              <a:buChar char="–"/>
-              <a:defRPr sz="2000">
-                <a:solidFill>
-                  <a:schemeClr val="tx1"/>
-                </a:solidFill>
-                <a:latin typeface="+mn-lt"/>
-              </a:defRPr>
-            </a:lvl4pPr>
-            <a:lvl5pPr marL="2057400" indent="-228600" algn="l" rtl="0" eaLnBrk="1" fontAlgn="base" hangingPunct="1">
-              <a:spcBef>
-                <a:spcPct val="20000"/>
-              </a:spcBef>
-              <a:spcAft>
-                <a:spcPct val="0"/>
-              </a:spcAft>
-              <a:buChar char="»"/>
-              <a:defRPr sz="2000">
-                <a:solidFill>
-                  <a:schemeClr val="tx1"/>
-                </a:solidFill>
-                <a:latin typeface="+mn-lt"/>
-              </a:defRPr>
-            </a:lvl5pPr>
-            <a:lvl6pPr marL="2514600" indent="-228600" algn="l" rtl="0" eaLnBrk="1" fontAlgn="base" hangingPunct="1">
-              <a:spcBef>
-                <a:spcPct val="20000"/>
-              </a:spcBef>
-              <a:spcAft>
-                <a:spcPct val="0"/>
-              </a:spcAft>
-              <a:buChar char="»"/>
-              <a:defRPr sz="2000">
-                <a:solidFill>
-                  <a:schemeClr val="tx1"/>
-                </a:solidFill>
-                <a:latin typeface="+mn-lt"/>
-              </a:defRPr>
-            </a:lvl6pPr>
-            <a:lvl7pPr marL="2971800" indent="-228600" algn="l" rtl="0" eaLnBrk="1" fontAlgn="base" hangingPunct="1">
-              <a:spcBef>
-                <a:spcPct val="20000"/>
-              </a:spcBef>
-              <a:spcAft>
-                <a:spcPct val="0"/>
-              </a:spcAft>
-              <a:buChar char="»"/>
-              <a:defRPr sz="2000">
-                <a:solidFill>
-                  <a:schemeClr val="tx1"/>
-                </a:solidFill>
-                <a:latin typeface="+mn-lt"/>
-              </a:defRPr>
-            </a:lvl7pPr>
-            <a:lvl8pPr marL="3429000" indent="-228600" algn="l" rtl="0" eaLnBrk="1" fontAlgn="base" hangingPunct="1">
-              <a:spcBef>
-                <a:spcPct val="20000"/>
-              </a:spcBef>
-              <a:spcAft>
-                <a:spcPct val="0"/>
-              </a:spcAft>
-              <a:buChar char="»"/>
-              <a:defRPr sz="2000">
-                <a:solidFill>
-                  <a:schemeClr val="tx1"/>
-                </a:solidFill>
-                <a:latin typeface="+mn-lt"/>
-              </a:defRPr>
-            </a:lvl8pPr>
-            <a:lvl9pPr marL="3886200" indent="-228600" algn="l" rtl="0" eaLnBrk="1" fontAlgn="base" hangingPunct="1">
-              <a:spcBef>
-                <a:spcPct val="20000"/>
-              </a:spcBef>
-              <a:spcAft>
-                <a:spcPct val="0"/>
-              </a:spcAft>
-              <a:buChar char="»"/>
-              <a:defRPr sz="2000">
-                <a:solidFill>
-                  <a:schemeClr val="tx1"/>
-                </a:solidFill>
-                <a:latin typeface="+mn-lt"/>
-              </a:defRPr>
-            </a:lvl9pPr>
-          </a:lstStyle>
-          <a:p>
-            <a:r>
-              <a:rPr lang="en-US" altLang="zh-CN" kern="0" dirty="0"/>
-              <a:t>Machine Learning (ML) algorithms enable a computer to learn from data, and perform certain intelligent tasks.</a:t>
-            </a:r>
-          </a:p>
-        </p:txBody>
-      </p:sp>
-      <p:grpSp>
-        <p:nvGrpSpPr>
-          <p:cNvPr id="6" name="组合 8">
-            <a:extLst>
-              <a:ext uri="{FF2B5EF4-FFF2-40B4-BE49-F238E27FC236}">
-                <a16:creationId xmlns:a16="http://schemas.microsoft.com/office/drawing/2014/main" id="{20DE5DB1-D8C1-4681-BD5A-68FC5A42C888}"/>
-              </a:ext>
-            </a:extLst>
-          </p:cNvPr>
-          <p:cNvGrpSpPr/>
-          <p:nvPr/>
-        </p:nvGrpSpPr>
-        <p:grpSpPr>
-          <a:xfrm>
-            <a:off x="2483768" y="3284984"/>
-            <a:ext cx="4536504" cy="2990774"/>
-            <a:chOff x="3443858" y="3052440"/>
-            <a:chExt cx="5545236" cy="3655800"/>
-          </a:xfrm>
-        </p:grpSpPr>
-        <p:pic>
-          <p:nvPicPr>
-            <p:cNvPr id="7" name="图片 3">
-              <a:extLst>
-                <a:ext uri="{FF2B5EF4-FFF2-40B4-BE49-F238E27FC236}">
-                  <a16:creationId xmlns:a16="http://schemas.microsoft.com/office/drawing/2014/main" id="{BBF0397D-22AB-482B-A6F4-640EA5AFA463}"/>
-                </a:ext>
-              </a:extLst>
-            </p:cNvPr>
-            <p:cNvPicPr>
-              <a:picLocks noChangeAspect="1"/>
-            </p:cNvPicPr>
-            <p:nvPr/>
-          </p:nvPicPr>
-          <p:blipFill>
-            <a:blip r:embed="rId2"/>
-            <a:stretch>
-              <a:fillRect/>
-            </a:stretch>
-          </p:blipFill>
-          <p:spPr>
-            <a:xfrm>
-              <a:off x="3443858" y="3363138"/>
-              <a:ext cx="5545236" cy="3345102"/>
-            </a:xfrm>
-            <a:prstGeom prst="rect">
-              <a:avLst/>
-            </a:prstGeom>
-          </p:spPr>
-        </p:pic>
-        <p:sp>
-          <p:nvSpPr>
-            <p:cNvPr id="8" name="文本框 3">
-              <a:extLst>
-                <a:ext uri="{FF2B5EF4-FFF2-40B4-BE49-F238E27FC236}">
-                  <a16:creationId xmlns:a16="http://schemas.microsoft.com/office/drawing/2014/main" id="{3A2FAAFC-2EE5-42B0-87E9-287190099DCB}"/>
-                </a:ext>
-              </a:extLst>
-            </p:cNvPr>
-            <p:cNvSpPr txBox="1"/>
-            <p:nvPr/>
-          </p:nvSpPr>
-          <p:spPr>
-            <a:xfrm>
-              <a:off x="4308258" y="3052440"/>
-              <a:ext cx="3840669" cy="451456"/>
-            </a:xfrm>
-            <a:prstGeom prst="rect">
-              <a:avLst/>
-            </a:prstGeom>
-          </p:spPr>
-          <p:style>
-            <a:lnRef idx="2">
-              <a:schemeClr val="dk1"/>
-            </a:lnRef>
-            <a:fillRef idx="1">
-              <a:schemeClr val="lt1"/>
-            </a:fillRef>
-            <a:effectRef idx="0">
-              <a:schemeClr val="dk1"/>
-            </a:effectRef>
-            <a:fontRef idx="minor">
-              <a:schemeClr val="dk1"/>
-            </a:fontRef>
-          </p:style>
-          <p:txBody>
-            <a:bodyPr wrap="none" rtlCol="0">
-              <a:spAutoFit/>
-            </a:bodyPr>
-            <a:lstStyle/>
-            <a:p>
-              <a:r>
-                <a:rPr lang="en-US" altLang="zh-CN" sz="1800" dirty="0"/>
-                <a:t>Big data collected by sensors</a:t>
-              </a:r>
-              <a:endParaRPr lang="zh-CN" altLang="en-US" sz="1800" dirty="0"/>
-            </a:p>
-          </p:txBody>
-        </p:sp>
-        <p:sp>
-          <p:nvSpPr>
-            <p:cNvPr id="9" name="文本框 7">
-              <a:extLst>
-                <a:ext uri="{FF2B5EF4-FFF2-40B4-BE49-F238E27FC236}">
-                  <a16:creationId xmlns:a16="http://schemas.microsoft.com/office/drawing/2014/main" id="{8B606A9D-1270-426A-A4D3-D674DBEF2C38}"/>
-                </a:ext>
-              </a:extLst>
-            </p:cNvPr>
-            <p:cNvSpPr txBox="1"/>
-            <p:nvPr/>
-          </p:nvSpPr>
-          <p:spPr>
-            <a:xfrm>
-              <a:off x="4812010" y="4250353"/>
-              <a:ext cx="1328097" cy="413835"/>
-            </a:xfrm>
-            <a:prstGeom prst="rect">
-              <a:avLst/>
-            </a:prstGeom>
-          </p:spPr>
-          <p:style>
-            <a:lnRef idx="2">
-              <a:schemeClr val="dk1"/>
-            </a:lnRef>
-            <a:fillRef idx="1">
-              <a:schemeClr val="lt1"/>
-            </a:fillRef>
-            <a:effectRef idx="0">
-              <a:schemeClr val="dk1"/>
-            </a:effectRef>
-            <a:fontRef idx="minor">
-              <a:schemeClr val="dk1"/>
-            </a:fontRef>
-          </p:style>
-          <p:txBody>
-            <a:bodyPr wrap="square" rtlCol="0">
-              <a:spAutoFit/>
-            </a:bodyPr>
-            <a:lstStyle/>
-            <a:p>
-              <a:r>
-                <a:rPr lang="en-US" altLang="zh-CN" sz="1600" dirty="0"/>
-                <a:t>ML Algo</a:t>
-              </a:r>
-              <a:endParaRPr lang="zh-CN" altLang="en-US" sz="1600" dirty="0"/>
-            </a:p>
-          </p:txBody>
-        </p:sp>
-        <p:sp>
-          <p:nvSpPr>
-            <p:cNvPr id="10" name="文本框 19">
-              <a:extLst>
-                <a:ext uri="{FF2B5EF4-FFF2-40B4-BE49-F238E27FC236}">
-                  <a16:creationId xmlns:a16="http://schemas.microsoft.com/office/drawing/2014/main" id="{755447E9-CE93-42F6-8284-9D06F77BDAB5}"/>
-                </a:ext>
-              </a:extLst>
-            </p:cNvPr>
-            <p:cNvSpPr txBox="1"/>
-            <p:nvPr/>
-          </p:nvSpPr>
-          <p:spPr>
-            <a:xfrm>
-              <a:off x="7116267" y="6087552"/>
-              <a:ext cx="864097" cy="413835"/>
-            </a:xfrm>
-            <a:prstGeom prst="rect">
-              <a:avLst/>
-            </a:prstGeom>
-          </p:spPr>
-          <p:style>
-            <a:lnRef idx="2">
-              <a:schemeClr val="dk1"/>
-            </a:lnRef>
-            <a:fillRef idx="1">
-              <a:schemeClr val="lt1"/>
-            </a:fillRef>
-            <a:effectRef idx="0">
-              <a:schemeClr val="dk1"/>
-            </a:effectRef>
-            <a:fontRef idx="minor">
-              <a:schemeClr val="dk1"/>
-            </a:fontRef>
-          </p:style>
-          <p:txBody>
-            <a:bodyPr wrap="square" rtlCol="0">
-              <a:spAutoFit/>
-            </a:bodyPr>
-            <a:lstStyle/>
-            <a:p>
-              <a:r>
-                <a:rPr lang="en-US" altLang="zh-CN" sz="1600" dirty="0"/>
-                <a:t>Users</a:t>
-              </a:r>
-              <a:endParaRPr lang="zh-CN" altLang="en-US" sz="1600" dirty="0"/>
-            </a:p>
-          </p:txBody>
-        </p:sp>
-        <p:sp>
-          <p:nvSpPr>
-            <p:cNvPr id="11" name="文本框 8">
-              <a:extLst>
-                <a:ext uri="{FF2B5EF4-FFF2-40B4-BE49-F238E27FC236}">
-                  <a16:creationId xmlns:a16="http://schemas.microsoft.com/office/drawing/2014/main" id="{2756D3AF-55DD-42BA-8EC3-392E8BA7D995}"/>
-                </a:ext>
-              </a:extLst>
-            </p:cNvPr>
-            <p:cNvSpPr txBox="1"/>
-            <p:nvPr/>
-          </p:nvSpPr>
-          <p:spPr>
-            <a:xfrm>
-              <a:off x="6540201" y="5225777"/>
-              <a:ext cx="1008112" cy="413835"/>
-            </a:xfrm>
-            <a:prstGeom prst="rect">
-              <a:avLst/>
-            </a:prstGeom>
-          </p:spPr>
-          <p:style>
-            <a:lnRef idx="2">
-              <a:schemeClr val="dk1"/>
-            </a:lnRef>
-            <a:fillRef idx="1">
-              <a:schemeClr val="lt1"/>
-            </a:fillRef>
-            <a:effectRef idx="0">
-              <a:schemeClr val="dk1"/>
-            </a:effectRef>
-            <a:fontRef idx="minor">
-              <a:schemeClr val="dk1"/>
-            </a:fontRef>
-          </p:style>
-          <p:txBody>
-            <a:bodyPr wrap="square" rtlCol="0">
-              <a:spAutoFit/>
-            </a:bodyPr>
-            <a:lstStyle/>
-            <a:p>
-              <a:r>
-                <a:rPr lang="en-US" altLang="zh-CN" sz="1600" dirty="0"/>
-                <a:t>Insight</a:t>
-              </a:r>
-              <a:endParaRPr lang="zh-CN" altLang="en-US" sz="1600" dirty="0"/>
-            </a:p>
-          </p:txBody>
-        </p:sp>
-      </p:grpSp>
-      <p:sp>
-        <p:nvSpPr>
-          <p:cNvPr id="12" name="矩形 9">
-            <a:extLst>
-              <a:ext uri="{FF2B5EF4-FFF2-40B4-BE49-F238E27FC236}">
-                <a16:creationId xmlns:a16="http://schemas.microsoft.com/office/drawing/2014/main" id="{B3B46019-608F-445C-ADE7-F7941005DE67}"/>
-              </a:ext>
-            </a:extLst>
-          </p:cNvPr>
-          <p:cNvSpPr/>
-          <p:nvPr/>
-        </p:nvSpPr>
-        <p:spPr>
-          <a:xfrm>
-            <a:off x="1763688" y="6622893"/>
-            <a:ext cx="6616821" cy="253916"/>
-          </a:xfrm>
-          <a:prstGeom prst="rect">
-            <a:avLst/>
-          </a:prstGeom>
-        </p:spPr>
-        <p:txBody>
-          <a:bodyPr wrap="square">
-            <a:spAutoFit/>
-          </a:bodyPr>
-          <a:lstStyle/>
-          <a:p>
-            <a:r>
-              <a:rPr lang="en-US" altLang="zh-CN" sz="1000" dirty="0"/>
-              <a:t>https://itmonitor.zenoss.com/dont-try-this-at-home-because-event-storms-are-inhumane-zenoss-forrester-webinar/</a:t>
-            </a:r>
-            <a:endParaRPr lang="zh-CN" altLang="en-US" sz="1000" dirty="0"/>
-          </a:p>
-        </p:txBody>
-      </p:sp>
-    </p:spTree>
-    <p:extLst>
-      <p:ext uri="{BB962C8B-B14F-4D97-AF65-F5344CB8AC3E}">
-        <p14:creationId xmlns:p14="http://schemas.microsoft.com/office/powerpoint/2010/main" val="2896075408"/>
-      </p:ext>
-    </p:extLst>
-  </p:cSld>
-  <p:clrMapOvr>
-    <a:masterClrMapping/>
-  </p:clrMapOvr>
-</p:sld>
-</file>
-
-<file path=ppt/slides/slide20.xml><?xml version="1.0" encoding="utf-8"?>
-<p:sld xmlns:a="http://schemas.openxmlformats.org/drawingml/2006/main" xmlns:r="http://schemas.openxmlformats.org/officeDocument/2006/relationships" xmlns:p="http://schemas.openxmlformats.org/presentationml/2006/main">
-  <p:cSld>
-    <p:spTree>
-      <p:nvGrpSpPr>
-        <p:cNvPr id="1" name=""/>
-        <p:cNvGrpSpPr/>
-        <p:nvPr/>
-      </p:nvGrpSpPr>
-      <p:grpSpPr>
-        <a:xfrm>
-          <a:off x="0" y="0"/>
-          <a:ext cx="0" cy="0"/>
-          <a:chOff x="0" y="0"/>
-          <a:chExt cx="0" cy="0"/>
-        </a:xfrm>
-      </p:grpSpPr>
-      <p:sp>
-        <p:nvSpPr>
-          <p:cNvPr id="2" name="Title 1">
-            <a:extLst>
-              <a:ext uri="{FF2B5EF4-FFF2-40B4-BE49-F238E27FC236}">
-                <a16:creationId xmlns:a16="http://schemas.microsoft.com/office/drawing/2014/main" id="{DFF73D3A-C89B-4CBB-8CEF-3CA39954817A}"/>
-              </a:ext>
-            </a:extLst>
-          </p:cNvPr>
-          <p:cNvSpPr>
-            <a:spLocks noGrp="1"/>
-          </p:cNvSpPr>
-          <p:nvPr>
-            <p:ph type="title"/>
-          </p:nvPr>
-        </p:nvSpPr>
-        <p:spPr/>
-        <p:txBody>
-          <a:bodyPr/>
-          <a:lstStyle/>
-          <a:p>
-            <a:r>
-              <a:rPr lang="en-US" dirty="0"/>
-              <a:t>The ML Approach</a:t>
-            </a:r>
-            <a:endParaRPr lang="en-SE" dirty="0"/>
-          </a:p>
-        </p:txBody>
-      </p:sp>
-      <p:sp>
-        <p:nvSpPr>
-          <p:cNvPr id="3" name="Content Placeholder 2">
-            <a:extLst>
-              <a:ext uri="{FF2B5EF4-FFF2-40B4-BE49-F238E27FC236}">
-                <a16:creationId xmlns:a16="http://schemas.microsoft.com/office/drawing/2014/main" id="{2F944102-7809-4FAD-8C9E-4A8D2E018FD9}"/>
-              </a:ext>
-            </a:extLst>
-          </p:cNvPr>
-          <p:cNvSpPr>
-            <a:spLocks noGrp="1"/>
-          </p:cNvSpPr>
-          <p:nvPr>
-            <p:ph idx="1"/>
-          </p:nvPr>
-        </p:nvSpPr>
-        <p:spPr>
-          <a:xfrm>
-            <a:off x="457200" y="1295400"/>
-            <a:ext cx="8229600" cy="2061592"/>
-          </a:xfrm>
-        </p:spPr>
-        <p:txBody>
-          <a:bodyPr/>
-          <a:lstStyle/>
-          <a:p>
-            <a:r>
-              <a:rPr lang="en-US" dirty="0"/>
-              <a:t>Collect a dataset of images and labels</a:t>
-            </a:r>
-          </a:p>
-          <a:p>
-            <a:r>
-              <a:rPr lang="en-US" dirty="0"/>
-              <a:t>Use Machine Learning to train an image classifier</a:t>
-            </a:r>
-          </a:p>
-          <a:p>
-            <a:r>
-              <a:rPr lang="en-US" dirty="0"/>
-              <a:t>Evaluate the classifier on test images</a:t>
-            </a:r>
-          </a:p>
-          <a:p>
-            <a:endParaRPr lang="en-SE" dirty="0"/>
-          </a:p>
-        </p:txBody>
-      </p:sp>
-      <p:sp>
-        <p:nvSpPr>
-          <p:cNvPr id="4" name="Slide Number Placeholder 3">
-            <a:extLst>
-              <a:ext uri="{FF2B5EF4-FFF2-40B4-BE49-F238E27FC236}">
-                <a16:creationId xmlns:a16="http://schemas.microsoft.com/office/drawing/2014/main" id="{BE4C4F1D-2821-4BEF-9FFD-B20252033C31}"/>
-              </a:ext>
-            </a:extLst>
-          </p:cNvPr>
-          <p:cNvSpPr>
-            <a:spLocks noGrp="1"/>
-          </p:cNvSpPr>
-          <p:nvPr>
-            <p:ph type="sldNum" sz="quarter" idx="12"/>
-          </p:nvPr>
-        </p:nvSpPr>
-        <p:spPr/>
-        <p:txBody>
-          <a:bodyPr/>
-          <a:lstStyle/>
-          <a:p>
-            <a:pPr>
-              <a:defRPr/>
-            </a:pPr>
-            <a:fld id="{F57F456A-00AF-44E6-8D70-638C0D0130FF}" type="slidenum">
-              <a:rPr lang="en-US" altLang="zh-CN" smtClean="0"/>
-              <a:pPr>
-                <a:defRPr/>
-              </a:pPr>
-              <a:t>20</a:t>
             </a:fld>
             <a:endParaRPr lang="en-US" altLang="zh-CN"/>
           </a:p>
@@ -14997,7 +13538,187 @@
 </p:sld>
 </file>
 
-<file path=ppt/slides/slide21.xml><?xml version="1.0" encoding="utf-8"?>
+<file path=ppt/slides/slide2.xml><?xml version="1.0" encoding="utf-8"?>
+<p:sld xmlns:a="http://schemas.openxmlformats.org/drawingml/2006/main" xmlns:r="http://schemas.openxmlformats.org/officeDocument/2006/relationships" xmlns:p="http://schemas.openxmlformats.org/presentationml/2006/main">
+  <p:cSld>
+    <p:spTree>
+      <p:nvGrpSpPr>
+        <p:cNvPr id="1" name=""/>
+        <p:cNvGrpSpPr/>
+        <p:nvPr/>
+      </p:nvGrpSpPr>
+      <p:grpSpPr>
+        <a:xfrm>
+          <a:off x="0" y="0"/>
+          <a:ext cx="0" cy="0"/>
+          <a:chOff x="0" y="0"/>
+          <a:chExt cx="0" cy="0"/>
+        </a:xfrm>
+      </p:grpSpPr>
+      <p:sp>
+        <p:nvSpPr>
+          <p:cNvPr id="2" name="Title 1">
+            <a:extLst>
+              <a:ext uri="{FF2B5EF4-FFF2-40B4-BE49-F238E27FC236}">
+                <a16:creationId xmlns:a16="http://schemas.microsoft.com/office/drawing/2014/main" id="{58D32016-0550-46B1-8699-CC5D4648E07A}"/>
+              </a:ext>
+            </a:extLst>
+          </p:cNvPr>
+          <p:cNvSpPr>
+            <a:spLocks noGrp="1"/>
+          </p:cNvSpPr>
+          <p:nvPr>
+            <p:ph type="title"/>
+          </p:nvPr>
+        </p:nvSpPr>
+        <p:spPr/>
+        <p:txBody>
+          <a:bodyPr/>
+          <a:lstStyle/>
+          <a:p>
+            <a:r>
+              <a:rPr lang="en-US" dirty="0"/>
+              <a:t>ML Taxonomy</a:t>
+            </a:r>
+            <a:endParaRPr lang="en-SE" dirty="0"/>
+          </a:p>
+        </p:txBody>
+      </p:sp>
+      <p:sp>
+        <p:nvSpPr>
+          <p:cNvPr id="3" name="Content Placeholder 2">
+            <a:extLst>
+              <a:ext uri="{FF2B5EF4-FFF2-40B4-BE49-F238E27FC236}">
+                <a16:creationId xmlns:a16="http://schemas.microsoft.com/office/drawing/2014/main" id="{565B4724-CC96-4B77-B285-C82785957D08}"/>
+              </a:ext>
+            </a:extLst>
+          </p:cNvPr>
+          <p:cNvSpPr>
+            <a:spLocks noGrp="1"/>
+          </p:cNvSpPr>
+          <p:nvPr>
+            <p:ph idx="1"/>
+          </p:nvPr>
+        </p:nvSpPr>
+        <p:spPr>
+          <a:xfrm>
+            <a:off x="457200" y="1295400"/>
+            <a:ext cx="8229600" cy="5479110"/>
+          </a:xfrm>
+        </p:spPr>
+        <p:txBody>
+          <a:bodyPr>
+            <a:normAutofit fontScale="92500" lnSpcReduction="20000"/>
+          </a:bodyPr>
+          <a:lstStyle/>
+          <a:p>
+            <a:r>
+              <a:rPr lang="en-US" dirty="0"/>
+              <a:t>Supervised Learning:	</a:t>
+            </a:r>
+          </a:p>
+          <a:p>
+            <a:pPr lvl="1"/>
+            <a:r>
+              <a:rPr lang="en-US" dirty="0"/>
+              <a:t>The system is presented with example inputs and their desired outputs, given by a “teacher”, and the goal is to learn a general rule that maps inputs to outputs.</a:t>
+            </a:r>
+          </a:p>
+          <a:p>
+            <a:pPr lvl="2"/>
+            <a:r>
+              <a:rPr lang="en-US" altLang="zh-CN" dirty="0"/>
+              <a:t>Classification (cat or dog?)</a:t>
+            </a:r>
+          </a:p>
+          <a:p>
+            <a:pPr lvl="2"/>
+            <a:r>
+              <a:rPr lang="en-US" altLang="zh-CN" dirty="0"/>
+              <a:t>Regression (housing price next year?)</a:t>
+            </a:r>
+          </a:p>
+          <a:p>
+            <a:r>
+              <a:rPr lang="en-US" dirty="0"/>
+              <a:t>Unsupervised Learning:</a:t>
+            </a:r>
+          </a:p>
+          <a:p>
+            <a:pPr lvl="1"/>
+            <a:r>
+              <a:rPr lang="en-US" dirty="0"/>
+              <a:t>No labels are given to the learning algorithm, leaving it on its own to find structure in its input. Unsupervised learning can be a goal in itself (discovering hidden patterns in data) or a means towards an end (feature learning).</a:t>
+            </a:r>
+          </a:p>
+          <a:p>
+            <a:pPr lvl="2"/>
+            <a:r>
+              <a:rPr lang="en-US" dirty="0"/>
+              <a:t>Parametric UL (e.g., Gaussian Mixture Models)</a:t>
+            </a:r>
+          </a:p>
+          <a:p>
+            <a:pPr lvl="2"/>
+            <a:r>
+              <a:rPr lang="en-US" dirty="0"/>
+              <a:t>Non-parametric UL</a:t>
+            </a:r>
+          </a:p>
+          <a:p>
+            <a:endParaRPr lang="en-SE" dirty="0"/>
+          </a:p>
+        </p:txBody>
+      </p:sp>
+      <p:sp>
+        <p:nvSpPr>
+          <p:cNvPr id="4" name="Slide Number Placeholder 3">
+            <a:extLst>
+              <a:ext uri="{FF2B5EF4-FFF2-40B4-BE49-F238E27FC236}">
+                <a16:creationId xmlns:a16="http://schemas.microsoft.com/office/drawing/2014/main" id="{39C04775-350A-4154-A04E-986C9960A948}"/>
+              </a:ext>
+            </a:extLst>
+          </p:cNvPr>
+          <p:cNvSpPr>
+            <a:spLocks noGrp="1"/>
+          </p:cNvSpPr>
+          <p:nvPr>
+            <p:ph type="sldNum" sz="quarter" idx="12"/>
+          </p:nvPr>
+        </p:nvSpPr>
+        <p:spPr/>
+        <p:txBody>
+          <a:bodyPr/>
+          <a:lstStyle/>
+          <a:p>
+            <a:pPr>
+              <a:defRPr/>
+            </a:pPr>
+            <a:fld id="{F57F456A-00AF-44E6-8D70-638C0D0130FF}" type="slidenum">
+              <a:rPr lang="en-US" altLang="zh-CN" smtClean="0"/>
+              <a:pPr>
+                <a:defRPr/>
+              </a:pPr>
+              <a:t>2</a:t>
+            </a:fld>
+            <a:endParaRPr lang="en-US" altLang="zh-CN"/>
+          </a:p>
+        </p:txBody>
+      </p:sp>
+    </p:spTree>
+    <p:extLst>
+      <p:ext uri="{BB962C8B-B14F-4D97-AF65-F5344CB8AC3E}">
+        <p14:creationId xmlns:p14="http://schemas.microsoft.com/office/powerpoint/2010/main" val="2811924909"/>
+      </p:ext>
+    </p:extLst>
+  </p:cSld>
+  <p:clrMapOvr>
+    <a:masterClrMapping/>
+  </p:clrMapOvr>
+</p:sld>
+</file>
+
+<file path=ppt/slides/slide20.xml><?xml version="1.0" encoding="utf-8"?>
 <p:sld xmlns:a="http://schemas.openxmlformats.org/drawingml/2006/main" xmlns:r="http://schemas.openxmlformats.org/officeDocument/2006/relationships" xmlns:p="http://schemas.openxmlformats.org/presentationml/2006/main">
   <p:cSld>
     <p:spTree>
@@ -15510,7 +14231,7 @@
               <a:pPr>
                 <a:defRPr/>
               </a:pPr>
-              <a:t>21</a:t>
+              <a:t>20</a:t>
             </a:fld>
             <a:endParaRPr lang="en-US" altLang="zh-CN"/>
           </a:p>
@@ -15601,6 +14322,186 @@
     <p:extLst>
       <p:ext uri="{BB962C8B-B14F-4D97-AF65-F5344CB8AC3E}">
         <p14:creationId xmlns:p14="http://schemas.microsoft.com/office/powerpoint/2010/main" val="1474099886"/>
+      </p:ext>
+    </p:extLst>
+  </p:cSld>
+  <p:clrMapOvr>
+    <a:masterClrMapping/>
+  </p:clrMapOvr>
+</p:sld>
+</file>
+
+<file path=ppt/slides/slide21.xml><?xml version="1.0" encoding="utf-8"?>
+<p:sld xmlns:a="http://schemas.openxmlformats.org/drawingml/2006/main" xmlns:r="http://schemas.openxmlformats.org/officeDocument/2006/relationships" xmlns:p="http://schemas.openxmlformats.org/presentationml/2006/main">
+  <p:cSld>
+    <p:spTree>
+      <p:nvGrpSpPr>
+        <p:cNvPr id="1" name=""/>
+        <p:cNvGrpSpPr/>
+        <p:nvPr/>
+      </p:nvGrpSpPr>
+      <p:grpSpPr>
+        <a:xfrm>
+          <a:off x="0" y="0"/>
+          <a:ext cx="0" cy="0"/>
+          <a:chOff x="0" y="0"/>
+          <a:chExt cx="0" cy="0"/>
+        </a:xfrm>
+      </p:grpSpPr>
+      <p:sp>
+        <p:nvSpPr>
+          <p:cNvPr id="2" name="Title 1">
+            <a:extLst>
+              <a:ext uri="{FF2B5EF4-FFF2-40B4-BE49-F238E27FC236}">
+                <a16:creationId xmlns:a16="http://schemas.microsoft.com/office/drawing/2014/main" id="{D4CE1CEF-E464-4D89-B09A-8519EA602138}"/>
+              </a:ext>
+            </a:extLst>
+          </p:cNvPr>
+          <p:cNvSpPr>
+            <a:spLocks noGrp="1"/>
+          </p:cNvSpPr>
+          <p:nvPr>
+            <p:ph type="title"/>
+          </p:nvPr>
+        </p:nvSpPr>
+        <p:spPr/>
+        <p:txBody>
+          <a:bodyPr/>
+          <a:lstStyle/>
+          <a:p>
+            <a:r>
+              <a:rPr lang="en-US" sz="3600" dirty="0"/>
+              <a:t>Code for Nearest Neighbor Classifier</a:t>
+            </a:r>
+            <a:endParaRPr lang="en-SE" sz="3600" dirty="0"/>
+          </a:p>
+        </p:txBody>
+      </p:sp>
+      <p:sp>
+        <p:nvSpPr>
+          <p:cNvPr id="4" name="Slide Number Placeholder 3">
+            <a:extLst>
+              <a:ext uri="{FF2B5EF4-FFF2-40B4-BE49-F238E27FC236}">
+                <a16:creationId xmlns:a16="http://schemas.microsoft.com/office/drawing/2014/main" id="{4AC7DDA0-FF9F-4006-BAF7-64C14E0951E0}"/>
+              </a:ext>
+            </a:extLst>
+          </p:cNvPr>
+          <p:cNvSpPr>
+            <a:spLocks noGrp="1"/>
+          </p:cNvSpPr>
+          <p:nvPr>
+            <p:ph type="sldNum" sz="quarter" idx="12"/>
+          </p:nvPr>
+        </p:nvSpPr>
+        <p:spPr/>
+        <p:txBody>
+          <a:bodyPr/>
+          <a:lstStyle/>
+          <a:p>
+            <a:pPr>
+              <a:defRPr/>
+            </a:pPr>
+            <a:fld id="{F57F456A-00AF-44E6-8D70-638C0D0130FF}" type="slidenum">
+              <a:rPr lang="en-US" altLang="zh-CN" smtClean="0"/>
+              <a:pPr>
+                <a:defRPr/>
+              </a:pPr>
+              <a:t>21</a:t>
+            </a:fld>
+            <a:endParaRPr lang="en-US" altLang="zh-CN"/>
+          </a:p>
+        </p:txBody>
+      </p:sp>
+      <p:sp>
+        <p:nvSpPr>
+          <p:cNvPr id="5" name="object 5">
+            <a:extLst>
+              <a:ext uri="{FF2B5EF4-FFF2-40B4-BE49-F238E27FC236}">
+                <a16:creationId xmlns:a16="http://schemas.microsoft.com/office/drawing/2014/main" id="{C43D501A-D73F-4A84-A9FE-D601CDC4783B}"/>
+              </a:ext>
+            </a:extLst>
+          </p:cNvPr>
+          <p:cNvSpPr/>
+          <p:nvPr/>
+        </p:nvSpPr>
+        <p:spPr>
+          <a:xfrm>
+            <a:off x="755576" y="1007441"/>
+            <a:ext cx="7488832" cy="5767069"/>
+          </a:xfrm>
+          <a:prstGeom prst="rect">
+            <a:avLst/>
+          </a:prstGeom>
+          <a:blipFill>
+            <a:blip r:embed="rId2" cstate="print"/>
+            <a:stretch>
+              <a:fillRect/>
+            </a:stretch>
+          </a:blipFill>
+        </p:spPr>
+        <p:txBody>
+          <a:bodyPr wrap="square" lIns="0" tIns="0" rIns="0" bIns="0" rtlCol="0"/>
+          <a:lstStyle/>
+          <a:p>
+            <a:endParaRPr dirty="0"/>
+          </a:p>
+        </p:txBody>
+      </p:sp>
+      <p:sp>
+        <p:nvSpPr>
+          <p:cNvPr id="3" name="Content Placeholder 2">
+            <a:extLst>
+              <a:ext uri="{FF2B5EF4-FFF2-40B4-BE49-F238E27FC236}">
+                <a16:creationId xmlns:a16="http://schemas.microsoft.com/office/drawing/2014/main" id="{51B27A2E-9A22-478D-BFDF-BA9CCA5AFDE9}"/>
+              </a:ext>
+            </a:extLst>
+          </p:cNvPr>
+          <p:cNvSpPr>
+            <a:spLocks noGrp="1"/>
+          </p:cNvSpPr>
+          <p:nvPr>
+            <p:ph idx="1"/>
+          </p:nvPr>
+        </p:nvSpPr>
+        <p:spPr>
+          <a:xfrm>
+            <a:off x="3124385" y="1441621"/>
+            <a:ext cx="5480063" cy="868363"/>
+          </a:xfrm>
+        </p:spPr>
+        <p:style>
+          <a:lnRef idx="2">
+            <a:schemeClr val="dk1"/>
+          </a:lnRef>
+          <a:fillRef idx="1">
+            <a:schemeClr val="lt1"/>
+          </a:fillRef>
+          <a:effectRef idx="0">
+            <a:schemeClr val="dk1"/>
+          </a:effectRef>
+          <a:fontRef idx="minor">
+            <a:schemeClr val="dk1"/>
+          </a:fontRef>
+        </p:style>
+        <p:txBody>
+          <a:bodyPr/>
+          <a:lstStyle/>
+          <a:p>
+            <a:pPr marL="0" indent="0">
+              <a:buNone/>
+            </a:pPr>
+            <a:r>
+              <a:rPr lang="en-US" sz="2400" dirty="0"/>
+              <a:t>Not practical, since prediction time grows linearly with training dataset size</a:t>
+            </a:r>
+            <a:endParaRPr lang="en-SE" sz="2400" dirty="0"/>
+          </a:p>
+        </p:txBody>
+      </p:sp>
+    </p:spTree>
+    <p:extLst>
+      <p:ext uri="{BB962C8B-B14F-4D97-AF65-F5344CB8AC3E}">
+        <p14:creationId xmlns:p14="http://schemas.microsoft.com/office/powerpoint/2010/main" val="2623376378"/>
       </p:ext>
     </p:extLst>
   </p:cSld>
@@ -15632,7 +14533,7 @@
           <p:cNvPr id="2" name="Title 1">
             <a:extLst>
               <a:ext uri="{FF2B5EF4-FFF2-40B4-BE49-F238E27FC236}">
-                <a16:creationId xmlns:a16="http://schemas.microsoft.com/office/drawing/2014/main" id="{D4CE1CEF-E464-4D89-B09A-8519EA602138}"/>
+                <a16:creationId xmlns:a16="http://schemas.microsoft.com/office/drawing/2014/main" id="{FAF21F54-DE82-4014-8665-0B5CA05B03A8}"/>
               </a:ext>
             </a:extLst>
           </p:cNvPr>
@@ -15649,10 +14550,58 @@
           <a:lstStyle/>
           <a:p>
             <a:r>
-              <a:rPr lang="en-US" sz="3600" dirty="0"/>
-              <a:t>Code for Nearest Neighbor Classifier</a:t>
+              <a:rPr lang="en-US" dirty="0"/>
+              <a:t>k-Nearest Neighbor (KNN)</a:t>
             </a:r>
-            <a:endParaRPr lang="en-SE" sz="3600" dirty="0"/>
+            <a:endParaRPr lang="en-SE" dirty="0"/>
+          </a:p>
+        </p:txBody>
+      </p:sp>
+      <p:sp>
+        <p:nvSpPr>
+          <p:cNvPr id="3" name="Content Placeholder 2">
+            <a:extLst>
+              <a:ext uri="{FF2B5EF4-FFF2-40B4-BE49-F238E27FC236}">
+                <a16:creationId xmlns:a16="http://schemas.microsoft.com/office/drawing/2014/main" id="{F579DD86-71C4-4B12-9393-F3AD52279D08}"/>
+              </a:ext>
+            </a:extLst>
+          </p:cNvPr>
+          <p:cNvSpPr>
+            <a:spLocks noGrp="1"/>
+          </p:cNvSpPr>
+          <p:nvPr>
+            <p:ph idx="1"/>
+          </p:nvPr>
+        </p:nvSpPr>
+        <p:spPr>
+          <a:xfrm>
+            <a:off x="457200" y="1295400"/>
+            <a:ext cx="8229600" cy="2061592"/>
+          </a:xfrm>
+        </p:spPr>
+        <p:txBody>
+          <a:bodyPr>
+            <a:normAutofit fontScale="77500" lnSpcReduction="20000"/>
+          </a:bodyPr>
+          <a:lstStyle/>
+          <a:p>
+            <a:r>
+              <a:rPr lang="en-US" dirty="0"/>
+              <a:t>Find the k nearest images, have them vote on the label</a:t>
+            </a:r>
+          </a:p>
+          <a:p>
+            <a:r>
+              <a:rPr lang="en-US" dirty="0"/>
+              <a:t>A practical and widely-used technique</a:t>
+            </a:r>
+          </a:p>
+          <a:p>
+            <a:r>
+              <a:rPr lang="en-US" dirty="0"/>
+              <a:t>Hyper-parameters: the distance metric (L1, L2…), neighbor size k need to be tuned for each problem.</a:t>
+            </a:r>
+            <a:endParaRPr lang="en-SE" dirty="0"/>
           </a:p>
         </p:txBody>
       </p:sp>
@@ -15661,7 +14610,7 @@
           <p:cNvPr id="4" name="Slide Number Placeholder 3">
             <a:extLst>
               <a:ext uri="{FF2B5EF4-FFF2-40B4-BE49-F238E27FC236}">
-                <a16:creationId xmlns:a16="http://schemas.microsoft.com/office/drawing/2014/main" id="{4AC7DDA0-FF9F-4006-BAF7-64C14E0951E0}"/>
+                <a16:creationId xmlns:a16="http://schemas.microsoft.com/office/drawing/2014/main" id="{8AB4EE19-632F-44D6-BA16-2133D5224A9F}"/>
               </a:ext>
             </a:extLst>
           </p:cNvPr>
@@ -15686,234 +14635,6 @@
                 <a:defRPr/>
               </a:pPr>
               <a:t>22</a:t>
-            </a:fld>
-            <a:endParaRPr lang="en-US" altLang="zh-CN"/>
-          </a:p>
-        </p:txBody>
-      </p:sp>
-      <p:sp>
-        <p:nvSpPr>
-          <p:cNvPr id="5" name="object 5">
-            <a:extLst>
-              <a:ext uri="{FF2B5EF4-FFF2-40B4-BE49-F238E27FC236}">
-                <a16:creationId xmlns:a16="http://schemas.microsoft.com/office/drawing/2014/main" id="{C43D501A-D73F-4A84-A9FE-D601CDC4783B}"/>
-              </a:ext>
-            </a:extLst>
-          </p:cNvPr>
-          <p:cNvSpPr/>
-          <p:nvPr/>
-        </p:nvSpPr>
-        <p:spPr>
-          <a:xfrm>
-            <a:off x="755576" y="1007441"/>
-            <a:ext cx="7488832" cy="5767069"/>
-          </a:xfrm>
-          <a:prstGeom prst="rect">
-            <a:avLst/>
-          </a:prstGeom>
-          <a:blipFill>
-            <a:blip r:embed="rId2" cstate="print"/>
-            <a:stretch>
-              <a:fillRect/>
-            </a:stretch>
-          </a:blipFill>
-        </p:spPr>
-        <p:txBody>
-          <a:bodyPr wrap="square" lIns="0" tIns="0" rIns="0" bIns="0" rtlCol="0"/>
-          <a:lstStyle/>
-          <a:p>
-            <a:endParaRPr dirty="0"/>
-          </a:p>
-        </p:txBody>
-      </p:sp>
-      <p:sp>
-        <p:nvSpPr>
-          <p:cNvPr id="3" name="Content Placeholder 2">
-            <a:extLst>
-              <a:ext uri="{FF2B5EF4-FFF2-40B4-BE49-F238E27FC236}">
-                <a16:creationId xmlns:a16="http://schemas.microsoft.com/office/drawing/2014/main" id="{51B27A2E-9A22-478D-BFDF-BA9CCA5AFDE9}"/>
-              </a:ext>
-            </a:extLst>
-          </p:cNvPr>
-          <p:cNvSpPr>
-            <a:spLocks noGrp="1"/>
-          </p:cNvSpPr>
-          <p:nvPr>
-            <p:ph idx="1"/>
-          </p:nvPr>
-        </p:nvSpPr>
-        <p:spPr>
-          <a:xfrm>
-            <a:off x="3124385" y="1441621"/>
-            <a:ext cx="5480063" cy="868363"/>
-          </a:xfrm>
-        </p:spPr>
-        <p:style>
-          <a:lnRef idx="2">
-            <a:schemeClr val="dk1"/>
-          </a:lnRef>
-          <a:fillRef idx="1">
-            <a:schemeClr val="lt1"/>
-          </a:fillRef>
-          <a:effectRef idx="0">
-            <a:schemeClr val="dk1"/>
-          </a:effectRef>
-          <a:fontRef idx="minor">
-            <a:schemeClr val="dk1"/>
-          </a:fontRef>
-        </p:style>
-        <p:txBody>
-          <a:bodyPr/>
-          <a:lstStyle/>
-          <a:p>
-            <a:pPr marL="0" indent="0">
-              <a:buNone/>
-            </a:pPr>
-            <a:r>
-              <a:rPr lang="en-US" sz="2400" dirty="0"/>
-              <a:t>Not practical, since prediction time grows linearly with training dataset size</a:t>
-            </a:r>
-            <a:endParaRPr lang="en-SE" sz="2400" dirty="0"/>
-          </a:p>
-        </p:txBody>
-      </p:sp>
-    </p:spTree>
-    <p:extLst>
-      <p:ext uri="{BB962C8B-B14F-4D97-AF65-F5344CB8AC3E}">
-        <p14:creationId xmlns:p14="http://schemas.microsoft.com/office/powerpoint/2010/main" val="2623376378"/>
-      </p:ext>
-    </p:extLst>
-  </p:cSld>
-  <p:clrMapOvr>
-    <a:masterClrMapping/>
-  </p:clrMapOvr>
-</p:sld>
-</file>
-
-<file path=ppt/slides/slide23.xml><?xml version="1.0" encoding="utf-8"?>
-<p:sld xmlns:a="http://schemas.openxmlformats.org/drawingml/2006/main" xmlns:r="http://schemas.openxmlformats.org/officeDocument/2006/relationships" xmlns:p="http://schemas.openxmlformats.org/presentationml/2006/main">
-  <p:cSld>
-    <p:spTree>
-      <p:nvGrpSpPr>
-        <p:cNvPr id="1" name=""/>
-        <p:cNvGrpSpPr/>
-        <p:nvPr/>
-      </p:nvGrpSpPr>
-      <p:grpSpPr>
-        <a:xfrm>
-          <a:off x="0" y="0"/>
-          <a:ext cx="0" cy="0"/>
-          <a:chOff x="0" y="0"/>
-          <a:chExt cx="0" cy="0"/>
-        </a:xfrm>
-      </p:grpSpPr>
-      <p:sp>
-        <p:nvSpPr>
-          <p:cNvPr id="2" name="Title 1">
-            <a:extLst>
-              <a:ext uri="{FF2B5EF4-FFF2-40B4-BE49-F238E27FC236}">
-                <a16:creationId xmlns:a16="http://schemas.microsoft.com/office/drawing/2014/main" id="{FAF21F54-DE82-4014-8665-0B5CA05B03A8}"/>
-              </a:ext>
-            </a:extLst>
-          </p:cNvPr>
-          <p:cNvSpPr>
-            <a:spLocks noGrp="1"/>
-          </p:cNvSpPr>
-          <p:nvPr>
-            <p:ph type="title"/>
-          </p:nvPr>
-        </p:nvSpPr>
-        <p:spPr/>
-        <p:txBody>
-          <a:bodyPr/>
-          <a:lstStyle/>
-          <a:p>
-            <a:r>
-              <a:rPr lang="en-US" dirty="0"/>
-              <a:t>k-Nearest Neighbor (KNN)</a:t>
-            </a:r>
-            <a:endParaRPr lang="en-SE" dirty="0"/>
-          </a:p>
-        </p:txBody>
-      </p:sp>
-      <p:sp>
-        <p:nvSpPr>
-          <p:cNvPr id="3" name="Content Placeholder 2">
-            <a:extLst>
-              <a:ext uri="{FF2B5EF4-FFF2-40B4-BE49-F238E27FC236}">
-                <a16:creationId xmlns:a16="http://schemas.microsoft.com/office/drawing/2014/main" id="{F579DD86-71C4-4B12-9393-F3AD52279D08}"/>
-              </a:ext>
-            </a:extLst>
-          </p:cNvPr>
-          <p:cNvSpPr>
-            <a:spLocks noGrp="1"/>
-          </p:cNvSpPr>
-          <p:nvPr>
-            <p:ph idx="1"/>
-          </p:nvPr>
-        </p:nvSpPr>
-        <p:spPr>
-          <a:xfrm>
-            <a:off x="457200" y="1295400"/>
-            <a:ext cx="8229600" cy="2061592"/>
-          </a:xfrm>
-        </p:spPr>
-        <p:txBody>
-          <a:bodyPr>
-            <a:normAutofit fontScale="77500" lnSpcReduction="20000"/>
-          </a:bodyPr>
-          <a:lstStyle/>
-          <a:p>
-            <a:r>
-              <a:rPr lang="en-US" dirty="0"/>
-              <a:t>Find the k nearest images, have them vote on the label</a:t>
-            </a:r>
-          </a:p>
-          <a:p>
-            <a:r>
-              <a:rPr lang="en-US" dirty="0"/>
-              <a:t>A practical and widely-used technique</a:t>
-            </a:r>
-          </a:p>
-          <a:p>
-            <a:r>
-              <a:rPr lang="en-US" dirty="0"/>
-              <a:t>Hyper-parameters: the distance metric (L1, L2…), neighbor size k need to be tuned for each problem.</a:t>
-            </a:r>
-            <a:endParaRPr lang="en-SE" dirty="0"/>
-          </a:p>
-        </p:txBody>
-      </p:sp>
-      <p:sp>
-        <p:nvSpPr>
-          <p:cNvPr id="4" name="Slide Number Placeholder 3">
-            <a:extLst>
-              <a:ext uri="{FF2B5EF4-FFF2-40B4-BE49-F238E27FC236}">
-                <a16:creationId xmlns:a16="http://schemas.microsoft.com/office/drawing/2014/main" id="{8AB4EE19-632F-44D6-BA16-2133D5224A9F}"/>
-              </a:ext>
-            </a:extLst>
-          </p:cNvPr>
-          <p:cNvSpPr>
-            <a:spLocks noGrp="1"/>
-          </p:cNvSpPr>
-          <p:nvPr>
-            <p:ph type="sldNum" sz="quarter" idx="12"/>
-          </p:nvPr>
-        </p:nvSpPr>
-        <p:spPr/>
-        <p:txBody>
-          <a:bodyPr/>
-          <a:lstStyle/>
-          <a:p>
-            <a:pPr>
-              <a:defRPr/>
-            </a:pPr>
-            <a:fld id="{F57F456A-00AF-44E6-8D70-638C0D0130FF}" type="slidenum">
-              <a:rPr lang="en-US" altLang="zh-CN" smtClean="0"/>
-              <a:pPr>
-                <a:defRPr/>
-              </a:pPr>
-              <a:t>23</a:t>
             </a:fld>
             <a:endParaRPr lang="en-US" altLang="zh-CN"/>
           </a:p>
@@ -16264,6 +14985,273 @@
 </p:sld>
 </file>
 
+<file path=ppt/slides/slide23.xml><?xml version="1.0" encoding="utf-8"?>
+<p:sld xmlns:a="http://schemas.openxmlformats.org/drawingml/2006/main" xmlns:r="http://schemas.openxmlformats.org/officeDocument/2006/relationships" xmlns:p="http://schemas.openxmlformats.org/presentationml/2006/main">
+  <p:cSld>
+    <p:spTree>
+      <p:nvGrpSpPr>
+        <p:cNvPr id="1" name=""/>
+        <p:cNvGrpSpPr/>
+        <p:nvPr/>
+      </p:nvGrpSpPr>
+      <p:grpSpPr>
+        <a:xfrm>
+          <a:off x="0" y="0"/>
+          <a:ext cx="0" cy="0"/>
+          <a:chOff x="0" y="0"/>
+          <a:chExt cx="0" cy="0"/>
+        </a:xfrm>
+      </p:grpSpPr>
+      <p:sp>
+        <p:nvSpPr>
+          <p:cNvPr id="2" name="Title 1">
+            <a:extLst>
+              <a:ext uri="{FF2B5EF4-FFF2-40B4-BE49-F238E27FC236}">
+                <a16:creationId xmlns:a16="http://schemas.microsoft.com/office/drawing/2014/main" id="{B0441899-3B7E-478C-93A1-F92F1954AE38}"/>
+              </a:ext>
+            </a:extLst>
+          </p:cNvPr>
+          <p:cNvSpPr>
+            <a:spLocks noGrp="1"/>
+          </p:cNvSpPr>
+          <p:nvPr>
+            <p:ph type="title"/>
+          </p:nvPr>
+        </p:nvSpPr>
+        <p:spPr>
+          <a:xfrm>
+            <a:off x="457200" y="274638"/>
+            <a:ext cx="5266928" cy="868362"/>
+          </a:xfrm>
+        </p:spPr>
+        <p:txBody>
+          <a:bodyPr/>
+          <a:lstStyle/>
+          <a:p>
+            <a:r>
+              <a:rPr lang="en-US" sz="3600" dirty="0"/>
+              <a:t>K-Fold Cross-Validation</a:t>
+            </a:r>
+            <a:endParaRPr lang="en-SE" sz="3600" dirty="0"/>
+          </a:p>
+        </p:txBody>
+      </p:sp>
+      <p:sp>
+        <p:nvSpPr>
+          <p:cNvPr id="3" name="Content Placeholder 2">
+            <a:extLst>
+              <a:ext uri="{FF2B5EF4-FFF2-40B4-BE49-F238E27FC236}">
+                <a16:creationId xmlns:a16="http://schemas.microsoft.com/office/drawing/2014/main" id="{940ADF5A-70D5-4150-B858-A1C8AC5C1500}"/>
+              </a:ext>
+            </a:extLst>
+          </p:cNvPr>
+          <p:cNvSpPr>
+            <a:spLocks noGrp="1"/>
+          </p:cNvSpPr>
+          <p:nvPr>
+            <p:ph idx="1"/>
+          </p:nvPr>
+        </p:nvSpPr>
+        <p:spPr>
+          <a:xfrm>
+            <a:off x="457200" y="1295400"/>
+            <a:ext cx="4114800" cy="5105400"/>
+          </a:xfrm>
+        </p:spPr>
+        <p:txBody>
+          <a:bodyPr>
+            <a:normAutofit fontScale="70000" lnSpcReduction="20000"/>
+          </a:bodyPr>
+          <a:lstStyle/>
+          <a:p>
+            <a:r>
+              <a:rPr lang="en-US" dirty="0"/>
+              <a:t>Divide data into train data and test data</a:t>
+            </a:r>
+          </a:p>
+          <a:p>
+            <a:r>
+              <a:rPr lang="en-US" dirty="0"/>
+              <a:t>Since we cannot peek at the test data during training time, we use part of the train data for Cross-Validation:</a:t>
+            </a:r>
+          </a:p>
+          <a:p>
+            <a:r>
+              <a:rPr lang="en-US" dirty="0"/>
+              <a:t>e.g., Divide training data into K=5 parts (folds). Use each fold as validation data, and the other 4 folds as training data. Cycle through the choice of which fold used for validation  and average results.</a:t>
+            </a:r>
+            <a:endParaRPr lang="en-SE" dirty="0"/>
+          </a:p>
+          <a:p>
+            <a:endParaRPr lang="en-SE" dirty="0"/>
+          </a:p>
+        </p:txBody>
+      </p:sp>
+      <p:sp>
+        <p:nvSpPr>
+          <p:cNvPr id="4" name="Slide Number Placeholder 3">
+            <a:extLst>
+              <a:ext uri="{FF2B5EF4-FFF2-40B4-BE49-F238E27FC236}">
+                <a16:creationId xmlns:a16="http://schemas.microsoft.com/office/drawing/2014/main" id="{92F7E45E-76FB-42D5-872D-082FFCF5E395}"/>
+              </a:ext>
+            </a:extLst>
+          </p:cNvPr>
+          <p:cNvSpPr>
+            <a:spLocks noGrp="1"/>
+          </p:cNvSpPr>
+          <p:nvPr>
+            <p:ph type="sldNum" sz="quarter" idx="12"/>
+          </p:nvPr>
+        </p:nvSpPr>
+        <p:spPr/>
+        <p:txBody>
+          <a:bodyPr/>
+          <a:lstStyle/>
+          <a:p>
+            <a:pPr>
+              <a:defRPr/>
+            </a:pPr>
+            <a:fld id="{F57F456A-00AF-44E6-8D70-638C0D0130FF}" type="slidenum">
+              <a:rPr lang="en-US" altLang="zh-CN" smtClean="0"/>
+              <a:pPr>
+                <a:defRPr/>
+              </a:pPr>
+              <a:t>23</a:t>
+            </a:fld>
+            <a:endParaRPr lang="en-US" altLang="zh-CN"/>
+          </a:p>
+        </p:txBody>
+      </p:sp>
+      <p:pic>
+        <p:nvPicPr>
+          <p:cNvPr id="1026" name="Picture 2" descr="K-Fold Crossvalidation">
+            <a:extLst>
+              <a:ext uri="{FF2B5EF4-FFF2-40B4-BE49-F238E27FC236}">
+                <a16:creationId xmlns:a16="http://schemas.microsoft.com/office/drawing/2014/main" id="{DC897D6F-67AF-4FA1-8298-AAF5318D032A}"/>
+              </a:ext>
+            </a:extLst>
+          </p:cNvPr>
+          <p:cNvPicPr>
+            <a:picLocks noChangeAspect="1" noChangeArrowheads="1"/>
+          </p:cNvPicPr>
+          <p:nvPr/>
+        </p:nvPicPr>
+        <p:blipFill>
+          <a:blip r:embed="rId2" cstate="print">
+            <a:extLst>
+              <a:ext uri="{28A0092B-C50C-407E-A947-70E740481C1C}">
+                <a14:useLocalDpi xmlns:a14="http://schemas.microsoft.com/office/drawing/2010/main" val="0"/>
+              </a:ext>
+            </a:extLst>
+          </a:blip>
+          <a:srcRect/>
+          <a:stretch>
+            <a:fillRect/>
+          </a:stretch>
+        </p:blipFill>
+        <p:spPr bwMode="auto">
+          <a:xfrm>
+            <a:off x="4423345" y="-83490"/>
+            <a:ext cx="4829175" cy="6858000"/>
+          </a:xfrm>
+          <a:prstGeom prst="rect">
+            <a:avLst/>
+          </a:prstGeom>
+          <a:noFill/>
+          <a:extLst>
+            <a:ext uri="{909E8E84-426E-40DD-AFC4-6F175D3DCCD1}">
+              <a14:hiddenFill xmlns:a14="http://schemas.microsoft.com/office/drawing/2010/main">
+                <a:solidFill>
+                  <a:srgbClr val="FFFFFF"/>
+                </a:solidFill>
+              </a14:hiddenFill>
+            </a:ext>
+          </a:extLst>
+        </p:spPr>
+      </p:pic>
+      <p:sp>
+        <p:nvSpPr>
+          <p:cNvPr id="7" name="TextBox 6">
+            <a:extLst>
+              <a:ext uri="{FF2B5EF4-FFF2-40B4-BE49-F238E27FC236}">
+                <a16:creationId xmlns:a16="http://schemas.microsoft.com/office/drawing/2014/main" id="{10704E7D-20FC-4F85-9551-FD8E29E160AA}"/>
+              </a:ext>
+            </a:extLst>
+          </p:cNvPr>
+          <p:cNvSpPr txBox="1"/>
+          <p:nvPr/>
+        </p:nvSpPr>
+        <p:spPr>
+          <a:xfrm>
+            <a:off x="1412776" y="6604084"/>
+            <a:ext cx="6318448" cy="253916"/>
+          </a:xfrm>
+          <a:prstGeom prst="rect">
+            <a:avLst/>
+          </a:prstGeom>
+          <a:noFill/>
+        </p:spPr>
+        <p:txBody>
+          <a:bodyPr wrap="square">
+            <a:spAutoFit/>
+          </a:bodyPr>
+          <a:lstStyle/>
+          <a:p>
+            <a:r>
+              <a:rPr lang="en-SE" sz="1050" dirty="0"/>
+              <a:t>https://github.com/jeffheaton/t81_558_deep_learning/blob/master/t81_558_class_05_2_kfold.ipynb</a:t>
+            </a:r>
+          </a:p>
+        </p:txBody>
+      </p:sp>
+      <p:sp>
+        <p:nvSpPr>
+          <p:cNvPr id="8" name="object 4">
+            <a:extLst>
+              <a:ext uri="{FF2B5EF4-FFF2-40B4-BE49-F238E27FC236}">
+                <a16:creationId xmlns:a16="http://schemas.microsoft.com/office/drawing/2014/main" id="{BD92EEF5-80F5-4C96-8026-798C99815EAD}"/>
+              </a:ext>
+            </a:extLst>
+          </p:cNvPr>
+          <p:cNvSpPr/>
+          <p:nvPr/>
+        </p:nvSpPr>
+        <p:spPr>
+          <a:xfrm>
+            <a:off x="0" y="5562600"/>
+            <a:ext cx="4612521" cy="672427"/>
+          </a:xfrm>
+          <a:prstGeom prst="rect">
+            <a:avLst/>
+          </a:prstGeom>
+          <a:blipFill>
+            <a:blip r:embed="rId3" cstate="print"/>
+            <a:stretch>
+              <a:fillRect/>
+            </a:stretch>
+          </a:blipFill>
+        </p:spPr>
+        <p:txBody>
+          <a:bodyPr wrap="square" lIns="0" tIns="0" rIns="0" bIns="0" rtlCol="0"/>
+          <a:lstStyle/>
+          <a:p>
+            <a:endParaRPr/>
+          </a:p>
+        </p:txBody>
+      </p:sp>
+    </p:spTree>
+    <p:extLst>
+      <p:ext uri="{BB962C8B-B14F-4D97-AF65-F5344CB8AC3E}">
+        <p14:creationId xmlns:p14="http://schemas.microsoft.com/office/powerpoint/2010/main" val="409900156"/>
+      </p:ext>
+    </p:extLst>
+  </p:cSld>
+  <p:clrMapOvr>
+    <a:masterClrMapping/>
+  </p:clrMapOvr>
+</p:sld>
+</file>
+
 <file path=ppt/slides/slide24.xml><?xml version="1.0" encoding="utf-8"?>
 <p:sld xmlns:a="http://schemas.openxmlformats.org/drawingml/2006/main" xmlns:r="http://schemas.openxmlformats.org/officeDocument/2006/relationships" xmlns:p="http://schemas.openxmlformats.org/presentationml/2006/main">
   <p:cSld>
@@ -16286,7 +15274,7 @@
           <p:cNvPr id="2" name="Title 1">
             <a:extLst>
               <a:ext uri="{FF2B5EF4-FFF2-40B4-BE49-F238E27FC236}">
-                <a16:creationId xmlns:a16="http://schemas.microsoft.com/office/drawing/2014/main" id="{78F0357D-4D88-4BA0-88E5-80AE902CDAD6}"/>
+                <a16:creationId xmlns:a16="http://schemas.microsoft.com/office/drawing/2014/main" id="{709134D2-1A2E-479E-99FF-091ABF20EDEA}"/>
               </a:ext>
             </a:extLst>
           </p:cNvPr>
@@ -16304,7 +15292,7 @@
           <a:p>
             <a:r>
               <a:rPr lang="en-US" dirty="0"/>
-              <a:t>Cross-Validation</a:t>
+              <a:t>Cross-Validation Example</a:t>
             </a:r>
             <a:endParaRPr lang="en-SE" dirty="0"/>
           </a:p>
@@ -16315,7 +15303,7 @@
           <p:cNvPr id="3" name="Content Placeholder 2">
             <a:extLst>
               <a:ext uri="{FF2B5EF4-FFF2-40B4-BE49-F238E27FC236}">
-                <a16:creationId xmlns:a16="http://schemas.microsoft.com/office/drawing/2014/main" id="{2217CD4E-E3D2-40CF-85DF-F03A804BF6F3}"/>
+                <a16:creationId xmlns:a16="http://schemas.microsoft.com/office/drawing/2014/main" id="{AF4B0D7D-DE16-4133-BFF8-2C4A6D25E592}"/>
               </a:ext>
             </a:extLst>
           </p:cNvPr>
@@ -16328,31 +15316,40 @@
         </p:nvSpPr>
         <p:spPr>
           <a:xfrm>
-            <a:off x="457200" y="1295400"/>
-            <a:ext cx="8229600" cy="3881264"/>
+            <a:off x="5205018" y="1295400"/>
+            <a:ext cx="3481782" cy="5105400"/>
           </a:xfrm>
         </p:spPr>
         <p:txBody>
-          <a:bodyPr/>
+          <a:bodyPr>
+            <a:normAutofit fontScale="85000" lnSpcReduction="10000"/>
+          </a:bodyPr>
           <a:lstStyle/>
           <a:p>
             <a:r>
               <a:rPr lang="en-US" dirty="0"/>
-              <a:t>Divide data into train data and test data</a:t>
+              <a:t>Example of 5-fold cross-validation  for the value of k in KNN</a:t>
             </a:r>
           </a:p>
           <a:p>
             <a:r>
               <a:rPr lang="en-US" dirty="0"/>
-              <a:t>Since we cannot peek at the test data during training time, we use part of the train data for Cross-Validation:</a:t>
+              <a:t>Each point: single  outcome.</a:t>
             </a:r>
           </a:p>
           <a:p>
-            <a:pPr lvl="1"/>
             <a:r>
               <a:rPr lang="en-US" dirty="0"/>
-              <a:t>e.g., Divide training data into 5 parts (folds). Use each fold as validation data, and the other 4 folds as training data. Cycle through the choice of which fold used for validation  and average results.</a:t>
+              <a:t>Vertical blue lines indicate standard  deviation</a:t>
             </a:r>
+          </a:p>
+          <a:p>
+            <a:r>
+              <a:rPr lang="en-US" dirty="0"/>
+              <a:t>Red line indicates that k ~= 7 works best</a:t>
+            </a:r>
+          </a:p>
+          <a:p>
             <a:endParaRPr lang="en-SE" dirty="0"/>
           </a:p>
         </p:txBody>
@@ -16362,7 +15359,7 @@
           <p:cNvPr id="4" name="Slide Number Placeholder 3">
             <a:extLst>
               <a:ext uri="{FF2B5EF4-FFF2-40B4-BE49-F238E27FC236}">
-                <a16:creationId xmlns:a16="http://schemas.microsoft.com/office/drawing/2014/main" id="{B431BF01-1F20-43B4-8449-77DF2D8961C2}"/>
+                <a16:creationId xmlns:a16="http://schemas.microsoft.com/office/drawing/2014/main" id="{895F4C54-4C9E-4C47-90A2-812476B7D6D0}"/>
               </a:ext>
             </a:extLst>
           </p:cNvPr>
@@ -16394,10 +15391,10 @@
       </p:sp>
       <p:sp>
         <p:nvSpPr>
-          <p:cNvPr id="5" name="object 4">
+          <p:cNvPr id="7" name="object 5">
             <a:extLst>
               <a:ext uri="{FF2B5EF4-FFF2-40B4-BE49-F238E27FC236}">
-                <a16:creationId xmlns:a16="http://schemas.microsoft.com/office/drawing/2014/main" id="{EB0B5BA7-6751-4C08-B6C4-CCE657E2D761}"/>
+                <a16:creationId xmlns:a16="http://schemas.microsoft.com/office/drawing/2014/main" id="{FB333AEF-793F-47D0-AD7F-6996BE5ABE0A}"/>
               </a:ext>
             </a:extLst>
           </p:cNvPr>
@@ -16406,8 +15403,8 @@
         </p:nvSpPr>
         <p:spPr>
           <a:xfrm>
-            <a:off x="469269" y="5176664"/>
-            <a:ext cx="8396971" cy="1224136"/>
+            <a:off x="107504" y="1852853"/>
+            <a:ext cx="5097514" cy="4137116"/>
           </a:xfrm>
           <a:prstGeom prst="rect">
             <a:avLst/>
@@ -16423,14 +15420,88 @@
           <a:bodyPr wrap="square" lIns="0" tIns="0" rIns="0" bIns="0" rtlCol="0"/>
           <a:lstStyle/>
           <a:p>
-            <a:endParaRPr/>
+            <a:pPr fontAlgn="auto">
+              <a:spcBef>
+                <a:spcPts val="0"/>
+              </a:spcBef>
+              <a:spcAft>
+                <a:spcPts val="0"/>
+              </a:spcAft>
+            </a:pPr>
+            <a:endParaRPr>
+              <a:solidFill>
+                <a:prstClr val="black"/>
+              </a:solidFill>
+              <a:latin typeface="Calibri"/>
+            </a:endParaRPr>
+          </a:p>
+        </p:txBody>
+      </p:sp>
+      <p:sp>
+        <p:nvSpPr>
+          <p:cNvPr id="8" name="object 6">
+            <a:extLst>
+              <a:ext uri="{FF2B5EF4-FFF2-40B4-BE49-F238E27FC236}">
+                <a16:creationId xmlns:a16="http://schemas.microsoft.com/office/drawing/2014/main" id="{EAAC594F-C000-4F3D-A3A5-E9C674C3CE99}"/>
+              </a:ext>
+            </a:extLst>
+          </p:cNvPr>
+          <p:cNvSpPr/>
+          <p:nvPr/>
+        </p:nvSpPr>
+        <p:spPr>
+          <a:xfrm>
+            <a:off x="1460071" y="1712178"/>
+            <a:ext cx="0" cy="4309110"/>
+          </a:xfrm>
+          <a:custGeom>
+            <a:avLst/>
+            <a:gdLst/>
+            <a:ahLst/>
+            <a:cxnLst/>
+            <a:rect l="l" t="t" r="r" b="b"/>
+            <a:pathLst>
+              <a:path h="4309110">
+                <a:moveTo>
+                  <a:pt x="0" y="0"/>
+                </a:moveTo>
+                <a:lnTo>
+                  <a:pt x="0" y="4308591"/>
+                </a:lnTo>
+              </a:path>
+            </a:pathLst>
+          </a:custGeom>
+          <a:ln w="9524">
+            <a:solidFill>
+              <a:srgbClr val="FF0000"/>
+            </a:solidFill>
+          </a:ln>
+        </p:spPr>
+        <p:txBody>
+          <a:bodyPr wrap="square" lIns="0" tIns="0" rIns="0" bIns="0" rtlCol="0"/>
+          <a:lstStyle/>
+          <a:p>
+            <a:pPr fontAlgn="auto">
+              <a:spcBef>
+                <a:spcPts val="0"/>
+              </a:spcBef>
+              <a:spcAft>
+                <a:spcPts val="0"/>
+              </a:spcAft>
+            </a:pPr>
+            <a:endParaRPr>
+              <a:solidFill>
+                <a:prstClr val="black"/>
+              </a:solidFill>
+              <a:latin typeface="Calibri"/>
+            </a:endParaRPr>
           </a:p>
         </p:txBody>
       </p:sp>
     </p:spTree>
     <p:extLst>
       <p:ext uri="{BB962C8B-B14F-4D97-AF65-F5344CB8AC3E}">
-        <p14:creationId xmlns:p14="http://schemas.microsoft.com/office/powerpoint/2010/main" val="4002385287"/>
+        <p14:creationId xmlns:p14="http://schemas.microsoft.com/office/powerpoint/2010/main" val="2607792354"/>
       </p:ext>
     </p:extLst>
   </p:cSld>
@@ -16462,7 +15533,7 @@
           <p:cNvPr id="2" name="Title 1">
             <a:extLst>
               <a:ext uri="{FF2B5EF4-FFF2-40B4-BE49-F238E27FC236}">
-                <a16:creationId xmlns:a16="http://schemas.microsoft.com/office/drawing/2014/main" id="{709134D2-1A2E-479E-99FF-091ABF20EDEA}"/>
+                <a16:creationId xmlns:a16="http://schemas.microsoft.com/office/drawing/2014/main" id="{CA163ECA-4AC1-4744-B57C-30B766D191F8}"/>
               </a:ext>
             </a:extLst>
           </p:cNvPr>
@@ -16480,7 +15551,7 @@
           <a:p>
             <a:r>
               <a:rPr lang="en-US" dirty="0"/>
-              <a:t>Cross-Validation Example</a:t>
+              <a:t>KNN Limitations</a:t>
             </a:r>
             <a:endParaRPr lang="en-SE" dirty="0"/>
           </a:p>
@@ -16491,7 +15562,7 @@
           <p:cNvPr id="3" name="Content Placeholder 2">
             <a:extLst>
               <a:ext uri="{FF2B5EF4-FFF2-40B4-BE49-F238E27FC236}">
-                <a16:creationId xmlns:a16="http://schemas.microsoft.com/office/drawing/2014/main" id="{AF4B0D7D-DE16-4133-BFF8-2C4A6D25E592}"/>
+                <a16:creationId xmlns:a16="http://schemas.microsoft.com/office/drawing/2014/main" id="{319B3E81-1846-4E64-94E3-17096977CAEC}"/>
               </a:ext>
             </a:extLst>
           </p:cNvPr>
@@ -16502,43 +15573,44 @@
             <p:ph idx="1"/>
           </p:nvPr>
         </p:nvSpPr>
-        <p:spPr>
-          <a:xfrm>
-            <a:off x="5205018" y="1295400"/>
-            <a:ext cx="3481782" cy="5105400"/>
-          </a:xfrm>
-        </p:spPr>
-        <p:txBody>
-          <a:bodyPr>
-            <a:normAutofit fontScale="85000" lnSpcReduction="10000"/>
-          </a:bodyPr>
+        <p:spPr/>
+        <p:txBody>
+          <a:bodyPr/>
           <a:lstStyle/>
           <a:p>
             <a:r>
               <a:rPr lang="en-US" dirty="0"/>
-              <a:t>Example of 5-fold cross-validation  for the value of k in KNN</a:t>
+              <a:t>L2 distance is not a good metric of human perception</a:t>
             </a:r>
-          </a:p>
-          <a:p>
+            <a:endParaRPr lang="en-SE" dirty="0"/>
+          </a:p>
+          <a:p>
+            <a:pPr lvl="1"/>
             <a:r>
-              <a:rPr lang="en-US" dirty="0"/>
-              <a:t>Each point: single  outcome.</a:t>
+              <a:rPr lang="en-US" spc="-5" dirty="0">
+                <a:latin typeface="Arial"/>
+                <a:cs typeface="Arial"/>
+              </a:rPr>
+              <a:t>All 3 images on the right (shifted, messed up, darkened) have same L2 distance to the one on the</a:t>
             </a:r>
-          </a:p>
-          <a:p>
             <a:r>
-              <a:rPr lang="en-US" dirty="0"/>
-              <a:t>Vertical blue lines indicate standard  deviation</a:t>
+              <a:rPr lang="en-US" spc="110" dirty="0">
+                <a:latin typeface="Arial"/>
+                <a:cs typeface="Arial"/>
+              </a:rPr>
+              <a:t> </a:t>
             </a:r>
-          </a:p>
-          <a:p>
             <a:r>
-              <a:rPr lang="en-US" dirty="0"/>
-              <a:t>Red line indicates that k ~= 7 works best</a:t>
+              <a:rPr lang="en-US" spc="-5" dirty="0">
+                <a:latin typeface="Arial"/>
+                <a:cs typeface="Arial"/>
+              </a:rPr>
+              <a:t>left in pixel space</a:t>
             </a:r>
-          </a:p>
-          <a:p>
-            <a:endParaRPr lang="en-SE" dirty="0"/>
+            <a:endParaRPr lang="en-US" dirty="0">
+              <a:latin typeface="Arial"/>
+              <a:cs typeface="Arial"/>
+            </a:endParaRPr>
           </a:p>
         </p:txBody>
       </p:sp>
@@ -16547,7 +15619,7 @@
           <p:cNvPr id="4" name="Slide Number Placeholder 3">
             <a:extLst>
               <a:ext uri="{FF2B5EF4-FFF2-40B4-BE49-F238E27FC236}">
-                <a16:creationId xmlns:a16="http://schemas.microsoft.com/office/drawing/2014/main" id="{895F4C54-4C9E-4C47-90A2-812476B7D6D0}"/>
+                <a16:creationId xmlns:a16="http://schemas.microsoft.com/office/drawing/2014/main" id="{5D0E5FA1-19C2-43CA-9557-E511C38B02F8}"/>
               </a:ext>
             </a:extLst>
           </p:cNvPr>
@@ -16579,10 +15651,10 @@
       </p:sp>
       <p:sp>
         <p:nvSpPr>
-          <p:cNvPr id="7" name="object 5">
+          <p:cNvPr id="5" name="object 6">
             <a:extLst>
               <a:ext uri="{FF2B5EF4-FFF2-40B4-BE49-F238E27FC236}">
-                <a16:creationId xmlns:a16="http://schemas.microsoft.com/office/drawing/2014/main" id="{FB333AEF-793F-47D0-AD7F-6996BE5ABE0A}"/>
+                <a16:creationId xmlns:a16="http://schemas.microsoft.com/office/drawing/2014/main" id="{84ABDDD7-7BF9-4E60-96B4-67B249EB6132}"/>
               </a:ext>
             </a:extLst>
           </p:cNvPr>
@@ -16591,8 +15663,8 @@
         </p:nvSpPr>
         <p:spPr>
           <a:xfrm>
-            <a:off x="107504" y="1852853"/>
-            <a:ext cx="5097514" cy="4137116"/>
+            <a:off x="457200" y="3810000"/>
+            <a:ext cx="8461084" cy="2343415"/>
           </a:xfrm>
           <a:prstGeom prst="rect">
             <a:avLst/>
@@ -16608,88 +15680,14 @@
           <a:bodyPr wrap="square" lIns="0" tIns="0" rIns="0" bIns="0" rtlCol="0"/>
           <a:lstStyle/>
           <a:p>
-            <a:pPr fontAlgn="auto">
-              <a:spcBef>
-                <a:spcPts val="0"/>
-              </a:spcBef>
-              <a:spcAft>
-                <a:spcPts val="0"/>
-              </a:spcAft>
-            </a:pPr>
-            <a:endParaRPr>
-              <a:solidFill>
-                <a:prstClr val="black"/>
-              </a:solidFill>
-              <a:latin typeface="Calibri"/>
-            </a:endParaRPr>
-          </a:p>
-        </p:txBody>
-      </p:sp>
-      <p:sp>
-        <p:nvSpPr>
-          <p:cNvPr id="8" name="object 6">
-            <a:extLst>
-              <a:ext uri="{FF2B5EF4-FFF2-40B4-BE49-F238E27FC236}">
-                <a16:creationId xmlns:a16="http://schemas.microsoft.com/office/drawing/2014/main" id="{EAAC594F-C000-4F3D-A3A5-E9C674C3CE99}"/>
-              </a:ext>
-            </a:extLst>
-          </p:cNvPr>
-          <p:cNvSpPr/>
-          <p:nvPr/>
-        </p:nvSpPr>
-        <p:spPr>
-          <a:xfrm>
-            <a:off x="1460071" y="1712178"/>
-            <a:ext cx="0" cy="4309110"/>
-          </a:xfrm>
-          <a:custGeom>
-            <a:avLst/>
-            <a:gdLst/>
-            <a:ahLst/>
-            <a:cxnLst/>
-            <a:rect l="l" t="t" r="r" b="b"/>
-            <a:pathLst>
-              <a:path h="4309110">
-                <a:moveTo>
-                  <a:pt x="0" y="0"/>
-                </a:moveTo>
-                <a:lnTo>
-                  <a:pt x="0" y="4308591"/>
-                </a:lnTo>
-              </a:path>
-            </a:pathLst>
-          </a:custGeom>
-          <a:ln w="9524">
-            <a:solidFill>
-              <a:srgbClr val="FF0000"/>
-            </a:solidFill>
-          </a:ln>
-        </p:spPr>
-        <p:txBody>
-          <a:bodyPr wrap="square" lIns="0" tIns="0" rIns="0" bIns="0" rtlCol="0"/>
-          <a:lstStyle/>
-          <a:p>
-            <a:pPr fontAlgn="auto">
-              <a:spcBef>
-                <a:spcPts val="0"/>
-              </a:spcBef>
-              <a:spcAft>
-                <a:spcPts val="0"/>
-              </a:spcAft>
-            </a:pPr>
-            <a:endParaRPr>
-              <a:solidFill>
-                <a:prstClr val="black"/>
-              </a:solidFill>
-              <a:latin typeface="Calibri"/>
-            </a:endParaRPr>
+            <a:endParaRPr/>
           </a:p>
         </p:txBody>
       </p:sp>
     </p:spTree>
     <p:extLst>
       <p:ext uri="{BB962C8B-B14F-4D97-AF65-F5344CB8AC3E}">
-        <p14:creationId xmlns:p14="http://schemas.microsoft.com/office/powerpoint/2010/main" val="2607792354"/>
+        <p14:creationId xmlns:p14="http://schemas.microsoft.com/office/powerpoint/2010/main" val="137086230"/>
       </p:ext>
     </p:extLst>
   </p:cSld>
@@ -16721,7 +15719,7 @@
           <p:cNvPr id="2" name="Title 1">
             <a:extLst>
               <a:ext uri="{FF2B5EF4-FFF2-40B4-BE49-F238E27FC236}">
-                <a16:creationId xmlns:a16="http://schemas.microsoft.com/office/drawing/2014/main" id="{CA163ECA-4AC1-4744-B57C-30B766D191F8}"/>
+                <a16:creationId xmlns:a16="http://schemas.microsoft.com/office/drawing/2014/main" id="{CDCD9B6C-0206-4BA7-96E3-8EEB8F3CB9DD}"/>
               </a:ext>
             </a:extLst>
           </p:cNvPr>
@@ -16737,11 +15735,7 @@
           <a:bodyPr/>
           <a:lstStyle/>
           <a:p>
-            <a:r>
-              <a:rPr lang="en-US" dirty="0"/>
-              <a:t>KNN Limitations</a:t>
-            </a:r>
-            <a:endParaRPr lang="en-SE" dirty="0"/>
+            <a:endParaRPr lang="en-SE"/>
           </a:p>
         </p:txBody>
       </p:sp>
@@ -16750,7 +15744,7 @@
           <p:cNvPr id="3" name="Content Placeholder 2">
             <a:extLst>
               <a:ext uri="{FF2B5EF4-FFF2-40B4-BE49-F238E27FC236}">
-                <a16:creationId xmlns:a16="http://schemas.microsoft.com/office/drawing/2014/main" id="{319B3E81-1846-4E64-94E3-17096977CAEC}"/>
+                <a16:creationId xmlns:a16="http://schemas.microsoft.com/office/drawing/2014/main" id="{7CC6130C-B6D8-40CA-9098-05B5959641C1}"/>
               </a:ext>
             </a:extLst>
           </p:cNvPr>
@@ -16767,39 +15761,87 @@
           <a:lstStyle/>
           <a:p>
             <a:r>
-              <a:rPr lang="en-US" dirty="0"/>
-              <a:t>L2 distance is not a good metric of human perception</a:t>
+              <a:rPr lang="en-US" b="0" i="0" dirty="0" err="1">
+                <a:solidFill>
+                  <a:srgbClr val="404040"/>
+                </a:solidFill>
+                <a:effectLst/>
+                <a:latin typeface="Raleway"/>
+              </a:rPr>
+              <a:t>Pred</a:t>
+            </a:r>
+            <a:r>
+              <a:rPr lang="en-US" b="0" i="0" dirty="0">
+                <a:solidFill>
+                  <a:srgbClr val="404040"/>
+                </a:solidFill>
+                <a:effectLst/>
+                <a:latin typeface="Raleway"/>
+              </a:rPr>
+              <a:t> now contains a 1000 dimensional vector containing the class logits for the 1000 </a:t>
+            </a:r>
+            <a:r>
+              <a:rPr lang="en-US" b="0" i="0" dirty="0" err="1">
+                <a:solidFill>
+                  <a:srgbClr val="404040"/>
+                </a:solidFill>
+                <a:effectLst/>
+                <a:latin typeface="Raleway"/>
+              </a:rPr>
+              <a:t>imagenet</a:t>
+            </a:r>
+            <a:r>
+              <a:rPr lang="en-US" b="0" i="0" dirty="0">
+                <a:solidFill>
+                  <a:srgbClr val="404040"/>
+                </a:solidFill>
+                <a:effectLst/>
+                <a:latin typeface="Raleway"/>
+              </a:rPr>
+              <a:t> classes (i.e., if you wanted to convert this to a probability vector, you would apply the </a:t>
+            </a:r>
+            <a:r>
+              <a:rPr lang="en-US" b="0" i="0" dirty="0" err="1">
+                <a:solidFill>
+                  <a:srgbClr val="404040"/>
+                </a:solidFill>
+                <a:effectLst/>
+                <a:latin typeface="Raleway"/>
+              </a:rPr>
+              <a:t>softmax</a:t>
+            </a:r>
+            <a:r>
+              <a:rPr lang="en-US" b="0" i="0" dirty="0">
+                <a:solidFill>
+                  <a:srgbClr val="404040"/>
+                </a:solidFill>
+                <a:effectLst/>
+                <a:latin typeface="Raleway"/>
+              </a:rPr>
+              <a:t> operator to this vector). To find the highest likelihood class, we simply take the index of maximum value in this vector, and we can look this up in a list of </a:t>
+            </a:r>
+            <a:r>
+              <a:rPr lang="en-US" b="0" i="0" dirty="0" err="1">
+                <a:solidFill>
+                  <a:srgbClr val="404040"/>
+                </a:solidFill>
+                <a:effectLst/>
+                <a:latin typeface="Raleway"/>
+              </a:rPr>
+              <a:t>imagenet</a:t>
+            </a:r>
+            <a:r>
+              <a:rPr lang="en-US" b="0" i="0" dirty="0">
+                <a:solidFill>
+                  <a:srgbClr val="404040"/>
+                </a:solidFill>
+                <a:effectLst/>
+                <a:latin typeface="Raleway"/>
+              </a:rPr>
+              <a:t> classes to find the corresponding label.</a:t>
             </a:r>
             <a:endParaRPr lang="en-SE" dirty="0"/>
           </a:p>
-          <a:p>
-            <a:pPr lvl="1"/>
-            <a:r>
-              <a:rPr lang="en-US" spc="-5" dirty="0">
-                <a:latin typeface="Arial"/>
-                <a:cs typeface="Arial"/>
-              </a:rPr>
-              <a:t>All 3 images on the right (shifted, messed up, darkened) have same L2 distance to the one on the</a:t>
-            </a:r>
-            <a:r>
-              <a:rPr lang="en-US" spc="110" dirty="0">
-                <a:latin typeface="Arial"/>
-                <a:cs typeface="Arial"/>
-              </a:rPr>
-              <a:t> </a:t>
-            </a:r>
-            <a:r>
-              <a:rPr lang="en-US" spc="-5" dirty="0">
-                <a:latin typeface="Arial"/>
-                <a:cs typeface="Arial"/>
-              </a:rPr>
-              <a:t>left in pixel space</a:t>
-            </a:r>
-            <a:endParaRPr lang="en-US" dirty="0">
-              <a:latin typeface="Arial"/>
-              <a:cs typeface="Arial"/>
-            </a:endParaRPr>
-          </a:p>
         </p:txBody>
       </p:sp>
       <p:sp>
@@ -16807,7 +15849,7 @@
           <p:cNvPr id="4" name="Slide Number Placeholder 3">
             <a:extLst>
               <a:ext uri="{FF2B5EF4-FFF2-40B4-BE49-F238E27FC236}">
-                <a16:creationId xmlns:a16="http://schemas.microsoft.com/office/drawing/2014/main" id="{5D0E5FA1-19C2-43CA-9557-E511C38B02F8}"/>
+                <a16:creationId xmlns:a16="http://schemas.microsoft.com/office/drawing/2014/main" id="{059D4E55-3A0F-4B23-B4FA-FA715F1FB0C5}"/>
               </a:ext>
             </a:extLst>
           </p:cNvPr>
@@ -16837,45 +15879,10 @@
           </a:p>
         </p:txBody>
       </p:sp>
-      <p:sp>
-        <p:nvSpPr>
-          <p:cNvPr id="5" name="object 6">
-            <a:extLst>
-              <a:ext uri="{FF2B5EF4-FFF2-40B4-BE49-F238E27FC236}">
-                <a16:creationId xmlns:a16="http://schemas.microsoft.com/office/drawing/2014/main" id="{84ABDDD7-7BF9-4E60-96B4-67B249EB6132}"/>
-              </a:ext>
-            </a:extLst>
-          </p:cNvPr>
-          <p:cNvSpPr/>
-          <p:nvPr/>
-        </p:nvSpPr>
-        <p:spPr>
-          <a:xfrm>
-            <a:off x="457200" y="3810000"/>
-            <a:ext cx="8461084" cy="2343415"/>
-          </a:xfrm>
-          <a:prstGeom prst="rect">
-            <a:avLst/>
-          </a:prstGeom>
-          <a:blipFill>
-            <a:blip r:embed="rId2" cstate="print"/>
-            <a:stretch>
-              <a:fillRect/>
-            </a:stretch>
-          </a:blipFill>
-        </p:spPr>
-        <p:txBody>
-          <a:bodyPr wrap="square" lIns="0" tIns="0" rIns="0" bIns="0" rtlCol="0"/>
-          <a:lstStyle/>
-          <a:p>
-            <a:endParaRPr/>
-          </a:p>
-        </p:txBody>
-      </p:sp>
     </p:spTree>
     <p:extLst>
       <p:ext uri="{BB962C8B-B14F-4D97-AF65-F5344CB8AC3E}">
-        <p14:creationId xmlns:p14="http://schemas.microsoft.com/office/powerpoint/2010/main" val="137086230"/>
+        <p14:creationId xmlns:p14="http://schemas.microsoft.com/office/powerpoint/2010/main" val="2369841425"/>
       </p:ext>
     </p:extLst>
   </p:cSld>
@@ -17024,129 +16031,6 @@
 </p:sld>
 </file>
 
-<file path=ppt/slides/slide28.xml><?xml version="1.0" encoding="utf-8"?>
-<p:sld xmlns:a="http://schemas.openxmlformats.org/drawingml/2006/main" xmlns:r="http://schemas.openxmlformats.org/officeDocument/2006/relationships" xmlns:p="http://schemas.openxmlformats.org/presentationml/2006/main">
-  <p:cSld>
-    <p:spTree>
-      <p:nvGrpSpPr>
-        <p:cNvPr id="1" name=""/>
-        <p:cNvGrpSpPr/>
-        <p:nvPr/>
-      </p:nvGrpSpPr>
-      <p:grpSpPr>
-        <a:xfrm>
-          <a:off x="0" y="0"/>
-          <a:ext cx="0" cy="0"/>
-          <a:chOff x="0" y="0"/>
-          <a:chExt cx="0" cy="0"/>
-        </a:xfrm>
-      </p:grpSpPr>
-      <p:sp>
-        <p:nvSpPr>
-          <p:cNvPr id="2" name="Title 1">
-            <a:extLst>
-              <a:ext uri="{FF2B5EF4-FFF2-40B4-BE49-F238E27FC236}">
-                <a16:creationId xmlns:a16="http://schemas.microsoft.com/office/drawing/2014/main" id="{87882C18-8045-44F8-B016-037867409205}"/>
-              </a:ext>
-            </a:extLst>
-          </p:cNvPr>
-          <p:cNvSpPr>
-            <a:spLocks noGrp="1"/>
-          </p:cNvSpPr>
-          <p:nvPr>
-            <p:ph type="title"/>
-          </p:nvPr>
-        </p:nvSpPr>
-        <p:spPr/>
-        <p:txBody>
-          <a:bodyPr/>
-          <a:lstStyle/>
-          <a:p>
-            <a:r>
-              <a:rPr lang="en-US" dirty="0"/>
-              <a:t>From 0-to-Research-Scientist-resources-guide</a:t>
-            </a:r>
-            <a:endParaRPr lang="en-SE" dirty="0"/>
-          </a:p>
-        </p:txBody>
-      </p:sp>
-      <p:sp>
-        <p:nvSpPr>
-          <p:cNvPr id="3" name="Content Placeholder 2">
-            <a:extLst>
-              <a:ext uri="{FF2B5EF4-FFF2-40B4-BE49-F238E27FC236}">
-                <a16:creationId xmlns:a16="http://schemas.microsoft.com/office/drawing/2014/main" id="{FAAC8BCE-804A-4D9E-ACC3-0329A654D40A}"/>
-              </a:ext>
-            </a:extLst>
-          </p:cNvPr>
-          <p:cNvSpPr>
-            <a:spLocks noGrp="1"/>
-          </p:cNvSpPr>
-          <p:nvPr>
-            <p:ph idx="1"/>
-          </p:nvPr>
-        </p:nvSpPr>
-        <p:spPr/>
-        <p:txBody>
-          <a:bodyPr/>
-          <a:lstStyle/>
-          <a:p>
-            <a:r>
-              <a:rPr lang="en-US" dirty="0"/>
-              <a:t>https://github.com/ahmedbahaaeldin/From-0-to-Research-Scientist-resources-guide</a:t>
-            </a:r>
-            <a:endParaRPr lang="en-SE" dirty="0"/>
-          </a:p>
-        </p:txBody>
-      </p:sp>
-      <p:sp>
-        <p:nvSpPr>
-          <p:cNvPr id="4" name="Slide Number Placeholder 3">
-            <a:extLst>
-              <a:ext uri="{FF2B5EF4-FFF2-40B4-BE49-F238E27FC236}">
-                <a16:creationId xmlns:a16="http://schemas.microsoft.com/office/drawing/2014/main" id="{F2BBE5B3-BB8A-425A-AD5C-E8FAC8BF712F}"/>
-              </a:ext>
-            </a:extLst>
-          </p:cNvPr>
-          <p:cNvSpPr>
-            <a:spLocks noGrp="1"/>
-          </p:cNvSpPr>
-          <p:nvPr>
-            <p:ph type="sldNum" sz="quarter" idx="12"/>
-          </p:nvPr>
-        </p:nvSpPr>
-        <p:spPr/>
-        <p:txBody>
-          <a:bodyPr/>
-          <a:lstStyle/>
-          <a:p>
-            <a:pPr>
-              <a:defRPr/>
-            </a:pPr>
-            <a:fld id="{F57F456A-00AF-44E6-8D70-638C0D0130FF}" type="slidenum">
-              <a:rPr lang="en-US" altLang="zh-CN" smtClean="0"/>
-              <a:pPr>
-                <a:defRPr/>
-              </a:pPr>
-              <a:t>28</a:t>
-            </a:fld>
-            <a:endParaRPr lang="en-US" altLang="zh-CN"/>
-          </a:p>
-        </p:txBody>
-      </p:sp>
-    </p:spTree>
-    <p:extLst>
-      <p:ext uri="{BB962C8B-B14F-4D97-AF65-F5344CB8AC3E}">
-        <p14:creationId xmlns:p14="http://schemas.microsoft.com/office/powerpoint/2010/main" val="2497772945"/>
-      </p:ext>
-    </p:extLst>
-  </p:cSld>
-  <p:clrMapOvr>
-    <a:masterClrMapping/>
-  </p:clrMapOvr>
-</p:sld>
-</file>
-
 <file path=ppt/slides/slide3.xml><?xml version="1.0" encoding="utf-8"?>
 <p:sld xmlns:a="http://schemas.openxmlformats.org/drawingml/2006/main" xmlns:r="http://schemas.openxmlformats.org/officeDocument/2006/relationships" xmlns:p="http://schemas.openxmlformats.org/presentationml/2006/main">
   <p:cSld>
@@ -17169,7 +16053,7 @@
           <p:cNvPr id="2" name="Title 1">
             <a:extLst>
               <a:ext uri="{FF2B5EF4-FFF2-40B4-BE49-F238E27FC236}">
-                <a16:creationId xmlns:a16="http://schemas.microsoft.com/office/drawing/2014/main" id="{58D32016-0550-46B1-8699-CC5D4648E07A}"/>
+                <a16:creationId xmlns:a16="http://schemas.microsoft.com/office/drawing/2014/main" id="{7862A96E-3A87-401D-84F9-BAA67017C3DF}"/>
               </a:ext>
             </a:extLst>
           </p:cNvPr>
@@ -17198,7 +16082,7 @@
           <p:cNvPr id="3" name="Content Placeholder 2">
             <a:extLst>
               <a:ext uri="{FF2B5EF4-FFF2-40B4-BE49-F238E27FC236}">
-                <a16:creationId xmlns:a16="http://schemas.microsoft.com/office/drawing/2014/main" id="{565B4724-CC96-4B77-B285-C82785957D08}"/>
+                <a16:creationId xmlns:a16="http://schemas.microsoft.com/office/drawing/2014/main" id="{C7DBC020-F256-4C6F-8ECA-FB4642060926}"/>
               </a:ext>
             </a:extLst>
           </p:cNvPr>
@@ -17212,67 +16096,48 @@
         <p:spPr>
           <a:xfrm>
             <a:off x="457200" y="1295400"/>
-            <a:ext cx="8229600" cy="5479110"/>
+            <a:ext cx="8229600" cy="2785122"/>
           </a:xfrm>
         </p:spPr>
         <p:txBody>
           <a:bodyPr>
-            <a:normAutofit fontScale="92500" lnSpcReduction="20000"/>
+            <a:normAutofit fontScale="77500" lnSpcReduction="20000"/>
           </a:bodyPr>
           <a:lstStyle/>
           <a:p>
             <a:r>
               <a:rPr lang="en-US" dirty="0"/>
-              <a:t>Supervised Learning:	</a:t>
+              <a:t>Reinforcement Learning:</a:t>
             </a:r>
           </a:p>
           <a:p>
             <a:pPr lvl="1"/>
             <a:r>
               <a:rPr lang="en-US" dirty="0"/>
-              <a:t>The system is presented with example inputs and their desired outputs, given by a “teacher”, and the goal is to learn a general rule that maps inputs to outputs.</a:t>
+              <a:t>An agent interacts with a dynamic environment in which it must perform a certain goal. The agent is provided feedback in terms of rewards and it tries to learn an optimal policy that maximizes its cumulative rewards.</a:t>
             </a:r>
           </a:p>
           <a:p>
-            <a:pPr lvl="2"/>
+            <a:pPr lvl="1"/>
             <a:r>
               <a:rPr lang="en-US" altLang="zh-CN" dirty="0"/>
-              <a:t>Classification (cat or dog?)</a:t>
+              <a:t>Algorithms: Model-based; Model-free (Value-based, Policy-based)</a:t>
             </a:r>
           </a:p>
           <a:p>
-            <a:pPr lvl="2"/>
+            <a:pPr lvl="1"/>
             <a:r>
               <a:rPr lang="en-US" altLang="zh-CN" dirty="0"/>
-              <a:t>Regression (housing price next year?)</a:t>
+              <a:t>Applications: Game playing (AlphaGo); Robotics; </a:t>
             </a:r>
-          </a:p>
-          <a:p>
             <a:r>
               <a:rPr lang="en-US" dirty="0"/>
-              <a:t>Unsupervised Learning:</a:t>
+              <a:t>AD…</a:t>
             </a:r>
           </a:p>
           <a:p>
             <a:pPr lvl="1"/>
-            <a:r>
-              <a:rPr lang="en-US" dirty="0"/>
-              <a:t>No labels are given to the learning algorithm, leaving it on its own to find structure in its input. Unsupervised learning can be a goal in itself (discovering hidden patterns in data) or a means towards an end (feature learning).</a:t>
-            </a:r>
-          </a:p>
-          <a:p>
-            <a:pPr lvl="2"/>
-            <a:r>
-              <a:rPr lang="en-US" dirty="0"/>
-              <a:t>Parametric UL (e.g., Gaussian Mixture Models)</a:t>
-            </a:r>
-          </a:p>
-          <a:p>
-            <a:pPr lvl="2"/>
-            <a:r>
-              <a:rPr lang="en-US" dirty="0"/>
-              <a:t>Non-parametric UL</a:t>
-            </a:r>
+            <a:endParaRPr lang="en-US" dirty="0"/>
           </a:p>
           <a:p>
             <a:endParaRPr lang="en-SE" dirty="0"/>
@@ -17284,7 +16149,7 @@
           <p:cNvPr id="4" name="Slide Number Placeholder 3">
             <a:extLst>
               <a:ext uri="{FF2B5EF4-FFF2-40B4-BE49-F238E27FC236}">
-                <a16:creationId xmlns:a16="http://schemas.microsoft.com/office/drawing/2014/main" id="{39C04775-350A-4154-A04E-986C9960A948}"/>
+                <a16:creationId xmlns:a16="http://schemas.microsoft.com/office/drawing/2014/main" id="{C5ABA813-8445-4082-981B-DDDB1FF1F204}"/>
               </a:ext>
             </a:extLst>
           </p:cNvPr>
@@ -17309,167 +16174,6 @@
                 <a:defRPr/>
               </a:pPr>
               <a:t>3</a:t>
-            </a:fld>
-            <a:endParaRPr lang="en-US" altLang="zh-CN"/>
-          </a:p>
-        </p:txBody>
-      </p:sp>
-    </p:spTree>
-    <p:extLst>
-      <p:ext uri="{BB962C8B-B14F-4D97-AF65-F5344CB8AC3E}">
-        <p14:creationId xmlns:p14="http://schemas.microsoft.com/office/powerpoint/2010/main" val="2811924909"/>
-      </p:ext>
-    </p:extLst>
-  </p:cSld>
-  <p:clrMapOvr>
-    <a:masterClrMapping/>
-  </p:clrMapOvr>
-</p:sld>
-</file>
-
-<file path=ppt/slides/slide4.xml><?xml version="1.0" encoding="utf-8"?>
-<p:sld xmlns:a="http://schemas.openxmlformats.org/drawingml/2006/main" xmlns:r="http://schemas.openxmlformats.org/officeDocument/2006/relationships" xmlns:p="http://schemas.openxmlformats.org/presentationml/2006/main">
-  <p:cSld>
-    <p:spTree>
-      <p:nvGrpSpPr>
-        <p:cNvPr id="1" name=""/>
-        <p:cNvGrpSpPr/>
-        <p:nvPr/>
-      </p:nvGrpSpPr>
-      <p:grpSpPr>
-        <a:xfrm>
-          <a:off x="0" y="0"/>
-          <a:ext cx="0" cy="0"/>
-          <a:chOff x="0" y="0"/>
-          <a:chExt cx="0" cy="0"/>
-        </a:xfrm>
-      </p:grpSpPr>
-      <p:sp>
-        <p:nvSpPr>
-          <p:cNvPr id="2" name="Title 1">
-            <a:extLst>
-              <a:ext uri="{FF2B5EF4-FFF2-40B4-BE49-F238E27FC236}">
-                <a16:creationId xmlns:a16="http://schemas.microsoft.com/office/drawing/2014/main" id="{7862A96E-3A87-401D-84F9-BAA67017C3DF}"/>
-              </a:ext>
-            </a:extLst>
-          </p:cNvPr>
-          <p:cNvSpPr>
-            <a:spLocks noGrp="1"/>
-          </p:cNvSpPr>
-          <p:nvPr>
-            <p:ph type="title"/>
-          </p:nvPr>
-        </p:nvSpPr>
-        <p:spPr/>
-        <p:txBody>
-          <a:bodyPr/>
-          <a:lstStyle/>
-          <a:p>
-            <a:r>
-              <a:rPr lang="en-US" dirty="0"/>
-              <a:t>ML Taxonomy</a:t>
-            </a:r>
-            <a:endParaRPr lang="en-SE" dirty="0"/>
-          </a:p>
-        </p:txBody>
-      </p:sp>
-      <p:sp>
-        <p:nvSpPr>
-          <p:cNvPr id="3" name="Content Placeholder 2">
-            <a:extLst>
-              <a:ext uri="{FF2B5EF4-FFF2-40B4-BE49-F238E27FC236}">
-                <a16:creationId xmlns:a16="http://schemas.microsoft.com/office/drawing/2014/main" id="{C7DBC020-F256-4C6F-8ECA-FB4642060926}"/>
-              </a:ext>
-            </a:extLst>
-          </p:cNvPr>
-          <p:cNvSpPr>
-            <a:spLocks noGrp="1"/>
-          </p:cNvSpPr>
-          <p:nvPr>
-            <p:ph idx="1"/>
-          </p:nvPr>
-        </p:nvSpPr>
-        <p:spPr>
-          <a:xfrm>
-            <a:off x="457200" y="1295400"/>
-            <a:ext cx="8229600" cy="2785122"/>
-          </a:xfrm>
-        </p:spPr>
-        <p:txBody>
-          <a:bodyPr>
-            <a:normAutofit fontScale="77500" lnSpcReduction="20000"/>
-          </a:bodyPr>
-          <a:lstStyle/>
-          <a:p>
-            <a:r>
-              <a:rPr lang="en-US" dirty="0"/>
-              <a:t>Reinforcement Learning:</a:t>
-            </a:r>
-          </a:p>
-          <a:p>
-            <a:pPr lvl="1"/>
-            <a:r>
-              <a:rPr lang="en-US" dirty="0"/>
-              <a:t>An agent interacts with a dynamic environment in which it must perform a certain goal. The agent is provided feedback in terms of rewards and it tries to learn an optimal policy that maximizes its cumulative rewards.</a:t>
-            </a:r>
-          </a:p>
-          <a:p>
-            <a:pPr lvl="1"/>
-            <a:r>
-              <a:rPr lang="en-US" altLang="zh-CN" dirty="0"/>
-              <a:t>Algorithms: Model-based; Model-free (Value-based, Policy-based)</a:t>
-            </a:r>
-          </a:p>
-          <a:p>
-            <a:pPr lvl="1"/>
-            <a:r>
-              <a:rPr lang="en-US" altLang="zh-CN" dirty="0"/>
-              <a:t>Applications: Game playing (AlphaGo); Robotics; </a:t>
-            </a:r>
-            <a:r>
-              <a:rPr lang="en-US" dirty="0"/>
-              <a:t>AD…</a:t>
-            </a:r>
-          </a:p>
-          <a:p>
-            <a:pPr lvl="1"/>
-            <a:endParaRPr lang="en-US" dirty="0"/>
-          </a:p>
-          <a:p>
-            <a:endParaRPr lang="en-SE" dirty="0"/>
-          </a:p>
-        </p:txBody>
-      </p:sp>
-      <p:sp>
-        <p:nvSpPr>
-          <p:cNvPr id="4" name="Slide Number Placeholder 3">
-            <a:extLst>
-              <a:ext uri="{FF2B5EF4-FFF2-40B4-BE49-F238E27FC236}">
-                <a16:creationId xmlns:a16="http://schemas.microsoft.com/office/drawing/2014/main" id="{C5ABA813-8445-4082-981B-DDDB1FF1F204}"/>
-              </a:ext>
-            </a:extLst>
-          </p:cNvPr>
-          <p:cNvSpPr>
-            <a:spLocks noGrp="1"/>
-          </p:cNvSpPr>
-          <p:nvPr>
-            <p:ph type="sldNum" sz="quarter" idx="12"/>
-          </p:nvPr>
-        </p:nvSpPr>
-        <p:spPr/>
-        <p:txBody>
-          <a:bodyPr/>
-          <a:lstStyle/>
-          <a:p>
-            <a:pPr>
-              <a:defRPr/>
-            </a:pPr>
-            <a:fld id="{F57F456A-00AF-44E6-8D70-638C0D0130FF}" type="slidenum">
-              <a:rPr lang="en-US" altLang="zh-CN" smtClean="0"/>
-              <a:pPr>
-                <a:defRPr/>
-              </a:pPr>
-              <a:t>4</a:t>
             </a:fld>
             <a:endParaRPr lang="en-US" altLang="zh-CN"/>
           </a:p>
@@ -17535,7 +16239,7 @@
 </p:sld>
 </file>
 
-<file path=ppt/slides/slide5.xml><?xml version="1.0" encoding="utf-8"?>
+<file path=ppt/slides/slide4.xml><?xml version="1.0" encoding="utf-8"?>
 <p:sld xmlns:a="http://schemas.openxmlformats.org/drawingml/2006/main" xmlns:r="http://schemas.openxmlformats.org/officeDocument/2006/relationships" xmlns:p="http://schemas.openxmlformats.org/presentationml/2006/main">
   <p:cSld>
     <p:spTree>
@@ -17610,7 +16314,7 @@
               <a:pPr>
                 <a:defRPr/>
               </a:pPr>
-              <a:t>5</a:t>
+              <a:t>4</a:t>
             </a:fld>
             <a:endParaRPr lang="en-US" altLang="zh-CN"/>
           </a:p>
@@ -17867,7 +16571,7 @@
 </p:sld>
 </file>
 
-<file path=ppt/slides/slide6.xml><?xml version="1.0" encoding="utf-8"?>
+<file path=ppt/slides/slide5.xml><?xml version="1.0" encoding="utf-8"?>
 <p:sld xmlns:a="http://schemas.openxmlformats.org/drawingml/2006/main" xmlns:r="http://schemas.openxmlformats.org/officeDocument/2006/relationships" xmlns:p="http://schemas.openxmlformats.org/presentationml/2006/main">
   <p:cSld>
     <p:spTree>
@@ -18138,7 +16842,7 @@
               <a:pPr>
                 <a:defRPr/>
               </a:pPr>
-              <a:t>6</a:t>
+              <a:t>5</a:t>
             </a:fld>
             <a:endParaRPr lang="en-US" altLang="zh-CN"/>
           </a:p>
@@ -19115,7 +17819,7 @@
 </p:sld>
 </file>
 
-<file path=ppt/slides/slide7.xml><?xml version="1.0" encoding="utf-8"?>
+<file path=ppt/slides/slide6.xml><?xml version="1.0" encoding="utf-8"?>
 <p:sld xmlns:a="http://schemas.openxmlformats.org/drawingml/2006/main" xmlns:r="http://schemas.openxmlformats.org/officeDocument/2006/relationships" xmlns:p="http://schemas.openxmlformats.org/presentationml/2006/main">
   <p:cSld>
     <p:spTree>
@@ -19215,7 +17919,7 @@
               <a:pPr>
                 <a:defRPr/>
               </a:pPr>
-              <a:t>7</a:t>
+              <a:t>6</a:t>
             </a:fld>
             <a:endParaRPr lang="en-US" altLang="zh-CN"/>
           </a:p>
@@ -21681,7 +20385,7 @@
 </p:sld>
 </file>
 
-<file path=ppt/slides/slide8.xml><?xml version="1.0" encoding="utf-8"?>
+<file path=ppt/slides/slide7.xml><?xml version="1.0" encoding="utf-8"?>
 <p:sld xmlns:a="http://schemas.openxmlformats.org/drawingml/2006/main" xmlns:r="http://schemas.openxmlformats.org/officeDocument/2006/relationships" xmlns:p="http://schemas.openxmlformats.org/presentationml/2006/main">
   <p:cSld>
     <p:spTree>
@@ -21812,7 +20516,7 @@
               <a:pPr>
                 <a:defRPr/>
               </a:pPr>
-              <a:t>8</a:t>
+              <a:t>7</a:t>
             </a:fld>
             <a:endParaRPr lang="en-US" altLang="zh-CN"/>
           </a:p>
@@ -24312,7 +23016,7 @@
 </p:sld>
 </file>
 
-<file path=ppt/slides/slide9.xml><?xml version="1.0" encoding="utf-8"?>
+<file path=ppt/slides/slide8.xml><?xml version="1.0" encoding="utf-8"?>
 <p:sld xmlns:a="http://schemas.openxmlformats.org/drawingml/2006/main" xmlns:r="http://schemas.openxmlformats.org/officeDocument/2006/relationships" xmlns:p="http://schemas.openxmlformats.org/presentationml/2006/main">
   <p:cSld>
     <p:spTree>
@@ -24855,7 +23559,7 @@
               <a:pPr>
                 <a:defRPr/>
               </a:pPr>
-              <a:t>9</a:t>
+              <a:t>8</a:t>
             </a:fld>
             <a:endParaRPr lang="en-US" altLang="zh-CN"/>
           </a:p>
@@ -24912,6 +23616,960 @@
     <p:extLst>
       <p:ext uri="{BB962C8B-B14F-4D97-AF65-F5344CB8AC3E}">
         <p14:creationId xmlns:p14="http://schemas.microsoft.com/office/powerpoint/2010/main" val="498288201"/>
+      </p:ext>
+    </p:extLst>
+  </p:cSld>
+  <p:clrMapOvr>
+    <a:masterClrMapping/>
+  </p:clrMapOvr>
+</p:sld>
+</file>
+
+<file path=ppt/slides/slide9.xml><?xml version="1.0" encoding="utf-8"?>
+<p:sld xmlns:a="http://schemas.openxmlformats.org/drawingml/2006/main" xmlns:r="http://schemas.openxmlformats.org/officeDocument/2006/relationships" xmlns:p="http://schemas.openxmlformats.org/presentationml/2006/main">
+  <p:cSld>
+    <p:spTree>
+      <p:nvGrpSpPr>
+        <p:cNvPr id="1" name=""/>
+        <p:cNvGrpSpPr/>
+        <p:nvPr/>
+      </p:nvGrpSpPr>
+      <p:grpSpPr>
+        <a:xfrm>
+          <a:off x="0" y="0"/>
+          <a:ext cx="0" cy="0"/>
+          <a:chOff x="0" y="0"/>
+          <a:chExt cx="0" cy="0"/>
+        </a:xfrm>
+      </p:grpSpPr>
+      <p:sp>
+        <p:nvSpPr>
+          <p:cNvPr id="2" name="Title 1">
+            <a:extLst>
+              <a:ext uri="{FF2B5EF4-FFF2-40B4-BE49-F238E27FC236}">
+                <a16:creationId xmlns:a16="http://schemas.microsoft.com/office/drawing/2014/main" id="{A227B4A1-0352-457E-96E8-FDD7450E314E}"/>
+              </a:ext>
+            </a:extLst>
+          </p:cNvPr>
+          <p:cNvSpPr>
+            <a:spLocks noGrp="1"/>
+          </p:cNvSpPr>
+          <p:nvPr>
+            <p:ph type="title"/>
+          </p:nvPr>
+        </p:nvSpPr>
+        <p:spPr/>
+        <p:txBody>
+          <a:bodyPr/>
+          <a:lstStyle/>
+          <a:p>
+            <a:r>
+              <a:rPr lang="en-US" dirty="0"/>
+              <a:t>Linear Regression</a:t>
+            </a:r>
+            <a:endParaRPr lang="en-SE" dirty="0"/>
+          </a:p>
+        </p:txBody>
+      </p:sp>
+      <mc:AlternateContent xmlns:mc="http://schemas.openxmlformats.org/markup-compatibility/2006" xmlns:a14="http://schemas.microsoft.com/office/drawing/2010/main">
+        <mc:Choice Requires="a14">
+          <p:sp>
+            <p:nvSpPr>
+              <p:cNvPr id="3" name="Content Placeholder 2">
+                <a:extLst>
+                  <a:ext uri="{FF2B5EF4-FFF2-40B4-BE49-F238E27FC236}">
+                    <a16:creationId xmlns:a16="http://schemas.microsoft.com/office/drawing/2014/main" id="{4385CA2A-6358-4443-94D0-7995CC70F0F2}"/>
+                  </a:ext>
+                </a:extLst>
+              </p:cNvPr>
+              <p:cNvSpPr>
+                <a:spLocks noGrp="1"/>
+              </p:cNvSpPr>
+              <p:nvPr>
+                <p:ph idx="1"/>
+              </p:nvPr>
+            </p:nvSpPr>
+            <p:spPr>
+              <a:xfrm>
+                <a:off x="457200" y="1295400"/>
+                <a:ext cx="8229600" cy="4941912"/>
+              </a:xfrm>
+            </p:spPr>
+            <p:txBody>
+              <a:bodyPr>
+                <a:normAutofit/>
+              </a:bodyPr>
+              <a:lstStyle/>
+              <a:p>
+                <a:r>
+                  <a:rPr lang="en-US" dirty="0"/>
+                  <a:t>Function approximation </a:t>
+                </a:r>
+                <a14:m>
+                  <m:oMath xmlns:m="http://schemas.openxmlformats.org/officeDocument/2006/math">
+                    <m:r>
+                      <a:rPr lang="en-US" i="1" dirty="0" smtClean="0">
+                        <a:latin typeface="Cambria Math" panose="02040503050406030204" pitchFamily="18" charset="0"/>
+                      </a:rPr>
+                      <m:t>𝑦</m:t>
+                    </m:r>
+                    <m:r>
+                      <a:rPr lang="en-US" i="1" dirty="0" smtClean="0">
+                        <a:latin typeface="Cambria Math" panose="02040503050406030204" pitchFamily="18" charset="0"/>
+                      </a:rPr>
+                      <m:t>=</m:t>
+                    </m:r>
+                    <m:r>
+                      <a:rPr lang="en-US" b="1" i="0" dirty="0" smtClean="0">
+                        <a:latin typeface="Cambria Math" panose="02040503050406030204" pitchFamily="18" charset="0"/>
+                      </a:rPr>
+                      <m:t>𝐰</m:t>
+                    </m:r>
+                    <m:r>
+                      <a:rPr lang="en-US" b="1" i="1" dirty="0" smtClean="0">
+                        <a:latin typeface="Cambria Math" panose="02040503050406030204" pitchFamily="18" charset="0"/>
+                      </a:rPr>
+                      <m:t>⋅</m:t>
+                    </m:r>
+                    <m:r>
+                      <a:rPr lang="en-US" b="1" i="0" dirty="0" smtClean="0">
+                        <a:latin typeface="Cambria Math" panose="02040503050406030204" pitchFamily="18" charset="0"/>
+                      </a:rPr>
+                      <m:t>𝐱</m:t>
+                    </m:r>
+                    <m:r>
+                      <a:rPr lang="en-US" b="0" i="1" dirty="0" smtClean="0">
+                        <a:latin typeface="Cambria Math" panose="02040503050406030204" pitchFamily="18" charset="0"/>
+                      </a:rPr>
+                      <m:t>+</m:t>
+                    </m:r>
+                    <m:r>
+                      <a:rPr lang="en-US" b="0" i="1" dirty="0" smtClean="0">
+                        <a:latin typeface="Cambria Math" panose="02040503050406030204" pitchFamily="18" charset="0"/>
+                      </a:rPr>
+                      <m:t>𝑏</m:t>
+                    </m:r>
+                  </m:oMath>
+                </a14:m>
+                <a:r>
+                  <a:rPr lang="en-US" dirty="0"/>
+                  <a:t>, with learnable parameters </a:t>
+                </a:r>
+                <a14:m>
+                  <m:oMath xmlns:m="http://schemas.openxmlformats.org/officeDocument/2006/math">
+                    <m:r>
+                      <a:rPr lang="en-US" b="1" i="0" dirty="0" smtClean="0">
+                        <a:latin typeface="Cambria Math" panose="02040503050406030204" pitchFamily="18" charset="0"/>
+                      </a:rPr>
+                      <m:t>𝛉</m:t>
+                    </m:r>
+                    <m:r>
+                      <a:rPr lang="en-US" i="1" dirty="0" smtClean="0">
+                        <a:latin typeface="Cambria Math" panose="02040503050406030204" pitchFamily="18" charset="0"/>
+                      </a:rPr>
+                      <m:t>={</m:t>
+                    </m:r>
+                    <m:r>
+                      <a:rPr lang="en-US" b="1" i="0" dirty="0" smtClean="0">
+                        <a:latin typeface="Cambria Math" panose="02040503050406030204" pitchFamily="18" charset="0"/>
+                      </a:rPr>
+                      <m:t>𝐰</m:t>
+                    </m:r>
+                    <m:r>
+                      <a:rPr lang="en-US" i="1" dirty="0" smtClean="0">
+                        <a:latin typeface="Cambria Math" panose="02040503050406030204" pitchFamily="18" charset="0"/>
+                      </a:rPr>
+                      <m:t>,</m:t>
+                    </m:r>
+                    <m:r>
+                      <a:rPr lang="en-US" b="0" i="1" dirty="0" smtClean="0">
+                        <a:latin typeface="Cambria Math" panose="02040503050406030204" pitchFamily="18" charset="0"/>
+                      </a:rPr>
+                      <m:t>𝑏</m:t>
+                    </m:r>
+                    <m:r>
+                      <a:rPr lang="en-US" i="1" dirty="0" smtClean="0">
+                        <a:latin typeface="Cambria Math" panose="02040503050406030204" pitchFamily="18" charset="0"/>
+                      </a:rPr>
+                      <m:t>}</m:t>
+                    </m:r>
+                  </m:oMath>
+                </a14:m>
+                <a:r>
+                  <a:rPr lang="en-US" dirty="0"/>
+                  <a:t>, where </a:t>
+                </a:r>
+                <a14:m>
+                  <m:oMath xmlns:m="http://schemas.openxmlformats.org/officeDocument/2006/math">
+                    <m:r>
+                      <a:rPr lang="en-US" b="1" i="0" dirty="0" smtClean="0">
+                        <a:latin typeface="Cambria Math" panose="02040503050406030204" pitchFamily="18" charset="0"/>
+                      </a:rPr>
+                      <m:t>𝐰</m:t>
+                    </m:r>
+                    <m:r>
+                      <a:rPr lang="en-US" b="1" i="1" dirty="0" smtClean="0">
+                        <a:latin typeface="Cambria Math" panose="02040503050406030204" pitchFamily="18" charset="0"/>
+                      </a:rPr>
+                      <m:t>,</m:t>
+                    </m:r>
+                    <m:r>
+                      <a:rPr lang="en-US" b="1" dirty="0">
+                        <a:latin typeface="Cambria Math" panose="02040503050406030204" pitchFamily="18" charset="0"/>
+                      </a:rPr>
+                      <m:t>𝐱</m:t>
+                    </m:r>
+                  </m:oMath>
+                </a14:m>
+                <a:r>
+                  <a:rPr lang="en-US" dirty="0"/>
+                  <a:t> may be vectors, and </a:t>
+                </a:r>
+                <a14:m>
+                  <m:oMath xmlns:m="http://schemas.openxmlformats.org/officeDocument/2006/math">
+                    <m:r>
+                      <a:rPr lang="en-US" b="1" dirty="0">
+                        <a:latin typeface="Cambria Math" panose="02040503050406030204" pitchFamily="18" charset="0"/>
+                      </a:rPr>
+                      <m:t>𝐰</m:t>
+                    </m:r>
+                    <m:r>
+                      <a:rPr lang="en-US" b="1" i="1" dirty="0">
+                        <a:latin typeface="Cambria Math" panose="02040503050406030204" pitchFamily="18" charset="0"/>
+                      </a:rPr>
+                      <m:t>⋅</m:t>
+                    </m:r>
+                    <m:r>
+                      <a:rPr lang="en-US" b="1" dirty="0">
+                        <a:latin typeface="Cambria Math" panose="02040503050406030204" pitchFamily="18" charset="0"/>
+                      </a:rPr>
+                      <m:t>𝐱</m:t>
+                    </m:r>
+                  </m:oMath>
+                </a14:m>
+                <a:r>
+                  <a:rPr lang="en-US" dirty="0"/>
+                  <a:t> denotes vector dot product (same as </a:t>
+                </a:r>
+                <a14:m>
+                  <m:oMath xmlns:m="http://schemas.openxmlformats.org/officeDocument/2006/math">
+                    <m:sSup>
+                      <m:sSupPr>
+                        <m:ctrlPr>
+                          <a:rPr lang="en-US" b="1" i="1" dirty="0" smtClean="0">
+                            <a:latin typeface="Cambria Math" panose="02040503050406030204" pitchFamily="18" charset="0"/>
+                          </a:rPr>
+                        </m:ctrlPr>
+                      </m:sSupPr>
+                      <m:e>
+                        <m:r>
+                          <a:rPr lang="en-US" b="1" i="0" dirty="0" smtClean="0">
+                            <a:latin typeface="Cambria Math" panose="02040503050406030204" pitchFamily="18" charset="0"/>
+                          </a:rPr>
+                          <m:t>𝐰</m:t>
+                        </m:r>
+                      </m:e>
+                      <m:sup>
+                        <m:r>
+                          <a:rPr lang="en-US" b="1" i="1" dirty="0" smtClean="0">
+                            <a:latin typeface="Cambria Math" panose="02040503050406030204" pitchFamily="18" charset="0"/>
+                          </a:rPr>
+                          <m:t>𝑻</m:t>
+                        </m:r>
+                      </m:sup>
+                    </m:sSup>
+                    <m:r>
+                      <a:rPr lang="en-US" b="1" dirty="0">
+                        <a:latin typeface="Cambria Math" panose="02040503050406030204" pitchFamily="18" charset="0"/>
+                      </a:rPr>
+                      <m:t>𝐱</m:t>
+                    </m:r>
+                  </m:oMath>
+                </a14:m>
+                <a:r>
+                  <a:rPr lang="en-US" dirty="0"/>
+                  <a:t>)</a:t>
+                </a:r>
+              </a:p>
+              <a:p>
+                <a:pPr marL="459740" lvl="1">
+                  <a:spcBef>
+                    <a:spcPts val="535"/>
+                  </a:spcBef>
+                </a:pPr>
+                <a:r>
+                  <a:rPr lang="en-US" dirty="0"/>
+                  <a:t>e.g., </a:t>
+                </a:r>
+                <a:r>
+                  <a:rPr lang="en-US" spc="-5" dirty="0">
+                    <a:latin typeface="Arial"/>
+                    <a:cs typeface="Arial"/>
+                  </a:rPr>
+                  <a:t>we want to predict price of a house based</a:t>
+                </a:r>
+                <a:r>
+                  <a:rPr lang="en-US" spc="90" dirty="0">
+                    <a:latin typeface="Arial"/>
+                    <a:cs typeface="Arial"/>
+                  </a:rPr>
+                  <a:t> </a:t>
+                </a:r>
+                <a:r>
+                  <a:rPr lang="en-US" spc="-5" dirty="0">
+                    <a:latin typeface="Arial"/>
+                    <a:cs typeface="Arial"/>
+                  </a:rPr>
+                  <a:t>on its feature vector </a:t>
+                </a:r>
+                <a14:m>
+                  <m:oMath xmlns:m="http://schemas.openxmlformats.org/officeDocument/2006/math">
+                    <m:r>
+                      <a:rPr lang="en-US" b="1" i="0" dirty="0" smtClean="0">
+                        <a:latin typeface="Cambria Math" panose="02040503050406030204" pitchFamily="18" charset="0"/>
+                      </a:rPr>
+                      <m:t>𝐱</m:t>
+                    </m:r>
+                    <m:r>
+                      <a:rPr lang="en-US" b="1" i="0" dirty="0" smtClean="0">
+                        <a:latin typeface="Cambria Math" panose="02040503050406030204" pitchFamily="18" charset="0"/>
+                      </a:rPr>
+                      <m:t>=</m:t>
+                    </m:r>
+                    <m:sSup>
+                      <m:sSupPr>
+                        <m:ctrlPr>
+                          <a:rPr lang="en-US" b="1" i="1" dirty="0" smtClean="0">
+                            <a:latin typeface="Cambria Math" panose="02040503050406030204" pitchFamily="18" charset="0"/>
+                          </a:rPr>
+                        </m:ctrlPr>
+                      </m:sSupPr>
+                      <m:e>
+                        <m:d>
+                          <m:dPr>
+                            <m:begChr m:val="["/>
+                            <m:endChr m:val="]"/>
+                            <m:ctrlPr>
+                              <a:rPr lang="en-US" b="1" i="1" dirty="0" smtClean="0">
+                                <a:latin typeface="Cambria Math" panose="02040503050406030204" pitchFamily="18" charset="0"/>
+                              </a:rPr>
+                            </m:ctrlPr>
+                          </m:dPr>
+                          <m:e>
+                            <m:sSub>
+                              <m:sSubPr>
+                                <m:ctrlPr>
+                                  <a:rPr lang="en-US" i="1" dirty="0" smtClean="0">
+                                    <a:latin typeface="Cambria Math" panose="02040503050406030204" pitchFamily="18" charset="0"/>
+                                  </a:rPr>
+                                </m:ctrlPr>
+                              </m:sSubPr>
+                              <m:e>
+                                <m:r>
+                                  <a:rPr lang="en-US" b="0" i="1" dirty="0" smtClean="0">
+                                    <a:latin typeface="Cambria Math" panose="02040503050406030204" pitchFamily="18" charset="0"/>
+                                  </a:rPr>
+                                  <m:t>𝑥</m:t>
+                                </m:r>
+                              </m:e>
+                              <m:sub>
+                                <m:r>
+                                  <a:rPr lang="en-US" b="0" i="1" dirty="0" smtClean="0">
+                                    <a:latin typeface="Cambria Math" panose="02040503050406030204" pitchFamily="18" charset="0"/>
+                                  </a:rPr>
+                                  <m:t>1</m:t>
+                                </m:r>
+                              </m:sub>
+                            </m:sSub>
+                            <m:r>
+                              <a:rPr lang="en-US" b="0" i="1" dirty="0" smtClean="0">
+                                <a:latin typeface="Cambria Math" panose="02040503050406030204" pitchFamily="18" charset="0"/>
+                              </a:rPr>
+                              <m:t> </m:t>
+                            </m:r>
+                            <m:sSub>
+                              <m:sSubPr>
+                                <m:ctrlPr>
+                                  <a:rPr lang="en-US" i="1" dirty="0" smtClean="0">
+                                    <a:latin typeface="Cambria Math" panose="02040503050406030204" pitchFamily="18" charset="0"/>
+                                  </a:rPr>
+                                </m:ctrlPr>
+                              </m:sSubPr>
+                              <m:e>
+                                <m:r>
+                                  <a:rPr lang="en-US" b="0" i="1" dirty="0" smtClean="0">
+                                    <a:latin typeface="Cambria Math" panose="02040503050406030204" pitchFamily="18" charset="0"/>
+                                  </a:rPr>
+                                  <m:t>𝑥</m:t>
+                                </m:r>
+                              </m:e>
+                              <m:sub>
+                                <m:r>
+                                  <a:rPr lang="en-US" b="0" i="1" dirty="0" smtClean="0">
+                                    <a:latin typeface="Cambria Math" panose="02040503050406030204" pitchFamily="18" charset="0"/>
+                                  </a:rPr>
+                                  <m:t>2</m:t>
+                                </m:r>
+                              </m:sub>
+                            </m:sSub>
+                            <m:r>
+                              <a:rPr lang="en-US" b="0" i="1" dirty="0" smtClean="0">
+                                <a:latin typeface="Cambria Math" panose="02040503050406030204" pitchFamily="18" charset="0"/>
+                              </a:rPr>
+                              <m:t> </m:t>
+                            </m:r>
+                            <m:sSub>
+                              <m:sSubPr>
+                                <m:ctrlPr>
+                                  <a:rPr lang="en-US" i="1" dirty="0" smtClean="0">
+                                    <a:latin typeface="Cambria Math" panose="02040503050406030204" pitchFamily="18" charset="0"/>
+                                  </a:rPr>
+                                </m:ctrlPr>
+                              </m:sSubPr>
+                              <m:e>
+                                <m:r>
+                                  <a:rPr lang="en-US" b="0" i="1" dirty="0" smtClean="0">
+                                    <a:latin typeface="Cambria Math" panose="02040503050406030204" pitchFamily="18" charset="0"/>
+                                  </a:rPr>
+                                  <m:t>𝑥</m:t>
+                                </m:r>
+                              </m:e>
+                              <m:sub>
+                                <m:r>
+                                  <a:rPr lang="en-US" b="0" i="1" dirty="0" smtClean="0">
+                                    <a:latin typeface="Cambria Math" panose="02040503050406030204" pitchFamily="18" charset="0"/>
+                                  </a:rPr>
+                                  <m:t>3</m:t>
+                                </m:r>
+                              </m:sub>
+                            </m:sSub>
+                          </m:e>
+                        </m:d>
+                      </m:e>
+                      <m:sup>
+                        <m:r>
+                          <a:rPr lang="en-US" b="1" i="0" dirty="0" smtClean="0">
+                            <a:latin typeface="Cambria Math" panose="02040503050406030204" pitchFamily="18" charset="0"/>
+                          </a:rPr>
+                          <m:t>𝐓</m:t>
+                        </m:r>
+                      </m:sup>
+                    </m:sSup>
+                  </m:oMath>
+                </a14:m>
+                <a:r>
+                  <a:rPr lang="en-US" dirty="0">
+                    <a:latin typeface="Arial"/>
+                    <a:cs typeface="Arial"/>
+                  </a:rPr>
+                  <a:t>, where </a:t>
+                </a:r>
+                <a14:m>
+                  <m:oMath xmlns:m="http://schemas.openxmlformats.org/officeDocument/2006/math">
+                    <m:sSub>
+                      <m:sSubPr>
+                        <m:ctrlPr>
+                          <a:rPr lang="en-US" b="0" i="1" spc="-5" dirty="0" smtClean="0">
+                            <a:latin typeface="Cambria Math" panose="02040503050406030204" pitchFamily="18" charset="0"/>
+                            <a:cs typeface="Arial"/>
+                          </a:rPr>
+                        </m:ctrlPr>
+                      </m:sSubPr>
+                      <m:e>
+                        <m:r>
+                          <a:rPr lang="en-US" i="1" spc="-5" dirty="0" smtClean="0">
+                            <a:latin typeface="Cambria Math" panose="02040503050406030204" pitchFamily="18" charset="0"/>
+                            <a:cs typeface="Arial"/>
+                          </a:rPr>
+                          <m:t>𝑥</m:t>
+                        </m:r>
+                      </m:e>
+                      <m:sub>
+                        <m:r>
+                          <a:rPr lang="en-US" i="1" spc="-5" dirty="0" smtClean="0">
+                            <a:latin typeface="Cambria Math" panose="02040503050406030204" pitchFamily="18" charset="0"/>
+                            <a:cs typeface="Arial"/>
+                          </a:rPr>
+                          <m:t>1</m:t>
+                        </m:r>
+                      </m:sub>
+                    </m:sSub>
+                  </m:oMath>
+                </a14:m>
+                <a:r>
+                  <a:rPr lang="en-US" spc="-5" dirty="0">
+                    <a:latin typeface="Arial"/>
+                    <a:cs typeface="Arial"/>
+                  </a:rPr>
+                  <a:t>is area in square meters </a:t>
+                </a:r>
+                <a:r>
+                  <a:rPr lang="en-US" dirty="0">
+                    <a:latin typeface="Arial"/>
+                    <a:cs typeface="Arial"/>
+                  </a:rPr>
+                  <a:t>(sqm), </a:t>
+                </a:r>
+                <a14:m>
+                  <m:oMath xmlns:m="http://schemas.openxmlformats.org/officeDocument/2006/math">
+                    <m:sSub>
+                      <m:sSubPr>
+                        <m:ctrlPr>
+                          <a:rPr lang="en-US" b="0" i="1" spc="-5" dirty="0" smtClean="0">
+                            <a:latin typeface="Cambria Math" panose="02040503050406030204" pitchFamily="18" charset="0"/>
+                            <a:cs typeface="Arial"/>
+                          </a:rPr>
+                        </m:ctrlPr>
+                      </m:sSubPr>
+                      <m:e>
+                        <m:r>
+                          <a:rPr lang="en-US" i="1" spc="-5" dirty="0" smtClean="0">
+                            <a:latin typeface="Cambria Math" panose="02040503050406030204" pitchFamily="18" charset="0"/>
+                            <a:cs typeface="Arial"/>
+                          </a:rPr>
+                          <m:t>𝑥</m:t>
+                        </m:r>
+                      </m:e>
+                      <m:sub>
+                        <m:r>
+                          <a:rPr lang="en-US" i="1" spc="-5" dirty="0" smtClean="0">
+                            <a:latin typeface="Cambria Math" panose="02040503050406030204" pitchFamily="18" charset="0"/>
+                            <a:cs typeface="Arial"/>
+                          </a:rPr>
+                          <m:t>2</m:t>
+                        </m:r>
+                      </m:sub>
+                    </m:sSub>
+                  </m:oMath>
+                </a14:m>
+                <a:r>
+                  <a:rPr lang="en-US" spc="-5" dirty="0">
+                    <a:latin typeface="Arial"/>
+                    <a:cs typeface="Arial"/>
+                  </a:rPr>
+                  <a:t> is location ranking (loc), </a:t>
+                </a:r>
+                <a14:m>
+                  <m:oMath xmlns:m="http://schemas.openxmlformats.org/officeDocument/2006/math">
+                    <m:sSub>
+                      <m:sSubPr>
+                        <m:ctrlPr>
+                          <a:rPr lang="en-US" b="0" i="1" spc="-5" dirty="0" smtClean="0">
+                            <a:latin typeface="Cambria Math" panose="02040503050406030204" pitchFamily="18" charset="0"/>
+                            <a:cs typeface="Arial"/>
+                          </a:rPr>
+                        </m:ctrlPr>
+                      </m:sSubPr>
+                      <m:e>
+                        <m:r>
+                          <a:rPr lang="en-US" i="1" spc="-5" dirty="0" smtClean="0">
+                            <a:latin typeface="Cambria Math" panose="02040503050406030204" pitchFamily="18" charset="0"/>
+                            <a:cs typeface="Arial"/>
+                          </a:rPr>
+                          <m:t>𝑥</m:t>
+                        </m:r>
+                      </m:e>
+                      <m:sub>
+                        <m:r>
+                          <a:rPr lang="en-US" b="0" i="1" spc="-5" dirty="0" smtClean="0">
+                            <a:latin typeface="Cambria Math" panose="02040503050406030204" pitchFamily="18" charset="0"/>
+                            <a:cs typeface="Arial"/>
+                          </a:rPr>
+                          <m:t>3</m:t>
+                        </m:r>
+                      </m:sub>
+                    </m:sSub>
+                  </m:oMath>
+                </a14:m>
+                <a:r>
+                  <a:rPr lang="en-US" spc="-5" dirty="0">
+                    <a:latin typeface="Arial"/>
+                    <a:cs typeface="Arial"/>
+                  </a:rPr>
+                  <a:t> is year of construction</a:t>
+                </a:r>
+                <a:r>
+                  <a:rPr lang="en-US" spc="-10" dirty="0">
+                    <a:latin typeface="Arial"/>
+                    <a:cs typeface="Arial"/>
+                  </a:rPr>
+                  <a:t> </a:t>
+                </a:r>
+                <a:r>
+                  <a:rPr lang="en-US" dirty="0">
+                    <a:latin typeface="Arial"/>
+                    <a:cs typeface="Arial"/>
+                  </a:rPr>
+                  <a:t>(</a:t>
+                </a:r>
+                <a:r>
+                  <a:rPr lang="en-US" dirty="0" err="1">
+                    <a:latin typeface="Arial"/>
+                    <a:cs typeface="Arial"/>
+                  </a:rPr>
+                  <a:t>yoc</a:t>
+                </a:r>
+                <a:r>
+                  <a:rPr lang="en-US" dirty="0">
+                    <a:latin typeface="Arial"/>
+                    <a:cs typeface="Arial"/>
+                  </a:rPr>
+                  <a:t>)</a:t>
+                </a:r>
+              </a:p>
+              <a:p>
+                <a:pPr marL="459740" lvl="1">
+                  <a:spcBef>
+                    <a:spcPts val="535"/>
+                  </a:spcBef>
+                </a:pPr>
+                <a:r>
+                  <a:rPr lang="en-US" spc="-5" dirty="0">
+                    <a:latin typeface="Arial"/>
+                    <a:cs typeface="Arial"/>
+                  </a:rPr>
+                  <a:t>Predicted price</a:t>
+                </a:r>
+                <a:r>
+                  <a:rPr lang="en-US" sz="3200" spc="-5" dirty="0">
+                    <a:latin typeface="Arial"/>
+                    <a:cs typeface="Arial"/>
+                  </a:rPr>
+                  <a:t> </a:t>
+                </a:r>
+                <a14:m>
+                  <m:oMath xmlns:m="http://schemas.openxmlformats.org/officeDocument/2006/math">
+                    <m:r>
+                      <a:rPr lang="en-US" i="1" dirty="0">
+                        <a:latin typeface="Cambria Math" panose="02040503050406030204" pitchFamily="18" charset="0"/>
+                      </a:rPr>
+                      <m:t>𝑦</m:t>
+                    </m:r>
+                    <m:r>
+                      <a:rPr lang="en-US" i="1" dirty="0">
+                        <a:latin typeface="Cambria Math" panose="02040503050406030204" pitchFamily="18" charset="0"/>
+                      </a:rPr>
+                      <m:t>=</m:t>
+                    </m:r>
+                    <m:r>
+                      <a:rPr lang="en-US" b="1" i="0" dirty="0" smtClean="0">
+                        <a:latin typeface="Cambria Math" panose="02040503050406030204" pitchFamily="18" charset="0"/>
+                      </a:rPr>
+                      <m:t>𝐰</m:t>
+                    </m:r>
+                    <m:r>
+                      <a:rPr lang="en-US" b="1" i="1" dirty="0">
+                        <a:latin typeface="Cambria Math" panose="02040503050406030204" pitchFamily="18" charset="0"/>
+                      </a:rPr>
+                      <m:t>⋅</m:t>
+                    </m:r>
+                    <m:r>
+                      <a:rPr lang="en-US" b="1" dirty="0">
+                        <a:latin typeface="Cambria Math" panose="02040503050406030204" pitchFamily="18" charset="0"/>
+                      </a:rPr>
+                      <m:t>𝐱</m:t>
+                    </m:r>
+                    <m:r>
+                      <a:rPr lang="en-US" i="1" dirty="0">
+                        <a:latin typeface="Cambria Math" panose="02040503050406030204" pitchFamily="18" charset="0"/>
+                      </a:rPr>
+                      <m:t>+</m:t>
+                    </m:r>
+                    <m:r>
+                      <a:rPr lang="en-US" b="0" i="1" dirty="0">
+                        <a:latin typeface="Cambria Math" panose="02040503050406030204" pitchFamily="18" charset="0"/>
+                      </a:rPr>
+                      <m:t>𝛽</m:t>
+                    </m:r>
+                    <m:r>
+                      <a:rPr lang="en-US" b="1" i="1" dirty="0" smtClean="0">
+                        <a:latin typeface="Cambria Math" panose="02040503050406030204" pitchFamily="18" charset="0"/>
+                      </a:rPr>
+                      <m:t>=</m:t>
+                    </m:r>
+                    <m:sSub>
+                      <m:sSubPr>
+                        <m:ctrlPr>
+                          <a:rPr lang="en-US" sz="3200" b="0" i="1" spc="-5" dirty="0" smtClean="0">
+                            <a:latin typeface="Cambria Math" panose="02040503050406030204" pitchFamily="18" charset="0"/>
+                          </a:rPr>
+                        </m:ctrlPr>
+                      </m:sSubPr>
+                      <m:e>
+                        <m:r>
+                          <a:rPr lang="en-US" sz="3200" b="0" i="1" spc="-5" dirty="0" smtClean="0">
+                            <a:latin typeface="Cambria Math" panose="02040503050406030204" pitchFamily="18" charset="0"/>
+                            <a:cs typeface="Arial"/>
+                          </a:rPr>
+                          <m:t>𝑤</m:t>
+                        </m:r>
+                      </m:e>
+                      <m:sub>
+                        <m:r>
+                          <a:rPr lang="en-US" sz="3200" b="0" i="1" spc="-5" dirty="0" smtClean="0">
+                            <a:latin typeface="Cambria Math" panose="02040503050406030204" pitchFamily="18" charset="0"/>
+                            <a:cs typeface="Arial"/>
+                          </a:rPr>
+                          <m:t>1</m:t>
+                        </m:r>
+                      </m:sub>
+                    </m:sSub>
+                    <m:sSub>
+                      <m:sSubPr>
+                        <m:ctrlPr>
+                          <a:rPr lang="en-US" sz="3200" b="0" i="1" spc="-5" dirty="0" smtClean="0">
+                            <a:latin typeface="Cambria Math" panose="02040503050406030204" pitchFamily="18" charset="0"/>
+                            <a:cs typeface="Arial"/>
+                          </a:rPr>
+                        </m:ctrlPr>
+                      </m:sSubPr>
+                      <m:e>
+                        <m:r>
+                          <a:rPr lang="en-US" sz="3200" b="0" i="1" spc="-5" dirty="0" smtClean="0">
+                            <a:latin typeface="Cambria Math" panose="02040503050406030204" pitchFamily="18" charset="0"/>
+                            <a:cs typeface="Arial"/>
+                          </a:rPr>
+                          <m:t>𝑥</m:t>
+                        </m:r>
+                      </m:e>
+                      <m:sub>
+                        <m:r>
+                          <a:rPr lang="en-US" sz="3200" b="0" i="1" spc="-5" dirty="0" smtClean="0">
+                            <a:latin typeface="Cambria Math" panose="02040503050406030204" pitchFamily="18" charset="0"/>
+                            <a:cs typeface="Arial"/>
+                          </a:rPr>
+                          <m:t>1</m:t>
+                        </m:r>
+                      </m:sub>
+                    </m:sSub>
+                    <m:r>
+                      <a:rPr lang="en-US" sz="3200" b="0" i="1" spc="-5" dirty="0" smtClean="0">
+                        <a:latin typeface="Cambria Math" panose="02040503050406030204" pitchFamily="18" charset="0"/>
+                        <a:cs typeface="Arial"/>
+                      </a:rPr>
+                      <m:t>+</m:t>
+                    </m:r>
+                    <m:sSub>
+                      <m:sSubPr>
+                        <m:ctrlPr>
+                          <a:rPr lang="en-US" i="1" spc="-5" dirty="0">
+                            <a:latin typeface="Cambria Math" panose="02040503050406030204" pitchFamily="18" charset="0"/>
+                          </a:rPr>
+                        </m:ctrlPr>
+                      </m:sSubPr>
+                      <m:e>
+                        <m:r>
+                          <a:rPr lang="en-US" b="0" i="1" spc="-5" dirty="0" smtClean="0">
+                            <a:latin typeface="Cambria Math" panose="02040503050406030204" pitchFamily="18" charset="0"/>
+                            <a:cs typeface="Arial"/>
+                          </a:rPr>
+                          <m:t>𝑤</m:t>
+                        </m:r>
+                      </m:e>
+                      <m:sub>
+                        <m:r>
+                          <a:rPr lang="en-US" b="0" i="1" spc="-5" dirty="0" smtClean="0">
+                            <a:latin typeface="Cambria Math" panose="02040503050406030204" pitchFamily="18" charset="0"/>
+                            <a:cs typeface="Arial"/>
+                          </a:rPr>
+                          <m:t>2</m:t>
+                        </m:r>
+                      </m:sub>
+                    </m:sSub>
+                    <m:sSub>
+                      <m:sSubPr>
+                        <m:ctrlPr>
+                          <a:rPr lang="en-US" i="1" spc="-5" dirty="0">
+                            <a:latin typeface="Cambria Math" panose="02040503050406030204" pitchFamily="18" charset="0"/>
+                            <a:cs typeface="Arial"/>
+                          </a:rPr>
+                        </m:ctrlPr>
+                      </m:sSubPr>
+                      <m:e>
+                        <m:r>
+                          <a:rPr lang="en-US" i="1" spc="-5" dirty="0">
+                            <a:latin typeface="Cambria Math" panose="02040503050406030204" pitchFamily="18" charset="0"/>
+                            <a:cs typeface="Arial"/>
+                          </a:rPr>
+                          <m:t>𝑥</m:t>
+                        </m:r>
+                      </m:e>
+                      <m:sub>
+                        <m:r>
+                          <a:rPr lang="en-US" b="0" i="1" spc="-5" dirty="0" smtClean="0">
+                            <a:latin typeface="Cambria Math" panose="02040503050406030204" pitchFamily="18" charset="0"/>
+                            <a:cs typeface="Arial"/>
+                          </a:rPr>
+                          <m:t>2</m:t>
+                        </m:r>
+                      </m:sub>
+                    </m:sSub>
+                    <m:r>
+                      <a:rPr lang="en-US" i="1" spc="-5" dirty="0">
+                        <a:latin typeface="Cambria Math" panose="02040503050406030204" pitchFamily="18" charset="0"/>
+                        <a:cs typeface="Arial"/>
+                      </a:rPr>
+                      <m:t>+</m:t>
+                    </m:r>
+                    <m:sSub>
+                      <m:sSubPr>
+                        <m:ctrlPr>
+                          <a:rPr lang="en-US" i="1" spc="-5" dirty="0">
+                            <a:latin typeface="Cambria Math" panose="02040503050406030204" pitchFamily="18" charset="0"/>
+                          </a:rPr>
+                        </m:ctrlPr>
+                      </m:sSubPr>
+                      <m:e>
+                        <m:r>
+                          <a:rPr lang="en-US" b="0" i="1" spc="-5" dirty="0" smtClean="0">
+                            <a:latin typeface="Cambria Math" panose="02040503050406030204" pitchFamily="18" charset="0"/>
+                            <a:cs typeface="Arial"/>
+                          </a:rPr>
+                          <m:t>𝑤</m:t>
+                        </m:r>
+                      </m:e>
+                      <m:sub>
+                        <m:r>
+                          <a:rPr lang="en-US" b="0" i="1" spc="-5" dirty="0" smtClean="0">
+                            <a:latin typeface="Cambria Math" panose="02040503050406030204" pitchFamily="18" charset="0"/>
+                            <a:cs typeface="Arial"/>
+                          </a:rPr>
+                          <m:t>3</m:t>
+                        </m:r>
+                      </m:sub>
+                    </m:sSub>
+                    <m:sSub>
+                      <m:sSubPr>
+                        <m:ctrlPr>
+                          <a:rPr lang="en-US" i="1" spc="-5" dirty="0">
+                            <a:latin typeface="Cambria Math" panose="02040503050406030204" pitchFamily="18" charset="0"/>
+                            <a:cs typeface="Arial"/>
+                          </a:rPr>
+                        </m:ctrlPr>
+                      </m:sSubPr>
+                      <m:e>
+                        <m:r>
+                          <a:rPr lang="en-US" i="1" spc="-5" dirty="0">
+                            <a:latin typeface="Cambria Math" panose="02040503050406030204" pitchFamily="18" charset="0"/>
+                            <a:cs typeface="Arial"/>
+                          </a:rPr>
+                          <m:t>𝑥</m:t>
+                        </m:r>
+                      </m:e>
+                      <m:sub>
+                        <m:r>
+                          <a:rPr lang="en-US" b="0" i="1" spc="-5" dirty="0" smtClean="0">
+                            <a:latin typeface="Cambria Math" panose="02040503050406030204" pitchFamily="18" charset="0"/>
+                            <a:cs typeface="Arial"/>
+                          </a:rPr>
+                          <m:t>3</m:t>
+                        </m:r>
+                      </m:sub>
+                    </m:sSub>
+                    <m:r>
+                      <a:rPr lang="en-US" i="1" spc="-5" dirty="0">
+                        <a:latin typeface="Cambria Math" panose="02040503050406030204" pitchFamily="18" charset="0"/>
+                        <a:cs typeface="Arial"/>
+                      </a:rPr>
+                      <m:t>+</m:t>
+                    </m:r>
+                    <m:r>
+                      <a:rPr lang="en-US" b="0" i="1" spc="-5" dirty="0" smtClean="0">
+                        <a:latin typeface="Cambria Math" panose="02040503050406030204" pitchFamily="18" charset="0"/>
+                        <a:cs typeface="Arial"/>
+                      </a:rPr>
+                      <m:t>𝑏</m:t>
+                    </m:r>
+                  </m:oMath>
+                </a14:m>
+                <a:endParaRPr lang="en-SE" dirty="0"/>
+              </a:p>
+            </p:txBody>
+          </p:sp>
+        </mc:Choice>
+        <mc:Fallback xmlns="">
+          <p:sp>
+            <p:nvSpPr>
+              <p:cNvPr id="3" name="Content Placeholder 2">
+                <a:extLst>
+                  <a:ext uri="{FF2B5EF4-FFF2-40B4-BE49-F238E27FC236}">
+                    <a16:creationId xmlns:a16="http://schemas.microsoft.com/office/drawing/2014/main" id="{4385CA2A-6358-4443-94D0-7995CC70F0F2}"/>
+                  </a:ext>
+                </a:extLst>
+              </p:cNvPr>
+              <p:cNvSpPr>
+                <a:spLocks noGrp="1" noRot="1" noChangeAspect="1" noMove="1" noResize="1" noEditPoints="1" noAdjustHandles="1" noChangeArrowheads="1" noChangeShapeType="1" noTextEdit="1"/>
+              </p:cNvSpPr>
+              <p:nvPr>
+                <p:ph idx="1"/>
+              </p:nvPr>
+            </p:nvSpPr>
+            <p:spPr>
+              <a:xfrm>
+                <a:off x="457200" y="1295400"/>
+                <a:ext cx="8229600" cy="4941912"/>
+              </a:xfrm>
+              <a:blipFill>
+                <a:blip r:embed="rId2"/>
+                <a:stretch>
+                  <a:fillRect l="-1704" t="-1605" r="-1778"/>
+                </a:stretch>
+              </a:blipFill>
+            </p:spPr>
+            <p:txBody>
+              <a:bodyPr/>
+              <a:lstStyle/>
+              <a:p>
+                <a:r>
+                  <a:rPr lang="en-SE">
+                    <a:noFill/>
+                  </a:rPr>
+                  <a:t> </a:t>
+                </a:r>
+              </a:p>
+            </p:txBody>
+          </p:sp>
+        </mc:Fallback>
+      </mc:AlternateContent>
+      <p:sp>
+        <p:nvSpPr>
+          <p:cNvPr id="4" name="Slide Number Placeholder 3">
+            <a:extLst>
+              <a:ext uri="{FF2B5EF4-FFF2-40B4-BE49-F238E27FC236}">
+                <a16:creationId xmlns:a16="http://schemas.microsoft.com/office/drawing/2014/main" id="{B85D66B8-5E43-477C-AA1B-AD9C83A12516}"/>
+              </a:ext>
+            </a:extLst>
+          </p:cNvPr>
+          <p:cNvSpPr>
+            <a:spLocks noGrp="1"/>
+          </p:cNvSpPr>
+          <p:nvPr>
+            <p:ph type="sldNum" sz="quarter" idx="12"/>
+          </p:nvPr>
+        </p:nvSpPr>
+        <p:spPr/>
+        <p:txBody>
+          <a:bodyPr/>
+          <a:lstStyle/>
+          <a:p>
+            <a:pPr>
+              <a:defRPr/>
+            </a:pPr>
+            <a:fld id="{F57F456A-00AF-44E6-8D70-638C0D0130FF}" type="slidenum">
+              <a:rPr lang="en-US" altLang="zh-CN" smtClean="0"/>
+              <a:pPr>
+                <a:defRPr/>
+              </a:pPr>
+              <a:t>9</a:t>
+            </a:fld>
+            <a:endParaRPr lang="en-US" altLang="zh-CN"/>
+          </a:p>
+        </p:txBody>
+      </p:sp>
+    </p:spTree>
+    <p:extLst>
+      <p:ext uri="{BB962C8B-B14F-4D97-AF65-F5344CB8AC3E}">
+        <p14:creationId xmlns:p14="http://schemas.microsoft.com/office/powerpoint/2010/main" val="2096542635"/>
       </p:ext>
     </p:extLst>
   </p:cSld>
